--- a/excel/vlasisPitsios_masterThesis.pptx
+++ b/excel/vlasisPitsios_masterThesis.pptx
@@ -6,25 +6,28 @@
   </p:sldMasterIdLst>
   <p:sldIdLst>
     <p:sldId id="256" r:id="rId2"/>
-    <p:sldId id="257" r:id="rId3"/>
-    <p:sldId id="258" r:id="rId4"/>
-    <p:sldId id="259" r:id="rId5"/>
-    <p:sldId id="260" r:id="rId6"/>
-    <p:sldId id="261" r:id="rId7"/>
-    <p:sldId id="262" r:id="rId8"/>
-    <p:sldId id="263" r:id="rId9"/>
-    <p:sldId id="264" r:id="rId10"/>
-    <p:sldId id="265" r:id="rId11"/>
-    <p:sldId id="266" r:id="rId12"/>
-    <p:sldId id="267" r:id="rId13"/>
-    <p:sldId id="268" r:id="rId14"/>
-    <p:sldId id="269" r:id="rId15"/>
-    <p:sldId id="270" r:id="rId16"/>
-    <p:sldId id="275" r:id="rId17"/>
-    <p:sldId id="274" r:id="rId18"/>
-    <p:sldId id="271" r:id="rId19"/>
-    <p:sldId id="272" r:id="rId20"/>
-    <p:sldId id="273" r:id="rId21"/>
+    <p:sldId id="276" r:id="rId3"/>
+    <p:sldId id="277" r:id="rId4"/>
+    <p:sldId id="257" r:id="rId5"/>
+    <p:sldId id="258" r:id="rId6"/>
+    <p:sldId id="259" r:id="rId7"/>
+    <p:sldId id="260" r:id="rId8"/>
+    <p:sldId id="261" r:id="rId9"/>
+    <p:sldId id="262" r:id="rId10"/>
+    <p:sldId id="263" r:id="rId11"/>
+    <p:sldId id="264" r:id="rId12"/>
+    <p:sldId id="265" r:id="rId13"/>
+    <p:sldId id="266" r:id="rId14"/>
+    <p:sldId id="267" r:id="rId15"/>
+    <p:sldId id="268" r:id="rId16"/>
+    <p:sldId id="269" r:id="rId17"/>
+    <p:sldId id="270" r:id="rId18"/>
+    <p:sldId id="275" r:id="rId19"/>
+    <p:sldId id="274" r:id="rId20"/>
+    <p:sldId id="271" r:id="rId21"/>
+    <p:sldId id="272" r:id="rId22"/>
+    <p:sldId id="278" r:id="rId23"/>
+    <p:sldId id="273" r:id="rId24"/>
   </p:sldIdLst>
   <p:sldSz cx="9144000" cy="6858000" type="screen4x3"/>
   <p:notesSz cx="6858000" cy="9144000"/>
@@ -321,7 +324,7 @@
             <a:fld id="{1D8BD707-D9CF-40AE-B4C6-C98DA3205C09}" type="datetimeFigureOut">
               <a:rPr lang="en-US" smtClean="0"/>
               <a:pPr/>
-              <a:t>2/16/2019</a:t>
+              <a:t>2/24/2019</a:t>
             </a:fld>
             <a:endParaRPr lang="en-US"/>
           </a:p>
@@ -676,7 +679,7 @@
             <a:fld id="{1D8BD707-D9CF-40AE-B4C6-C98DA3205C09}" type="datetimeFigureOut">
               <a:rPr lang="en-US" smtClean="0"/>
               <a:pPr/>
-              <a:t>2/16/2019</a:t>
+              <a:t>2/24/2019</a:t>
             </a:fld>
             <a:endParaRPr lang="en-US"/>
           </a:p>
@@ -853,7 +856,7 @@
             <a:fld id="{1D8BD707-D9CF-40AE-B4C6-C98DA3205C09}" type="datetimeFigureOut">
               <a:rPr lang="en-US" smtClean="0"/>
               <a:pPr/>
-              <a:t>2/16/2019</a:t>
+              <a:t>2/24/2019</a:t>
             </a:fld>
             <a:endParaRPr lang="en-US"/>
           </a:p>
@@ -968,7 +971,7 @@
             <a:fld id="{1D8BD707-D9CF-40AE-B4C6-C98DA3205C09}" type="datetimeFigureOut">
               <a:rPr lang="en-US" smtClean="0"/>
               <a:pPr/>
-              <a:t>2/16/2019</a:t>
+              <a:t>2/24/2019</a:t>
             </a:fld>
             <a:endParaRPr lang="en-US"/>
           </a:p>
@@ -1328,7 +1331,7 @@
             <a:fld id="{1D8BD707-D9CF-40AE-B4C6-C98DA3205C09}" type="datetimeFigureOut">
               <a:rPr lang="en-US" smtClean="0"/>
               <a:pPr/>
-              <a:t>2/16/2019</a:t>
+              <a:t>2/24/2019</a:t>
             </a:fld>
             <a:endParaRPr lang="en-US"/>
           </a:p>
@@ -1595,7 +1598,7 @@
             <a:fld id="{1D8BD707-D9CF-40AE-B4C6-C98DA3205C09}" type="datetimeFigureOut">
               <a:rPr lang="en-US" smtClean="0"/>
               <a:pPr/>
-              <a:t>2/16/2019</a:t>
+              <a:t>2/24/2019</a:t>
             </a:fld>
             <a:endParaRPr lang="en-US"/>
           </a:p>
@@ -1959,7 +1962,7 @@
             <a:fld id="{1D8BD707-D9CF-40AE-B4C6-C98DA3205C09}" type="datetimeFigureOut">
               <a:rPr lang="en-US" smtClean="0"/>
               <a:pPr/>
-              <a:t>2/16/2019</a:t>
+              <a:t>2/24/2019</a:t>
             </a:fld>
             <a:endParaRPr lang="en-US"/>
           </a:p>
@@ -2188,7 +2191,7 @@
             <a:fld id="{1D8BD707-D9CF-40AE-B4C6-C98DA3205C09}" type="datetimeFigureOut">
               <a:rPr lang="en-US" smtClean="0"/>
               <a:pPr/>
-              <a:t>2/16/2019</a:t>
+              <a:t>2/24/2019</a:t>
             </a:fld>
             <a:endParaRPr lang="en-US"/>
           </a:p>
@@ -2280,7 +2283,7 @@
             <a:fld id="{1D8BD707-D9CF-40AE-B4C6-C98DA3205C09}" type="datetimeFigureOut">
               <a:rPr lang="en-US" smtClean="0"/>
               <a:pPr/>
-              <a:t>2/16/2019</a:t>
+              <a:t>2/24/2019</a:t>
             </a:fld>
             <a:endParaRPr lang="en-US"/>
           </a:p>
@@ -2549,7 +2552,7 @@
             <a:fld id="{1D8BD707-D9CF-40AE-B4C6-C98DA3205C09}" type="datetimeFigureOut">
               <a:rPr lang="en-US" smtClean="0"/>
               <a:pPr/>
-              <a:t>2/16/2019</a:t>
+              <a:t>2/24/2019</a:t>
             </a:fld>
             <a:endParaRPr lang="en-US"/>
           </a:p>
@@ -2779,7 +2782,7 @@
             <a:fld id="{1D8BD707-D9CF-40AE-B4C6-C98DA3205C09}" type="datetimeFigureOut">
               <a:rPr lang="en-US" smtClean="0"/>
               <a:pPr/>
-              <a:t>2/16/2019</a:t>
+              <a:t>2/24/2019</a:t>
             </a:fld>
             <a:endParaRPr lang="en-US"/>
           </a:p>
@@ -3280,7 +3283,7 @@
             <a:fld id="{1D8BD707-D9CF-40AE-B4C6-C98DA3205C09}" type="datetimeFigureOut">
               <a:rPr lang="en-US" smtClean="0"/>
               <a:pPr/>
-              <a:t>2/16/2019</a:t>
+              <a:t>2/24/2019</a:t>
             </a:fld>
             <a:endParaRPr lang="en-US"/>
           </a:p>
@@ -3794,7 +3797,7 @@
         <p:spPr>
           <a:xfrm>
             <a:off x="914400" y="274638"/>
-            <a:ext cx="7772400" cy="715962"/>
+            <a:ext cx="7772400" cy="639762"/>
           </a:xfrm>
         </p:spPr>
         <p:txBody>
@@ -3805,8 +3808,24 @@
           <a:p>
             <a:pPr algn="ctr"/>
             <a:r>
+              <a:rPr lang="el-GR" b="1" dirty="0" smtClean="0"/>
+              <a:t>Αλγόριθμος </a:t>
+            </a:r>
+            <a:r>
               <a:rPr lang="en-US" b="1" dirty="0" smtClean="0"/>
-              <a:t>Apache Spark Framework</a:t>
+              <a:t>Alpha </a:t>
+            </a:r>
+            <a:r>
+              <a:rPr lang="en-US" b="1" dirty="0" smtClean="0"/>
+              <a:t>– </a:t>
+            </a:r>
+            <a:r>
+              <a:rPr lang="el-GR" b="1" dirty="0" smtClean="0"/>
+              <a:t>Βήματα</a:t>
+            </a:r>
+            <a:r>
+              <a:rPr lang="en-US" b="1" dirty="0" smtClean="0"/>
+              <a:t> (2)</a:t>
             </a:r>
             <a:endParaRPr lang="el-GR" dirty="0"/>
           </a:p>
@@ -3824,196 +3843,366 @@
         </p:nvSpPr>
         <p:spPr>
           <a:xfrm>
-            <a:off x="381000" y="990600"/>
-            <a:ext cx="8458200" cy="5486400"/>
+            <a:off x="533400" y="914400"/>
+            <a:ext cx="8382000" cy="5638800"/>
           </a:xfrm>
         </p:spPr>
         <p:txBody>
           <a:bodyPr>
-            <a:normAutofit fontScale="92500" lnSpcReduction="20000"/>
+            <a:normAutofit lnSpcReduction="10000"/>
           </a:bodyPr>
           <a:lstStyle/>
           <a:p>
-            <a:r>
-              <a:rPr lang="en-US" dirty="0" smtClean="0"/>
-              <a:t>Distributed computing platform</a:t>
-            </a:r>
-          </a:p>
-          <a:p>
-            <a:endParaRPr lang="en-US" dirty="0" smtClean="0"/>
-          </a:p>
-          <a:p>
-            <a:r>
-              <a:rPr lang="el-GR" dirty="0" smtClean="0"/>
-              <a:t>10 έως 100 φορές γρηρότερο από το </a:t>
-            </a:r>
-            <a:r>
-              <a:rPr lang="en-US" b="1" dirty="0" err="1" smtClean="0"/>
-              <a:t>Hadoop</a:t>
-            </a:r>
-            <a:r>
-              <a:rPr lang="el-GR" b="1" dirty="0" smtClean="0"/>
-              <a:t>’</a:t>
-            </a:r>
-            <a:r>
-              <a:rPr lang="en-US" b="1" dirty="0" smtClean="0"/>
-              <a:t>s </a:t>
-            </a:r>
-            <a:r>
-              <a:rPr lang="en-US" b="1" dirty="0" err="1" smtClean="0"/>
-              <a:t>MapReduce</a:t>
-            </a:r>
-            <a:endParaRPr lang="en-US" b="1" dirty="0" smtClean="0"/>
-          </a:p>
-          <a:p>
-            <a:endParaRPr lang="en-US" b="1" dirty="0" smtClean="0"/>
-          </a:p>
-          <a:p>
-            <a:r>
-              <a:rPr lang="en-US" dirty="0" smtClean="0"/>
-              <a:t>collections</a:t>
-            </a:r>
-            <a:r>
-              <a:rPr lang="el-GR" dirty="0" smtClean="0"/>
-              <a:t>-</a:t>
-            </a:r>
-            <a:r>
-              <a:rPr lang="en-US" dirty="0" smtClean="0"/>
-              <a:t>based APIs </a:t>
-            </a:r>
-            <a:r>
-              <a:rPr lang="el-GR" dirty="0" smtClean="0"/>
-              <a:t>παρόμοια με </a:t>
-            </a:r>
-            <a:r>
-              <a:rPr lang="en-US" dirty="0" smtClean="0"/>
-              <a:t>collections</a:t>
-            </a:r>
-            <a:r>
-              <a:rPr lang="el-GR" dirty="0" smtClean="0"/>
-              <a:t> της </a:t>
-            </a:r>
-            <a:r>
-              <a:rPr lang="en-US" b="1" dirty="0" err="1" smtClean="0"/>
-              <a:t>Scala</a:t>
-            </a:r>
-            <a:r>
-              <a:rPr lang="el-GR" dirty="0" smtClean="0"/>
-              <a:t>, της </a:t>
-            </a:r>
-            <a:r>
-              <a:rPr lang="en-US" b="1" dirty="0" smtClean="0"/>
-              <a:t>Java</a:t>
-            </a:r>
-            <a:r>
-              <a:rPr lang="el-GR" dirty="0" smtClean="0"/>
-              <a:t> ή της </a:t>
-            </a:r>
-            <a:r>
-              <a:rPr lang="en-US" b="1" dirty="0" smtClean="0"/>
-              <a:t>Python</a:t>
-            </a:r>
-          </a:p>
-          <a:p>
-            <a:endParaRPr lang="en-US" b="1" dirty="0" smtClean="0"/>
-          </a:p>
-          <a:p>
-            <a:r>
-              <a:rPr lang="el-GR" dirty="0" smtClean="0"/>
-              <a:t>αποθήκευση μεγάλου όγκου δεδομένων στην κύρια μνήμη</a:t>
-            </a:r>
-            <a:r>
-              <a:rPr lang="en-US" dirty="0" smtClean="0"/>
+            <a:pPr marL="514350" indent="-514350">
+              <a:buFont typeface="+mj-lt"/>
+              <a:buAutoNum type="arabicPeriod" startAt="5"/>
+            </a:pPr>
+            <a:r>
+              <a:rPr lang="el-GR" sz="2400" dirty="0" smtClean="0"/>
+              <a:t>Διαγραφή </a:t>
+            </a:r>
+            <a:r>
+              <a:rPr lang="el-GR" sz="2400" dirty="0" smtClean="0"/>
+              <a:t>των μη-μέγιστων </a:t>
+            </a:r>
+            <a:r>
+              <a:rPr lang="en-US" sz="2400" dirty="0" smtClean="0"/>
+              <a:t>causal </a:t>
+            </a:r>
+            <a:r>
+              <a:rPr lang="en-US" sz="2400" dirty="0" smtClean="0"/>
+              <a:t>groups  </a:t>
+            </a:r>
+            <a:r>
+              <a:rPr lang="el-GR" sz="2400" dirty="0" smtClean="0"/>
+              <a:t>από το βήμα 4</a:t>
+            </a:r>
+          </a:p>
+          <a:p>
+            <a:pPr marL="514350" indent="-514350">
+              <a:buFont typeface="+mj-lt"/>
+              <a:buAutoNum type="arabicPeriod" startAt="5"/>
+            </a:pPr>
+            <a:endParaRPr lang="el-GR" sz="2400" dirty="0" smtClean="0"/>
+          </a:p>
+          <a:p>
+            <a:pPr marL="514350" indent="-514350">
+              <a:buFont typeface="+mj-lt"/>
+              <a:buAutoNum type="arabicPeriod" startAt="5"/>
+            </a:pPr>
+            <a:endParaRPr lang="el-GR" sz="2400" dirty="0" smtClean="0"/>
+          </a:p>
+          <a:p>
+            <a:pPr marL="514350" indent="-514350">
+              <a:buFont typeface="+mj-lt"/>
+              <a:buAutoNum type="arabicPeriod" startAt="5"/>
+            </a:pPr>
+            <a:endParaRPr lang="el-GR" sz="2400" dirty="0" smtClean="0"/>
+          </a:p>
+          <a:p>
+            <a:pPr marL="514350" indent="-514350">
+              <a:buFont typeface="+mj-lt"/>
+              <a:buAutoNum type="arabicPeriod" startAt="5"/>
+            </a:pPr>
+            <a:endParaRPr lang="el-GR" sz="2400" dirty="0" smtClean="0"/>
+          </a:p>
+          <a:p>
+            <a:pPr marL="514350" indent="-514350">
+              <a:buFont typeface="+mj-lt"/>
+              <a:buAutoNum type="arabicPeriod" startAt="5"/>
+            </a:pPr>
+            <a:r>
+              <a:rPr lang="el-GR" sz="2200" dirty="0" smtClean="0"/>
+              <a:t>Εύρεση των </a:t>
+            </a:r>
+            <a:r>
+              <a:rPr lang="el-GR" sz="2200" dirty="0" smtClean="0"/>
+              <a:t>καταστάσεων</a:t>
+            </a:r>
+            <a:r>
+              <a:rPr lang="en-US" sz="2200" dirty="0" smtClean="0"/>
+              <a:t> </a:t>
+            </a:r>
+            <a:r>
+              <a:rPr lang="el-GR" sz="2200" dirty="0" smtClean="0"/>
+              <a:t>του δικτύου</a:t>
+            </a:r>
+            <a:r>
+              <a:rPr lang="en-US" sz="2200" dirty="0" smtClean="0"/>
+              <a:t> </a:t>
+            </a:r>
+            <a:r>
+              <a:rPr lang="en-US" sz="2200" dirty="0" smtClean="0"/>
+              <a:t>Petri </a:t>
+            </a:r>
+            <a:r>
+              <a:rPr lang="el-GR" sz="2200" dirty="0" smtClean="0"/>
+              <a:t>από </a:t>
+            </a:r>
+            <a:r>
+              <a:rPr lang="el-GR" sz="2200" dirty="0" smtClean="0"/>
+              <a:t>τα </a:t>
+            </a:r>
+            <a:r>
+              <a:rPr lang="en-US" sz="2200" dirty="0" smtClean="0"/>
+              <a:t>causal groups. </a:t>
+            </a:r>
+            <a:r>
+              <a:rPr lang="el-GR" sz="2200" dirty="0" smtClean="0"/>
+              <a:t>Πρσθήκη μιας αρχικής  και μιας τελικής κατάστασης . Αποτελεί το σύνολο </a:t>
+            </a:r>
+            <a:r>
+              <a:rPr lang="en-US" sz="2200" dirty="0" smtClean="0"/>
+              <a:t>P </a:t>
+            </a:r>
+            <a:r>
+              <a:rPr lang="el-GR" sz="2200" dirty="0" smtClean="0"/>
+              <a:t>της τριάδας </a:t>
+            </a:r>
+            <a:r>
+              <a:rPr lang="el-GR" sz="2200" b="1" dirty="0" smtClean="0"/>
+              <a:t>(</a:t>
+            </a:r>
+            <a:r>
+              <a:rPr lang="en-US" sz="2200" b="1" dirty="0" smtClean="0"/>
+              <a:t>P</a:t>
+            </a:r>
+            <a:r>
+              <a:rPr lang="el-GR" sz="2200" b="1" dirty="0" smtClean="0"/>
               <a:t>, </a:t>
             </a:r>
             <a:r>
-              <a:rPr lang="el-GR" dirty="0" smtClean="0"/>
-              <a:t>πολύ μεγάλη αύξηση της απόδοσης</a:t>
-            </a:r>
-            <a:endParaRPr lang="en-US" dirty="0" smtClean="0"/>
-          </a:p>
-          <a:p>
-            <a:endParaRPr lang="el-GR" dirty="0" smtClean="0"/>
-          </a:p>
-          <a:p>
-            <a:r>
-              <a:rPr lang="el-GR" b="1" dirty="0" smtClean="0"/>
-              <a:t>Δομές δεδομένων του </a:t>
-            </a:r>
-            <a:r>
-              <a:rPr lang="en-US" b="1" dirty="0" smtClean="0"/>
-              <a:t>Spark</a:t>
-            </a:r>
-          </a:p>
-          <a:p>
-            <a:pPr>
-              <a:buNone/>
+              <a:rPr lang="en-US" sz="2200" b="1" dirty="0" smtClean="0"/>
+              <a:t>T</a:t>
+            </a:r>
+            <a:r>
+              <a:rPr lang="el-GR" sz="2200" b="1" dirty="0" smtClean="0"/>
+              <a:t>, </a:t>
+            </a:r>
+            <a:r>
+              <a:rPr lang="en-US" sz="2200" b="1" dirty="0" smtClean="0"/>
+              <a:t>F</a:t>
+            </a:r>
+            <a:r>
+              <a:rPr lang="el-GR" sz="2200" b="1" dirty="0" smtClean="0"/>
+              <a:t>)</a:t>
+            </a:r>
+            <a:r>
+              <a:rPr lang="el-GR" sz="2200" dirty="0" smtClean="0"/>
+              <a:t> που περιγράφει </a:t>
+            </a:r>
+            <a:r>
+              <a:rPr lang="el-GR" sz="2200" dirty="0" smtClean="0"/>
+              <a:t>το </a:t>
+            </a:r>
+            <a:r>
+              <a:rPr lang="el-GR" sz="2200" dirty="0" smtClean="0"/>
+              <a:t>δίκτυο </a:t>
+            </a:r>
+            <a:r>
+              <a:rPr lang="en-US" sz="2200" dirty="0" smtClean="0"/>
+              <a:t>Petri</a:t>
+            </a:r>
+            <a:r>
+              <a:rPr lang="el-GR" sz="2200" dirty="0" smtClean="0"/>
+              <a:t>.</a:t>
+            </a:r>
+            <a:endParaRPr lang="el-GR" sz="2200" dirty="0" smtClean="0"/>
+          </a:p>
+          <a:p>
+            <a:pPr marL="514350" indent="-514350">
+              <a:buFont typeface="+mj-lt"/>
+              <a:buAutoNum type="arabicPeriod" startAt="5"/>
             </a:pPr>
-            <a:r>
-              <a:rPr lang="en-US" b="1" dirty="0" smtClean="0"/>
-              <a:t>resilient distributed dataset</a:t>
-            </a:r>
-            <a:r>
-              <a:rPr lang="el-GR" dirty="0" smtClean="0"/>
-              <a:t> (</a:t>
-            </a:r>
-            <a:r>
-              <a:rPr lang="en-US" b="1" dirty="0" smtClean="0"/>
-              <a:t>RDD</a:t>
-            </a:r>
-            <a:r>
-              <a:rPr lang="el-GR" dirty="0" smtClean="0"/>
-              <a:t>) </a:t>
-            </a:r>
-            <a:r>
-              <a:rPr lang="en-US" b="1" dirty="0" smtClean="0"/>
-              <a:t>, Dataset, </a:t>
-            </a:r>
-            <a:r>
-              <a:rPr lang="en-US" b="1" dirty="0" err="1" smtClean="0"/>
-              <a:t>Dataframe</a:t>
-            </a:r>
-            <a:endParaRPr lang="en-US" b="1" dirty="0" smtClean="0"/>
-          </a:p>
-          <a:p>
-            <a:pPr>
-              <a:buNone/>
+            <a:endParaRPr lang="en-US" sz="2400" dirty="0" smtClean="0"/>
+          </a:p>
+          <a:p>
+            <a:pPr marL="514350" indent="-514350">
+              <a:buFont typeface="+mj-lt"/>
+              <a:buAutoNum type="arabicPeriod" startAt="5"/>
             </a:pPr>
-            <a:endParaRPr lang="el-GR" b="1" dirty="0" smtClean="0"/>
-          </a:p>
-          <a:p>
-            <a:r>
-              <a:rPr lang="en-US" b="1" dirty="0" smtClean="0"/>
-              <a:t>Shared variables</a:t>
-            </a:r>
-          </a:p>
-          <a:p>
-            <a:pPr>
-              <a:buNone/>
+            <a:r>
+              <a:rPr lang="el-GR" sz="2400" dirty="0" smtClean="0"/>
+              <a:t>Εύρεση </a:t>
+            </a:r>
+            <a:r>
+              <a:rPr lang="el-GR" sz="2400" dirty="0" smtClean="0"/>
+              <a:t>των ακμών</a:t>
+            </a:r>
+            <a:r>
+              <a:rPr lang="en-US" sz="2400" dirty="0" smtClean="0"/>
+              <a:t> </a:t>
+            </a:r>
+            <a:r>
+              <a:rPr lang="el-GR" sz="2400" dirty="0" smtClean="0"/>
+              <a:t>του </a:t>
+            </a:r>
+            <a:r>
+              <a:rPr lang="el-GR" sz="2400" dirty="0" smtClean="0"/>
+              <a:t>δικτύου </a:t>
+            </a:r>
+            <a:r>
+              <a:rPr lang="en-US" sz="2400" dirty="0" smtClean="0"/>
+              <a:t>Petri </a:t>
+            </a:r>
+            <a:r>
+              <a:rPr lang="el-GR" sz="2400" dirty="0" smtClean="0"/>
+              <a:t>(</a:t>
+            </a:r>
+            <a:r>
+              <a:rPr lang="en-US" sz="2400" dirty="0" smtClean="0"/>
+              <a:t>F </a:t>
+            </a:r>
+            <a:r>
+              <a:rPr lang="el-GR" sz="2400" dirty="0" smtClean="0"/>
+              <a:t>από την τριάδα (</a:t>
+            </a:r>
+            <a:r>
+              <a:rPr lang="en-US" sz="2400" b="1" dirty="0" smtClean="0"/>
+              <a:t>P</a:t>
+            </a:r>
+            <a:r>
+              <a:rPr lang="el-GR" sz="2400" b="1" dirty="0" smtClean="0"/>
+              <a:t>, </a:t>
+            </a:r>
+            <a:r>
+              <a:rPr lang="en-US" sz="2400" b="1" dirty="0" smtClean="0"/>
+              <a:t>T</a:t>
+            </a:r>
+            <a:r>
+              <a:rPr lang="el-GR" sz="2400" b="1" dirty="0" smtClean="0"/>
+              <a:t>, </a:t>
+            </a:r>
+            <a:r>
+              <a:rPr lang="en-US" sz="2400" b="1" dirty="0" smtClean="0"/>
+              <a:t>F</a:t>
+            </a:r>
+            <a:r>
+              <a:rPr lang="el-GR" sz="2400" dirty="0" smtClean="0"/>
+              <a:t>))</a:t>
+            </a:r>
+            <a:r>
+              <a:rPr lang="en-US" sz="2400" dirty="0" smtClean="0"/>
+              <a:t> </a:t>
+            </a:r>
+          </a:p>
+          <a:p>
+            <a:pPr marL="514350" indent="-514350">
+              <a:buFont typeface="+mj-lt"/>
+              <a:buAutoNum type="arabicPeriod" startAt="5"/>
             </a:pPr>
-            <a:r>
-              <a:rPr lang="en-US" b="1" dirty="0" smtClean="0"/>
-              <a:t>broadcast variables</a:t>
-            </a:r>
-            <a:r>
-              <a:rPr lang="el-GR" dirty="0" smtClean="0"/>
-              <a:t> και </a:t>
-            </a:r>
-            <a:r>
-              <a:rPr lang="en-US" b="1" dirty="0" smtClean="0"/>
-              <a:t>accumulators</a:t>
-            </a:r>
-          </a:p>
-          <a:p>
-            <a:endParaRPr lang="el-GR" dirty="0"/>
-          </a:p>
-        </p:txBody>
-      </p:sp>
+            <a:endParaRPr lang="en-US" sz="2400" dirty="0" smtClean="0"/>
+          </a:p>
+          <a:p>
+            <a:pPr marL="514350" indent="-514350">
+              <a:buFont typeface="+mj-lt"/>
+              <a:buAutoNum type="arabicPeriod" startAt="5"/>
+            </a:pPr>
+            <a:r>
+              <a:rPr lang="en-US" sz="2400" dirty="0" smtClean="0"/>
+              <a:t>K</a:t>
+            </a:r>
+            <a:r>
+              <a:rPr lang="el-GR" sz="2400" dirty="0" smtClean="0"/>
+              <a:t>ατασκευή του </a:t>
+            </a:r>
+            <a:r>
+              <a:rPr lang="el-GR" sz="2400" dirty="0" smtClean="0"/>
+              <a:t>τελικού δικτύου </a:t>
+            </a:r>
+            <a:r>
+              <a:rPr lang="en-US" sz="2400" dirty="0" smtClean="0"/>
+              <a:t>Petri </a:t>
+            </a:r>
+            <a:r>
+              <a:rPr lang="el-GR" sz="2400" dirty="0" smtClean="0"/>
+              <a:t>το </a:t>
+            </a:r>
+            <a:r>
+              <a:rPr lang="el-GR" sz="2400" dirty="0" smtClean="0"/>
+              <a:t>οποίο αποτελείται από μια τριάδα συνόλων </a:t>
+            </a:r>
+            <a:r>
+              <a:rPr lang="el-GR" sz="2400" b="1" dirty="0" smtClean="0"/>
+              <a:t>(</a:t>
+            </a:r>
+            <a:r>
+              <a:rPr lang="en-US" sz="2400" b="1" dirty="0" smtClean="0"/>
+              <a:t>P</a:t>
+            </a:r>
+            <a:r>
+              <a:rPr lang="el-GR" sz="2400" b="1" dirty="0" smtClean="0"/>
+              <a:t>, </a:t>
+            </a:r>
+            <a:r>
+              <a:rPr lang="en-US" sz="2400" b="1" dirty="0" smtClean="0"/>
+              <a:t>T</a:t>
+            </a:r>
+            <a:r>
+              <a:rPr lang="el-GR" sz="2400" b="1" dirty="0" smtClean="0"/>
+              <a:t>, </a:t>
+            </a:r>
+            <a:r>
+              <a:rPr lang="en-US" sz="2400" b="1" dirty="0" smtClean="0"/>
+              <a:t>F</a:t>
+            </a:r>
+            <a:r>
+              <a:rPr lang="el-GR" sz="2400" b="1" dirty="0" smtClean="0"/>
+              <a:t>).</a:t>
+            </a:r>
+            <a:endParaRPr lang="el-GR" sz="2200" dirty="0" smtClean="0"/>
+          </a:p>
+          <a:p>
+            <a:pPr marL="514350" indent="-514350">
+              <a:buFont typeface="+mj-lt"/>
+              <a:buAutoNum type="arabicPeriod" startAt="5"/>
+            </a:pPr>
+            <a:endParaRPr lang="el-GR" sz="2400" dirty="0"/>
+          </a:p>
+        </p:txBody>
+      </p:sp>
+      <p:pic>
+        <p:nvPicPr>
+          <p:cNvPr id="4" name="Picture 3" descr="C:\Users\Vlasis\Dropbox\osyl\report\images\img21.png"/>
+          <p:cNvPicPr/>
+          <p:nvPr/>
+        </p:nvPicPr>
+        <p:blipFill>
+          <a:blip r:embed="rId2"/>
+          <a:srcRect/>
+          <a:stretch>
+            <a:fillRect/>
+          </a:stretch>
+        </p:blipFill>
+        <p:spPr bwMode="auto">
+          <a:xfrm>
+            <a:off x="4267200" y="1371600"/>
+            <a:ext cx="4497953" cy="1375576"/>
+          </a:xfrm>
+          <a:prstGeom prst="rect">
+            <a:avLst/>
+          </a:prstGeom>
+          <a:noFill/>
+          <a:ln w="9525">
+            <a:noFill/>
+            <a:miter lim="800000"/>
+            <a:headEnd/>
+            <a:tailEnd/>
+          </a:ln>
+        </p:spPr>
+      </p:pic>
     </p:spTree>
   </p:cSld>
   <p:clrMapOvr>
     <a:masterClrMapping/>
   </p:clrMapOvr>
+  <p:timing>
+    <p:tnLst>
+      <p:par>
+        <p:cTn id="1" dur="indefinite" restart="never" nodeType="tmRoot"/>
+      </p:par>
+    </p:tnLst>
+  </p:timing>
 </p:sld>
 </file>
 
@@ -4047,7 +4236,7 @@
         <p:spPr>
           <a:xfrm>
             <a:off x="914400" y="274638"/>
-            <a:ext cx="7772400" cy="563562"/>
+            <a:ext cx="7772400" cy="715962"/>
           </a:xfrm>
         </p:spPr>
         <p:txBody>
@@ -4058,494 +4247,171 @@
           <a:p>
             <a:pPr algn="ctr"/>
             <a:r>
-              <a:rPr lang="el-GR" dirty="0" smtClean="0"/>
-              <a:t>Υλοποίηση του </a:t>
-            </a:r>
-            <a:r>
-              <a:rPr lang="en-US" dirty="0" smtClean="0"/>
-              <a:t>Alpha Algorithm</a:t>
-            </a:r>
-            <a:r>
-              <a:rPr lang="el-GR" dirty="0" smtClean="0"/>
-              <a:t> (1)</a:t>
+              <a:rPr lang="el-GR" b="1" dirty="0" smtClean="0"/>
+              <a:t>Αλγόριθμος </a:t>
+            </a:r>
+            <a:r>
+              <a:rPr lang="en-US" b="1" dirty="0" smtClean="0"/>
+              <a:t>Alpha </a:t>
+            </a:r>
+            <a:r>
+              <a:rPr lang="en-US" b="1" dirty="0" smtClean="0"/>
+              <a:t>– </a:t>
+            </a:r>
+            <a:r>
+              <a:rPr lang="el-GR" b="1" dirty="0" smtClean="0"/>
+              <a:t>Παράδειγμα</a:t>
             </a:r>
             <a:endParaRPr lang="el-GR" dirty="0"/>
           </a:p>
         </p:txBody>
       </p:sp>
-      <p:sp>
-        <p:nvSpPr>
-          <p:cNvPr id="3" name="Content Placeholder 2"/>
-          <p:cNvSpPr>
-            <a:spLocks noGrp="1"/>
-          </p:cNvSpPr>
+      <p:pic>
+        <p:nvPicPr>
+          <p:cNvPr id="1026" name="Picture 2"/>
+          <p:cNvPicPr>
+            <a:picLocks noGrp="1" noChangeAspect="1" noChangeArrowheads="1"/>
+          </p:cNvPicPr>
           <p:nvPr>
             <p:ph sz="quarter" idx="1"/>
           </p:nvPr>
-        </p:nvSpPr>
-        <p:spPr>
-          <a:xfrm>
-            <a:off x="228600" y="914400"/>
-            <a:ext cx="8686800" cy="5638800"/>
-          </a:xfrm>
-        </p:spPr>
-        <p:txBody>
-          <a:bodyPr>
-            <a:normAutofit/>
-          </a:bodyPr>
-          <a:lstStyle/>
-          <a:p>
-            <a:r>
-              <a:rPr lang="en-US" sz="2200" dirty="0" smtClean="0"/>
-              <a:t>2 </a:t>
-            </a:r>
-            <a:r>
-              <a:rPr lang="el-GR" sz="2200" dirty="0" smtClean="0"/>
-              <a:t>εκδόσεις του </a:t>
-            </a:r>
-            <a:r>
-              <a:rPr lang="en-US" sz="2200" dirty="0" smtClean="0"/>
-              <a:t>Alpha Algorithm (</a:t>
-            </a:r>
-            <a:r>
-              <a:rPr lang="en-US" sz="2200" b="1" dirty="0" smtClean="0"/>
-              <a:t>Spark</a:t>
-            </a:r>
-            <a:r>
-              <a:rPr lang="en-US" sz="2200" dirty="0" smtClean="0"/>
-              <a:t> </a:t>
-            </a:r>
-            <a:r>
-              <a:rPr lang="el-GR" sz="2200" dirty="0" smtClean="0"/>
-              <a:t>και </a:t>
-            </a:r>
-            <a:r>
-              <a:rPr lang="en-US" sz="2200" b="1" dirty="0" smtClean="0"/>
-              <a:t>non-Spark</a:t>
-            </a:r>
-            <a:r>
-              <a:rPr lang="en-US" sz="2200" dirty="0" smtClean="0"/>
-              <a:t>)</a:t>
-            </a:r>
-            <a:endParaRPr lang="el-GR" sz="2200" dirty="0" smtClean="0"/>
-          </a:p>
-          <a:p>
-            <a:r>
-              <a:rPr lang="el-GR" sz="2200" dirty="0" smtClean="0"/>
-              <a:t>Παράμετροι</a:t>
-            </a:r>
-          </a:p>
-          <a:p>
-            <a:pPr>
-              <a:buNone/>
-            </a:pPr>
-            <a:r>
-              <a:rPr lang="el-GR" sz="2200" dirty="0" smtClean="0"/>
-              <a:t>	  </a:t>
-            </a:r>
-            <a:r>
-              <a:rPr lang="en-GB" sz="2200" b="1" dirty="0" err="1" smtClean="0"/>
-              <a:t>val</a:t>
-            </a:r>
-            <a:r>
-              <a:rPr lang="en-GB" sz="2200" b="1" dirty="0" smtClean="0"/>
-              <a:t> </a:t>
-            </a:r>
-            <a:r>
-              <a:rPr lang="en-GB" sz="2200" dirty="0" err="1" smtClean="0"/>
-              <a:t>logPath</a:t>
-            </a:r>
-            <a:r>
-              <a:rPr lang="en-GB" sz="2200" dirty="0" smtClean="0"/>
-              <a:t> = </a:t>
-            </a:r>
-            <a:r>
-              <a:rPr lang="en-GB" sz="2200" b="1" dirty="0" smtClean="0"/>
-              <a:t>"</a:t>
-            </a:r>
-            <a:r>
-              <a:rPr lang="en-GB" sz="2200" b="1" dirty="0" err="1" smtClean="0"/>
-              <a:t>src</a:t>
-            </a:r>
-            <a:r>
-              <a:rPr lang="en-GB" sz="2200" b="1" dirty="0" smtClean="0"/>
-              <a:t>/main/resources/data.csv"</a:t>
-            </a:r>
-            <a:br>
-              <a:rPr lang="en-GB" sz="2200" b="1" dirty="0" smtClean="0"/>
-            </a:br>
-            <a:r>
-              <a:rPr lang="en-GB" sz="2200" b="1" dirty="0" smtClean="0"/>
-              <a:t>  </a:t>
-            </a:r>
-            <a:r>
-              <a:rPr lang="en-GB" sz="2200" b="1" dirty="0" err="1" smtClean="0"/>
-              <a:t>val</a:t>
-            </a:r>
-            <a:r>
-              <a:rPr lang="en-GB" sz="2200" b="1" dirty="0" smtClean="0"/>
-              <a:t> </a:t>
-            </a:r>
-            <a:r>
-              <a:rPr lang="en-GB" sz="2200" dirty="0" err="1" smtClean="0"/>
-              <a:t>numOfTraces</a:t>
-            </a:r>
-            <a:r>
-              <a:rPr lang="en-GB" sz="2200" dirty="0" smtClean="0"/>
-              <a:t> = 3</a:t>
-            </a:r>
-            <a:br>
-              <a:rPr lang="en-GB" sz="2200" dirty="0" smtClean="0"/>
-            </a:br>
-            <a:r>
-              <a:rPr lang="en-GB" sz="2200" dirty="0" smtClean="0"/>
-              <a:t>  </a:t>
-            </a:r>
-            <a:r>
-              <a:rPr lang="en-GB" sz="2200" b="1" dirty="0" err="1" smtClean="0"/>
-              <a:t>val</a:t>
-            </a:r>
-            <a:r>
-              <a:rPr lang="en-GB" sz="2200" b="1" dirty="0" smtClean="0"/>
-              <a:t> </a:t>
-            </a:r>
-            <a:r>
-              <a:rPr lang="en-GB" sz="2200" dirty="0" smtClean="0"/>
-              <a:t>percentage : Float = 1 </a:t>
-            </a:r>
-            <a:r>
-              <a:rPr lang="en-GB" sz="2200" i="1" dirty="0" smtClean="0"/>
-              <a:t/>
-            </a:r>
-            <a:br>
-              <a:rPr lang="en-GB" sz="2200" i="1" dirty="0" smtClean="0"/>
-            </a:br>
-            <a:r>
-              <a:rPr lang="en-GB" sz="2200" i="1" dirty="0" smtClean="0"/>
-              <a:t>  </a:t>
-            </a:r>
-            <a:r>
-              <a:rPr lang="en-GB" sz="2200" b="1" dirty="0" err="1" smtClean="0"/>
-              <a:t>val</a:t>
-            </a:r>
-            <a:r>
-              <a:rPr lang="en-GB" sz="2200" b="1" dirty="0" smtClean="0"/>
-              <a:t> </a:t>
-            </a:r>
-            <a:r>
-              <a:rPr lang="en-GB" sz="2200" dirty="0" err="1" smtClean="0"/>
-              <a:t>readAll</a:t>
-            </a:r>
-            <a:r>
-              <a:rPr lang="en-GB" sz="2200" dirty="0" smtClean="0"/>
-              <a:t> : Boolean = </a:t>
-            </a:r>
-            <a:r>
-              <a:rPr lang="en-GB" sz="2200" b="1" dirty="0" smtClean="0"/>
-              <a:t>false</a:t>
-            </a:r>
-            <a:br>
-              <a:rPr lang="en-GB" sz="2200" b="1" dirty="0" smtClean="0"/>
-            </a:br>
-            <a:r>
-              <a:rPr lang="en-GB" sz="2200" b="1" dirty="0" smtClean="0"/>
-              <a:t>  </a:t>
-            </a:r>
-            <a:r>
-              <a:rPr lang="en-GB" sz="2200" b="1" dirty="0" err="1" smtClean="0"/>
-              <a:t>val</a:t>
-            </a:r>
-            <a:r>
-              <a:rPr lang="en-GB" sz="2200" b="1" dirty="0" smtClean="0"/>
-              <a:t> </a:t>
-            </a:r>
-            <a:r>
-              <a:rPr lang="en-GB" sz="2200" dirty="0" smtClean="0"/>
-              <a:t>filtering : Boolean = </a:t>
-            </a:r>
-            <a:r>
-              <a:rPr lang="en-GB" sz="2200" b="1" dirty="0" smtClean="0"/>
-              <a:t>true</a:t>
-            </a:r>
-            <a:endParaRPr lang="el-GR" sz="2200" b="1" dirty="0" smtClean="0"/>
-          </a:p>
-          <a:p>
-            <a:r>
-              <a:rPr lang="el-GR" sz="2200" dirty="0" smtClean="0"/>
-              <a:t>Σχηματισμός </a:t>
-            </a:r>
-            <a:r>
-              <a:rPr lang="en-US" sz="2200" dirty="0" smtClean="0"/>
-              <a:t>traces </a:t>
-            </a:r>
-            <a:r>
-              <a:rPr lang="el-GR" sz="2200" dirty="0" smtClean="0"/>
-              <a:t>στην μορφή </a:t>
-            </a:r>
-            <a:r>
-              <a:rPr lang="el-GR" sz="2200" b="1" dirty="0" smtClean="0"/>
-              <a:t>Dataset[(String, List[String])] </a:t>
-            </a:r>
-            <a:r>
-              <a:rPr lang="el-GR" sz="2200" dirty="0" smtClean="0"/>
-              <a:t>μόνο όσων είναι σε </a:t>
-            </a:r>
-            <a:r>
-              <a:rPr lang="en-US" sz="2200" dirty="0" smtClean="0"/>
-              <a:t>status </a:t>
-            </a:r>
-            <a:r>
-              <a:rPr lang="en-US" sz="2200" b="1" dirty="0" smtClean="0"/>
-              <a:t>Completed </a:t>
-            </a:r>
-            <a:r>
-              <a:rPr lang="el-GR" sz="2200" dirty="0" smtClean="0"/>
-              <a:t>ταξινομημένα σύμφωνα με το </a:t>
-            </a:r>
-            <a:r>
-              <a:rPr lang="en-US" sz="2200" b="1" dirty="0" err="1" smtClean="0"/>
-              <a:t>starttime</a:t>
-            </a:r>
-            <a:r>
-              <a:rPr lang="el-GR" sz="2200" b="1" dirty="0" smtClean="0"/>
-              <a:t> </a:t>
-            </a:r>
-            <a:r>
-              <a:rPr lang="el-GR" sz="2200" dirty="0" smtClean="0"/>
-              <a:t>και ομαδοποιημένα σύμφωνα με το </a:t>
-            </a:r>
-            <a:r>
-              <a:rPr lang="en-US" sz="2200" b="1" dirty="0" err="1" smtClean="0"/>
-              <a:t>orderID</a:t>
-            </a:r>
-            <a:r>
-              <a:rPr lang="en-US" sz="2200" dirty="0" smtClean="0"/>
-              <a:t>.</a:t>
-            </a:r>
-            <a:r>
-              <a:rPr lang="el-GR" sz="2200" b="1" dirty="0" smtClean="0"/>
-              <a:t> </a:t>
-            </a:r>
-            <a:endParaRPr lang="en-US" sz="2200" b="1" dirty="0" smtClean="0"/>
-          </a:p>
-          <a:p>
-            <a:r>
-              <a:rPr lang="el-GR" sz="2200" dirty="0" smtClean="0"/>
-              <a:t>Εύρεση των σχέσεων </a:t>
-            </a:r>
-            <a:r>
-              <a:rPr lang="en-US" sz="2200" b="1" dirty="0" smtClean="0"/>
-              <a:t>direct succession</a:t>
-            </a:r>
-            <a:r>
-              <a:rPr lang="el-GR" sz="2200" b="1" dirty="0" smtClean="0"/>
-              <a:t> </a:t>
-            </a:r>
-            <a:r>
-              <a:rPr lang="el-GR" sz="2200" dirty="0" smtClean="0"/>
-              <a:t>σύμφωνα με το </a:t>
-            </a:r>
-            <a:r>
-              <a:rPr lang="en-US" sz="2200" dirty="0" smtClean="0"/>
-              <a:t>notation</a:t>
-            </a:r>
-          </a:p>
-          <a:p>
-            <a:pPr>
-              <a:buNone/>
-            </a:pPr>
-            <a:r>
-              <a:rPr lang="en-US" sz="2200" dirty="0" smtClean="0"/>
-              <a:t>	( </a:t>
-            </a:r>
-            <a:r>
-              <a:rPr lang="en-GB" sz="2200" dirty="0" smtClean="0"/>
-              <a:t>AB, </a:t>
-            </a:r>
-            <a:r>
-              <a:rPr lang="en-GB" sz="2200" dirty="0" err="1" smtClean="0"/>
-              <a:t>PairNotation</a:t>
-            </a:r>
-            <a:r>
-              <a:rPr lang="en-GB" sz="2200" dirty="0" smtClean="0"/>
-              <a:t>(DIRECT, FOLLOW) </a:t>
-            </a:r>
-            <a:r>
-              <a:rPr lang="en-US" sz="2200" dirty="0" smtClean="0"/>
-              <a:t>) =&gt; (A&gt;B)</a:t>
-            </a:r>
-            <a:r>
-              <a:rPr lang="en-GB" sz="2200" dirty="0" smtClean="0"/>
-              <a:t/>
-            </a:r>
-            <a:br>
-              <a:rPr lang="en-GB" sz="2200" dirty="0" smtClean="0"/>
-            </a:br>
-            <a:r>
-              <a:rPr lang="en-US" sz="2200" dirty="0" smtClean="0"/>
-              <a:t>( </a:t>
-            </a:r>
-            <a:r>
-              <a:rPr lang="en-GB" sz="2200" dirty="0" smtClean="0"/>
-              <a:t>AB, </a:t>
-            </a:r>
-            <a:r>
-              <a:rPr lang="en-GB" sz="2200" dirty="0" err="1" smtClean="0"/>
-              <a:t>PairNotation</a:t>
-            </a:r>
-            <a:r>
-              <a:rPr lang="en-GB" sz="2200" dirty="0" smtClean="0"/>
-              <a:t>(INVERSE, FOLLOW) </a:t>
-            </a:r>
-            <a:r>
-              <a:rPr lang="en-US" sz="2200" dirty="0" smtClean="0"/>
-              <a:t>) =&gt; (B&gt;A)</a:t>
-            </a:r>
-          </a:p>
-          <a:p>
-            <a:r>
-              <a:rPr lang="en-US" sz="2200" dirty="0" smtClean="0"/>
-              <a:t>events</a:t>
-            </a:r>
-            <a:r>
-              <a:rPr lang="el-GR" sz="2200" dirty="0" smtClean="0"/>
-              <a:t> (</a:t>
-            </a:r>
-            <a:r>
-              <a:rPr lang="en-US" sz="2200" dirty="0" smtClean="0"/>
-              <a:t>A</a:t>
-            </a:r>
-            <a:r>
-              <a:rPr lang="el-GR" sz="2200" dirty="0" smtClean="0"/>
-              <a:t>,</a:t>
-            </a:r>
-            <a:r>
-              <a:rPr lang="en-US" sz="2200" dirty="0" smtClean="0"/>
-              <a:t>B</a:t>
-            </a:r>
-            <a:r>
-              <a:rPr lang="el-GR" sz="2200" dirty="0" smtClean="0"/>
-              <a:t>,</a:t>
-            </a:r>
-            <a:r>
-              <a:rPr lang="en-US" sz="2200" dirty="0" smtClean="0"/>
-              <a:t>C</a:t>
-            </a:r>
-            <a:r>
-              <a:rPr lang="el-GR" sz="2200" dirty="0" smtClean="0"/>
-              <a:t>,</a:t>
-            </a:r>
-            <a:r>
-              <a:rPr lang="en-US" sz="2200" dirty="0" smtClean="0"/>
-              <a:t>D</a:t>
-            </a:r>
-            <a:r>
-              <a:rPr lang="el-GR" sz="2200" dirty="0" smtClean="0"/>
-              <a:t>,</a:t>
-            </a:r>
-            <a:r>
-              <a:rPr lang="en-US" sz="2200" dirty="0" smtClean="0"/>
-              <a:t>E</a:t>
-            </a:r>
-            <a:r>
-              <a:rPr lang="el-GR" sz="2200" dirty="0" smtClean="0"/>
-              <a:t>) </a:t>
-            </a:r>
-            <a:r>
-              <a:rPr lang="en-US" sz="2200" dirty="0" smtClean="0"/>
-              <a:t>=&gt;</a:t>
-            </a:r>
-            <a:r>
-              <a:rPr lang="el-GR" sz="2200" dirty="0" smtClean="0"/>
-              <a:t>(ΑΑ, ΑΒ, Α</a:t>
-            </a:r>
-            <a:r>
-              <a:rPr lang="en-US" sz="2200" dirty="0" smtClean="0"/>
-              <a:t>C</a:t>
-            </a:r>
-            <a:r>
-              <a:rPr lang="el-GR" sz="2200" dirty="0" smtClean="0"/>
-              <a:t>, </a:t>
-            </a:r>
-            <a:r>
-              <a:rPr lang="en-US" sz="2200" dirty="0" smtClean="0"/>
-              <a:t>AD</a:t>
-            </a:r>
-            <a:r>
-              <a:rPr lang="el-GR" sz="2200" dirty="0" smtClean="0"/>
-              <a:t>, </a:t>
-            </a:r>
-            <a:r>
-              <a:rPr lang="en-US" sz="2200" dirty="0" smtClean="0"/>
-              <a:t>BB</a:t>
-            </a:r>
-            <a:r>
-              <a:rPr lang="el-GR" sz="2200" dirty="0" smtClean="0"/>
-              <a:t>, </a:t>
-            </a:r>
-            <a:r>
-              <a:rPr lang="en-US" sz="2200" dirty="0" smtClean="0"/>
-              <a:t>BC</a:t>
-            </a:r>
-            <a:r>
-              <a:rPr lang="el-GR" sz="2200" dirty="0" smtClean="0"/>
-              <a:t>, </a:t>
-            </a:r>
-            <a:r>
-              <a:rPr lang="en-US" sz="2200" dirty="0" smtClean="0"/>
-              <a:t>BD</a:t>
-            </a:r>
-            <a:r>
-              <a:rPr lang="el-GR" sz="2200" dirty="0" smtClean="0"/>
-              <a:t>, </a:t>
-            </a:r>
-            <a:r>
-              <a:rPr lang="en-US" sz="2200" dirty="0" smtClean="0"/>
-              <a:t>CC</a:t>
-            </a:r>
-            <a:r>
-              <a:rPr lang="el-GR" sz="2200" dirty="0" smtClean="0"/>
-              <a:t>, </a:t>
-            </a:r>
-            <a:r>
-              <a:rPr lang="en-US" sz="2200" dirty="0" smtClean="0"/>
-              <a:t>CD</a:t>
-            </a:r>
-            <a:r>
-              <a:rPr lang="el-GR" sz="2200" dirty="0" smtClean="0"/>
-              <a:t>, </a:t>
-            </a:r>
-            <a:r>
-              <a:rPr lang="en-US" sz="2200" dirty="0" smtClean="0"/>
-              <a:t>DD</a:t>
-            </a:r>
-            <a:r>
-              <a:rPr lang="el-GR" sz="2200" dirty="0" smtClean="0"/>
-              <a:t>)</a:t>
-            </a:r>
-          </a:p>
-          <a:p>
-            <a:pPr>
-              <a:buNone/>
-            </a:pPr>
-            <a:endParaRPr lang="el-GR" sz="2000" b="1" dirty="0" smtClean="0"/>
-          </a:p>
-          <a:p>
-            <a:endParaRPr lang="en-US" sz="2000" b="1" dirty="0" smtClean="0"/>
-          </a:p>
-          <a:p>
-            <a:pPr>
-              <a:buNone/>
-            </a:pPr>
-            <a:endParaRPr lang="el-GR" sz="2000" dirty="0"/>
-          </a:p>
-        </p:txBody>
-      </p:sp>
+        </p:nvPicPr>
+        <p:blipFill>
+          <a:blip r:embed="rId2"/>
+          <a:srcRect/>
+          <a:stretch>
+            <a:fillRect/>
+          </a:stretch>
+        </p:blipFill>
+        <p:spPr bwMode="auto">
+          <a:xfrm>
+            <a:off x="685800" y="1219200"/>
+            <a:ext cx="1657350" cy="342900"/>
+          </a:xfrm>
+          <a:prstGeom prst="rect">
+            <a:avLst/>
+          </a:prstGeom>
+          <a:noFill/>
+          <a:ln w="9525">
+            <a:noFill/>
+            <a:miter lim="800000"/>
+            <a:headEnd/>
+            <a:tailEnd/>
+          </a:ln>
+          <a:effectLst/>
+        </p:spPr>
+      </p:pic>
+      <p:pic>
+        <p:nvPicPr>
+          <p:cNvPr id="1027" name="Picture 3"/>
+          <p:cNvPicPr>
+            <a:picLocks noChangeAspect="1" noChangeArrowheads="1"/>
+          </p:cNvPicPr>
+          <p:nvPr/>
+        </p:nvPicPr>
+        <p:blipFill>
+          <a:blip r:embed="rId3"/>
+          <a:srcRect/>
+          <a:stretch>
+            <a:fillRect/>
+          </a:stretch>
+        </p:blipFill>
+        <p:spPr bwMode="auto">
+          <a:xfrm>
+            <a:off x="5562600" y="914401"/>
+            <a:ext cx="3276600" cy="1524000"/>
+          </a:xfrm>
+          <a:prstGeom prst="rect">
+            <a:avLst/>
+          </a:prstGeom>
+          <a:noFill/>
+          <a:ln w="9525">
+            <a:noFill/>
+            <a:miter lim="800000"/>
+            <a:headEnd/>
+            <a:tailEnd/>
+          </a:ln>
+          <a:effectLst/>
+        </p:spPr>
+      </p:pic>
+      <p:pic>
+        <p:nvPicPr>
+          <p:cNvPr id="1028" name="Picture 4"/>
+          <p:cNvPicPr>
+            <a:picLocks noChangeAspect="1" noChangeArrowheads="1"/>
+          </p:cNvPicPr>
+          <p:nvPr/>
+        </p:nvPicPr>
+        <p:blipFill>
+          <a:blip r:embed="rId4"/>
+          <a:srcRect/>
+          <a:stretch>
+            <a:fillRect/>
+          </a:stretch>
+        </p:blipFill>
+        <p:spPr bwMode="auto">
+          <a:xfrm>
+            <a:off x="457200" y="1828800"/>
+            <a:ext cx="5029200" cy="2895600"/>
+          </a:xfrm>
+          <a:prstGeom prst="rect">
+            <a:avLst/>
+          </a:prstGeom>
+          <a:noFill/>
+          <a:ln w="9525">
+            <a:noFill/>
+            <a:miter lim="800000"/>
+            <a:headEnd/>
+            <a:tailEnd/>
+          </a:ln>
+          <a:effectLst/>
+        </p:spPr>
+      </p:pic>
+      <p:pic>
+        <p:nvPicPr>
+          <p:cNvPr id="1029" name="Picture 5"/>
+          <p:cNvPicPr>
+            <a:picLocks noChangeAspect="1" noChangeArrowheads="1"/>
+          </p:cNvPicPr>
+          <p:nvPr/>
+        </p:nvPicPr>
+        <p:blipFill>
+          <a:blip r:embed="rId5"/>
+          <a:srcRect/>
+          <a:stretch>
+            <a:fillRect/>
+          </a:stretch>
+        </p:blipFill>
+        <p:spPr bwMode="auto">
+          <a:xfrm>
+            <a:off x="1905000" y="4724400"/>
+            <a:ext cx="7015163" cy="1824037"/>
+          </a:xfrm>
+          <a:prstGeom prst="rect">
+            <a:avLst/>
+          </a:prstGeom>
+          <a:noFill/>
+          <a:ln w="9525">
+            <a:noFill/>
+            <a:miter lim="800000"/>
+            <a:headEnd/>
+            <a:tailEnd/>
+          </a:ln>
+          <a:effectLst/>
+        </p:spPr>
+      </p:pic>
     </p:spTree>
   </p:cSld>
   <p:clrMapOvr>
     <a:masterClrMapping/>
   </p:clrMapOvr>
+  <p:timing>
+    <p:tnLst>
+      <p:par>
+        <p:cTn id="1" dur="indefinite" restart="never" nodeType="tmRoot"/>
+      </p:par>
+    </p:tnLst>
+  </p:timing>
 </p:sld>
 </file>
 
@@ -4590,306 +4456,238 @@
           <a:p>
             <a:pPr algn="ctr"/>
             <a:r>
-              <a:rPr lang="el-GR" dirty="0" smtClean="0"/>
-              <a:t>Υλοποίηση του </a:t>
+              <a:rPr lang="en-US" b="1" dirty="0" smtClean="0"/>
+              <a:t>Apache Spark Framework</a:t>
+            </a:r>
+            <a:endParaRPr lang="el-GR" dirty="0"/>
+          </a:p>
+        </p:txBody>
+      </p:sp>
+      <p:sp>
+        <p:nvSpPr>
+          <p:cNvPr id="3" name="Content Placeholder 2"/>
+          <p:cNvSpPr>
+            <a:spLocks noGrp="1"/>
+          </p:cNvSpPr>
+          <p:nvPr>
+            <p:ph sz="quarter" idx="1"/>
+          </p:nvPr>
+        </p:nvSpPr>
+        <p:spPr>
+          <a:xfrm>
+            <a:off x="381000" y="990600"/>
+            <a:ext cx="8458200" cy="5486400"/>
+          </a:xfrm>
+        </p:spPr>
+        <p:txBody>
+          <a:bodyPr>
+            <a:normAutofit fontScale="85000" lnSpcReduction="20000"/>
+          </a:bodyPr>
+          <a:lstStyle/>
+          <a:p>
+            <a:r>
+              <a:rPr lang="el-GR" dirty="0" smtClean="0"/>
+              <a:t>Κατανεμημένη επεξεργασία δεδομένων σε κόμβους μιας συστάδας υπολογιστών (</a:t>
             </a:r>
             <a:r>
               <a:rPr lang="en-US" dirty="0" smtClean="0"/>
-              <a:t>Alpha Algorithm</a:t>
-            </a:r>
-            <a:r>
-              <a:rPr lang="el-GR" dirty="0" smtClean="0"/>
-              <a:t> (</a:t>
-            </a:r>
+              <a:t>cluster</a:t>
+            </a:r>
+            <a:r>
+              <a:rPr lang="el-GR" dirty="0" smtClean="0"/>
+              <a:t>)</a:t>
+            </a:r>
+            <a:endParaRPr lang="en-US" dirty="0" smtClean="0"/>
+          </a:p>
+          <a:p>
+            <a:endParaRPr lang="en-US" dirty="0" smtClean="0"/>
+          </a:p>
+          <a:p>
+            <a:r>
+              <a:rPr lang="el-GR" dirty="0" smtClean="0"/>
+              <a:t>10 έως 100 φορές γρηρότερο από το </a:t>
+            </a:r>
+            <a:r>
+              <a:rPr lang="en-US" b="1" dirty="0" err="1" smtClean="0"/>
+              <a:t>Hadoop</a:t>
+            </a:r>
+            <a:r>
+              <a:rPr lang="el-GR" b="1" dirty="0" smtClean="0"/>
+              <a:t>’</a:t>
+            </a:r>
+            <a:r>
+              <a:rPr lang="en-US" b="1" dirty="0" smtClean="0"/>
+              <a:t>s </a:t>
+            </a:r>
+            <a:r>
+              <a:rPr lang="en-US" b="1" dirty="0" err="1" smtClean="0"/>
+              <a:t>MapReduce</a:t>
+            </a:r>
+            <a:endParaRPr lang="en-US" b="1" dirty="0" smtClean="0"/>
+          </a:p>
+          <a:p>
+            <a:endParaRPr lang="en-US" b="1" dirty="0" smtClean="0"/>
+          </a:p>
+          <a:p>
             <a:r>
               <a:rPr lang="en-US" dirty="0" smtClean="0"/>
-              <a:t>2</a:t>
-            </a:r>
-            <a:r>
-              <a:rPr lang="el-GR" dirty="0" smtClean="0"/>
-              <a:t>)</a:t>
-            </a:r>
-            <a:endParaRPr lang="el-GR" dirty="0"/>
-          </a:p>
-        </p:txBody>
-      </p:sp>
-      <p:sp>
-        <p:nvSpPr>
-          <p:cNvPr id="3" name="Content Placeholder 2"/>
-          <p:cNvSpPr>
-            <a:spLocks noGrp="1"/>
-          </p:cNvSpPr>
-          <p:nvPr>
-            <p:ph sz="quarter" idx="1"/>
-          </p:nvPr>
-        </p:nvSpPr>
-        <p:spPr>
-          <a:xfrm>
-            <a:off x="457200" y="1143000"/>
-            <a:ext cx="8458200" cy="5257800"/>
-          </a:xfrm>
-        </p:spPr>
-        <p:txBody>
-          <a:bodyPr/>
-          <a:lstStyle/>
-          <a:p>
-            <a:r>
-              <a:rPr lang="el-GR" dirty="0" smtClean="0"/>
-              <a:t>Εύρεση των σχέσεων</a:t>
-            </a:r>
-          </a:p>
-          <a:p>
-            <a:r>
-              <a:rPr lang="el-GR" dirty="0" smtClean="0"/>
-              <a:t>Υπολογισμός </a:t>
+              <a:t>APIs </a:t>
+            </a:r>
+            <a:r>
+              <a:rPr lang="el-GR" dirty="0" smtClean="0"/>
+              <a:t>παρόμοια με </a:t>
+            </a:r>
+            <a:r>
+              <a:rPr lang="el-GR" dirty="0" smtClean="0"/>
+              <a:t>δομές δεδομένων της </a:t>
+            </a:r>
+            <a:r>
+              <a:rPr lang="en-US" b="1" dirty="0" err="1" smtClean="0"/>
+              <a:t>Scala</a:t>
+            </a:r>
+            <a:r>
+              <a:rPr lang="el-GR" dirty="0" smtClean="0"/>
+              <a:t>, της </a:t>
+            </a:r>
+            <a:r>
+              <a:rPr lang="en-US" b="1" dirty="0" smtClean="0"/>
+              <a:t>Java</a:t>
+            </a:r>
+            <a:r>
+              <a:rPr lang="el-GR" dirty="0" smtClean="0"/>
+              <a:t> ή της </a:t>
+            </a:r>
+            <a:r>
+              <a:rPr lang="en-US" b="1" dirty="0" smtClean="0"/>
+              <a:t>Python</a:t>
+            </a:r>
+          </a:p>
+          <a:p>
+            <a:endParaRPr lang="en-US" b="1" dirty="0" smtClean="0"/>
+          </a:p>
+          <a:p>
+            <a:r>
+              <a:rPr lang="el-GR" dirty="0" smtClean="0"/>
+              <a:t>αποθήκευση μεγάλου όγκου δεδομένων στην κύρια μνήμη</a:t>
             </a:r>
             <a:r>
               <a:rPr lang="en-US" dirty="0" smtClean="0"/>
-              <a:t>footprint graph</a:t>
-            </a:r>
-          </a:p>
-          <a:p>
-            <a:r>
-              <a:rPr lang="el-GR" dirty="0" smtClean="0"/>
-              <a:t> Εύρεση των</a:t>
-            </a:r>
-            <a:r>
-              <a:rPr lang="en-US" dirty="0" smtClean="0"/>
-              <a:t> </a:t>
+              <a:t>, </a:t>
+            </a:r>
+            <a:r>
+              <a:rPr lang="el-GR" dirty="0" smtClean="0"/>
+              <a:t>πολύ μεγάλη αύξηση της απόδοσης</a:t>
+            </a:r>
+            <a:endParaRPr lang="en-US" dirty="0" smtClean="0"/>
+          </a:p>
+          <a:p>
+            <a:endParaRPr lang="el-GR" dirty="0" smtClean="0"/>
+          </a:p>
+          <a:p>
+            <a:r>
+              <a:rPr lang="el-GR" b="1" dirty="0" smtClean="0"/>
+              <a:t>Δομές δεδομένων του </a:t>
             </a:r>
             <a:r>
               <a:rPr lang="en-US" b="1" dirty="0" smtClean="0"/>
-              <a:t>Causal groups</a:t>
-            </a:r>
-          </a:p>
-          <a:p>
-            <a:pPr marL="1062990" lvl="2" indent="-514350">
-              <a:buFont typeface="+mj-lt"/>
-              <a:buAutoNum type="arabicPeriod"/>
-            </a:pPr>
-            <a:r>
-              <a:rPr lang="el-GR" dirty="0" smtClean="0"/>
-              <a:t>Εύρεση όλων των μοναδικών </a:t>
-            </a:r>
-            <a:r>
-              <a:rPr lang="en-US" dirty="0" smtClean="0"/>
-              <a:t>events </a:t>
-            </a:r>
-            <a:r>
-              <a:rPr lang="el-GR" dirty="0" smtClean="0"/>
-              <a:t>από κάθε πλευρά όλων των </a:t>
-            </a:r>
-            <a:r>
-              <a:rPr lang="en-US" dirty="0" smtClean="0"/>
-              <a:t>causal </a:t>
-            </a:r>
-            <a:r>
-              <a:rPr lang="el-GR" dirty="0" smtClean="0"/>
-              <a:t>σχέσεων</a:t>
-            </a:r>
-            <a:r>
-              <a:rPr lang="en-US" dirty="0" smtClean="0"/>
-              <a:t>.  </a:t>
-            </a:r>
-            <a:r>
-              <a:rPr lang="el-GR" dirty="0" smtClean="0"/>
-              <a:t>{a,b} και {</a:t>
-            </a:r>
-            <a:r>
-              <a:rPr lang="en-US" dirty="0" smtClean="0"/>
-              <a:t>c</a:t>
-            </a:r>
-            <a:r>
-              <a:rPr lang="el-GR" dirty="0" smtClean="0"/>
-              <a:t>,</a:t>
-            </a:r>
-            <a:r>
-              <a:rPr lang="en-US" dirty="0" smtClean="0"/>
-              <a:t>d</a:t>
-            </a:r>
-            <a:r>
-              <a:rPr lang="el-GR" dirty="0" smtClean="0"/>
-              <a:t>}</a:t>
-            </a:r>
-          </a:p>
-          <a:p>
-            <a:pPr marL="1062990" lvl="2" indent="-514350">
-              <a:buFont typeface="+mj-lt"/>
-              <a:buAutoNum type="arabicPeriod"/>
-            </a:pPr>
-            <a:r>
-              <a:rPr lang="el-GR" dirty="0" smtClean="0"/>
-              <a:t>Εύρεση όλων των δυνατών συνδυασμών για κάθε ένα από τα παραπάνω σύνολα List[{a,b}</a:t>
-            </a:r>
-            <a:r>
-              <a:rPr lang="en-US" dirty="0" smtClean="0"/>
-              <a:t> /</a:t>
-            </a:r>
-            <a:r>
-              <a:rPr lang="el-GR" dirty="0" smtClean="0"/>
-              <a:t> {a}</a:t>
-            </a:r>
-            <a:r>
-              <a:rPr lang="en-US" dirty="0" smtClean="0"/>
-              <a:t> /</a:t>
-            </a:r>
-            <a:r>
-              <a:rPr lang="el-GR" dirty="0" smtClean="0"/>
-              <a:t> {b}] και List[{c,d} </a:t>
-            </a:r>
-            <a:r>
-              <a:rPr lang="en-US" dirty="0" smtClean="0"/>
-              <a:t>/ </a:t>
-            </a:r>
-            <a:r>
-              <a:rPr lang="el-GR" dirty="0" smtClean="0"/>
-              <a:t>{c}</a:t>
-            </a:r>
-            <a:r>
-              <a:rPr lang="en-US" dirty="0" smtClean="0"/>
-              <a:t> /</a:t>
-            </a:r>
-            <a:r>
-              <a:rPr lang="el-GR" dirty="0" smtClean="0"/>
-              <a:t> {d}] </a:t>
-            </a:r>
-          </a:p>
-          <a:p>
-            <a:pPr marL="1062990" lvl="2" indent="-514350">
-              <a:buFont typeface="+mj-lt"/>
-              <a:buAutoNum type="arabicPeriod"/>
-            </a:pPr>
-            <a:r>
-              <a:rPr lang="el-GR" dirty="0" smtClean="0"/>
-              <a:t>Διαγραφή των συνόλων αυτών τα οποία έχουν έστω μια μη-</a:t>
-            </a:r>
-            <a:r>
-              <a:rPr lang="en-US" dirty="0" err="1" smtClean="0"/>
-              <a:t>NeverFollow</a:t>
-            </a:r>
-            <a:r>
-              <a:rPr lang="en-US" dirty="0" smtClean="0"/>
-              <a:t> </a:t>
-            </a:r>
-            <a:r>
-              <a:rPr lang="el-GR" dirty="0" smtClean="0"/>
-              <a:t>σχέση</a:t>
-            </a:r>
-          </a:p>
-          <a:p>
-            <a:pPr marL="1062990" lvl="2" indent="-514350">
-              <a:buFont typeface="+mj-lt"/>
-              <a:buAutoNum type="arabicPeriod"/>
-            </a:pPr>
-            <a:r>
-              <a:rPr lang="el-GR" dirty="0" smtClean="0"/>
-              <a:t>Σύνδεση όλων των συνόλων από τις δύο λιστές μόνο αν όλα τα στοιχεία των δύο λιστών είναι σε </a:t>
-            </a:r>
-            <a:r>
-              <a:rPr lang="en-US" dirty="0" smtClean="0"/>
-              <a:t>causal </a:t>
-            </a:r>
-            <a:r>
-              <a:rPr lang="el-GR" dirty="0" smtClean="0"/>
-              <a:t>σχέση μεταξύ τους και σχηματισμός των causal groups</a:t>
-            </a:r>
-            <a:endParaRPr lang="en-US" b="1" dirty="0" smtClean="0"/>
-          </a:p>
-          <a:p>
-            <a:pPr marL="514350" indent="-514350">
+              <a:t>Spark</a:t>
+            </a:r>
+          </a:p>
+          <a:p>
+            <a:pPr>
               <a:buNone/>
             </a:pPr>
             <a:r>
-              <a:rPr lang="en-GB" sz="2400" dirty="0" smtClean="0"/>
-              <a:t>       </a:t>
-            </a:r>
-            <a:r>
-              <a:rPr lang="el-GR" sz="2400" dirty="0" smtClean="0"/>
-              <a:t>Χρήση </a:t>
-            </a:r>
-            <a:r>
-              <a:rPr lang="en-US" dirty="0" smtClean="0"/>
+              <a:rPr lang="en-US" b="1" dirty="0" smtClean="0"/>
+              <a:t>resilient distributed dataset</a:t>
+            </a:r>
+            <a:r>
+              <a:rPr lang="el-GR" dirty="0" smtClean="0"/>
+              <a:t> (</a:t>
+            </a:r>
+            <a:r>
+              <a:rPr lang="en-US" b="1" dirty="0" smtClean="0"/>
+              <a:t>RDD</a:t>
+            </a:r>
+            <a:r>
+              <a:rPr lang="el-GR" dirty="0" smtClean="0"/>
+              <a:t>) </a:t>
+            </a:r>
+            <a:r>
+              <a:rPr lang="en-US" b="1" dirty="0" smtClean="0"/>
+              <a:t>, Dataset, </a:t>
+            </a:r>
+            <a:r>
+              <a:rPr lang="en-US" b="1" dirty="0" err="1" smtClean="0"/>
+              <a:t>Dataframe</a:t>
+            </a:r>
+            <a:endParaRPr lang="en-US" b="1" dirty="0" smtClean="0"/>
+          </a:p>
+          <a:p>
+            <a:pPr>
+              <a:buNone/>
+            </a:pPr>
+            <a:endParaRPr lang="el-GR" b="1" dirty="0" smtClean="0"/>
+          </a:p>
+          <a:p>
+            <a:r>
+              <a:rPr lang="el-GR" b="1" dirty="0" smtClean="0"/>
+              <a:t>Κοινόχρηστες μεταβλητές (</a:t>
+            </a:r>
+            <a:r>
+              <a:rPr lang="en-US" b="1" dirty="0" smtClean="0"/>
+              <a:t>shared variables</a:t>
+            </a:r>
+            <a:r>
+              <a:rPr lang="el-GR" b="1" dirty="0" smtClean="0"/>
+              <a:t>)</a:t>
+            </a:r>
+            <a:endParaRPr lang="en-US" b="1" dirty="0" smtClean="0"/>
+          </a:p>
+          <a:p>
+            <a:pPr>
+              <a:buNone/>
+            </a:pPr>
+            <a:r>
+              <a:rPr lang="en-US" b="1" dirty="0" smtClean="0"/>
               <a:t>broadcast </a:t>
             </a:r>
             <a:r>
               <a:rPr lang="el-GR" dirty="0" smtClean="0"/>
-              <a:t>μεταβλητών</a:t>
+              <a:t>μεταβλητές</a:t>
+            </a:r>
+            <a:r>
+              <a:rPr lang="el-GR" b="1" dirty="0" smtClean="0"/>
+              <a:t> </a:t>
+            </a:r>
+            <a:r>
+              <a:rPr lang="el-GR" dirty="0" smtClean="0"/>
+              <a:t>και </a:t>
+            </a:r>
+            <a:r>
+              <a:rPr lang="el-GR" dirty="0" smtClean="0"/>
+              <a:t>συσσωρευτές (</a:t>
+            </a:r>
+            <a:r>
+              <a:rPr lang="en-US" b="1" dirty="0" smtClean="0"/>
+              <a:t>accumulators</a:t>
+            </a:r>
+            <a:r>
+              <a:rPr lang="el-GR" dirty="0" smtClean="0"/>
+              <a:t>)</a:t>
             </a:r>
             <a:endParaRPr lang="en-US" b="1" dirty="0" smtClean="0"/>
           </a:p>
-        </p:txBody>
-      </p:sp>
-      <p:pic>
-        <p:nvPicPr>
-          <p:cNvPr id="2052" name="Picture 4" descr="C:\Users\Vlasis\Desktop\Χωρίς τίτλο.png"/>
-          <p:cNvPicPr>
-            <a:picLocks noChangeAspect="1" noChangeArrowheads="1"/>
-          </p:cNvPicPr>
-          <p:nvPr/>
-        </p:nvPicPr>
-        <p:blipFill>
-          <a:blip r:embed="rId2"/>
-          <a:srcRect/>
-          <a:stretch>
-            <a:fillRect/>
-          </a:stretch>
-        </p:blipFill>
-        <p:spPr bwMode="auto">
-          <a:xfrm>
-            <a:off x="4800600" y="1066800"/>
-            <a:ext cx="3933825" cy="828675"/>
-          </a:xfrm>
-          <a:prstGeom prst="rect">
-            <a:avLst/>
-          </a:prstGeom>
-          <a:noFill/>
-        </p:spPr>
-      </p:pic>
-      <p:pic>
-        <p:nvPicPr>
-          <p:cNvPr id="1027" name="Picture 3"/>
-          <p:cNvPicPr>
-            <a:picLocks noChangeAspect="1" noChangeArrowheads="1"/>
-          </p:cNvPicPr>
-          <p:nvPr/>
-        </p:nvPicPr>
-        <p:blipFill>
-          <a:blip r:embed="rId3"/>
-          <a:srcRect/>
-          <a:stretch>
-            <a:fillRect/>
-          </a:stretch>
-        </p:blipFill>
-        <p:spPr bwMode="auto">
-          <a:xfrm>
-            <a:off x="304800" y="2667000"/>
-            <a:ext cx="457200" cy="1371600"/>
-          </a:xfrm>
-          <a:prstGeom prst="rect">
-            <a:avLst/>
-          </a:prstGeom>
-          <a:noFill/>
-          <a:ln w="9525">
-            <a:noFill/>
-            <a:miter lim="800000"/>
-            <a:headEnd/>
-            <a:tailEnd/>
-          </a:ln>
-          <a:effectLst/>
-        </p:spPr>
-      </p:pic>
+          <a:p>
+            <a:endParaRPr lang="el-GR" dirty="0"/>
+          </a:p>
+        </p:txBody>
+      </p:sp>
     </p:spTree>
   </p:cSld>
   <p:clrMapOvr>
     <a:masterClrMapping/>
   </p:clrMapOvr>
-  <p:timing>
-    <p:tnLst>
-      <p:par>
-        <p:cTn id="1" dur="indefinite" restart="never" nodeType="tmRoot"/>
-      </p:par>
-    </p:tnLst>
-  </p:timing>
 </p:sld>
 </file>
 
@@ -4923,7 +4721,7 @@
         <p:spPr>
           <a:xfrm>
             <a:off x="914400" y="274638"/>
-            <a:ext cx="7772400" cy="715962"/>
+            <a:ext cx="7772400" cy="563562"/>
           </a:xfrm>
         </p:spPr>
         <p:txBody>
@@ -4938,12 +4736,24 @@
               <a:t>Υλοποίηση του </a:t>
             </a:r>
             <a:r>
-              <a:rPr lang="en-US" dirty="0" smtClean="0"/>
-              <a:t>Alpha Algorithm</a:t>
-            </a:r>
-            <a:r>
-              <a:rPr lang="el-GR" dirty="0" smtClean="0"/>
-              <a:t> (3)</a:t>
+              <a:rPr lang="el-GR" dirty="0" smtClean="0"/>
+              <a:t>Αλγόριθμου</a:t>
+            </a:r>
+            <a:r>
+              <a:rPr lang="el-GR" b="1" dirty="0" smtClean="0"/>
+              <a:t> </a:t>
+            </a:r>
+            <a:r>
+              <a:rPr lang="en-US" b="1" dirty="0" smtClean="0"/>
+              <a:t>Alpha</a:t>
+            </a:r>
+            <a:r>
+              <a:rPr lang="el-GR" dirty="0" smtClean="0"/>
+              <a:t> </a:t>
+            </a:r>
+            <a:r>
+              <a:rPr lang="el-GR" dirty="0" smtClean="0"/>
+              <a:t>(1)</a:t>
             </a:r>
             <a:endParaRPr lang="el-GR" dirty="0"/>
           </a:p>
@@ -4961,23 +4771,67 @@
         </p:nvSpPr>
         <p:spPr>
           <a:xfrm>
-            <a:off x="609600" y="1066800"/>
-            <a:ext cx="8153400" cy="5410200"/>
-          </a:xfrm>
-        </p:spPr>
-        <p:txBody>
-          <a:bodyPr/>
-          <a:lstStyle/>
-          <a:p>
-            <a:r>
-              <a:rPr lang="el-GR" dirty="0" smtClean="0"/>
-              <a:t>Υπολογισμός μόνο των </a:t>
-            </a:r>
-            <a:r>
-              <a:rPr lang="en-US" dirty="0" smtClean="0"/>
-              <a:t>maximal causal groups</a:t>
-            </a:r>
-            <a:endParaRPr lang="el-GR" dirty="0" smtClean="0"/>
+            <a:off x="228600" y="914400"/>
+            <a:ext cx="8686800" cy="5638800"/>
+          </a:xfrm>
+        </p:spPr>
+        <p:txBody>
+          <a:bodyPr>
+            <a:normAutofit/>
+          </a:bodyPr>
+          <a:lstStyle/>
+          <a:p>
+            <a:r>
+              <a:rPr lang="en-US" sz="2200" dirty="0" smtClean="0"/>
+              <a:t>2 </a:t>
+            </a:r>
+            <a:r>
+              <a:rPr lang="el-GR" sz="2200" dirty="0" smtClean="0"/>
+              <a:t>εκδόσεις </a:t>
+            </a:r>
+            <a:r>
+              <a:rPr lang="el-GR" sz="2200" dirty="0" smtClean="0"/>
+              <a:t>του αλγόριθμου </a:t>
+            </a:r>
+            <a:r>
+              <a:rPr lang="en-US" sz="2200" dirty="0" smtClean="0"/>
+              <a:t>Alpha</a:t>
+            </a:r>
+            <a:r>
+              <a:rPr lang="el-GR" sz="2200" dirty="0" smtClean="0"/>
+              <a:t> </a:t>
+            </a:r>
+            <a:r>
+              <a:rPr lang="en-US" sz="2200" dirty="0" smtClean="0"/>
+              <a:t>(</a:t>
+            </a:r>
+            <a:r>
+              <a:rPr lang="en-US" sz="2200" b="1" dirty="0" smtClean="0"/>
+              <a:t>Spark</a:t>
+            </a:r>
+            <a:r>
+              <a:rPr lang="en-US" sz="2200" dirty="0" smtClean="0"/>
+              <a:t> </a:t>
+            </a:r>
+            <a:r>
+              <a:rPr lang="el-GR" sz="2200" dirty="0" smtClean="0"/>
+              <a:t>και </a:t>
+            </a:r>
+            <a:r>
+              <a:rPr lang="en-US" sz="2200" b="1" dirty="0" smtClean="0"/>
+              <a:t>non-Spark</a:t>
+            </a:r>
+            <a:r>
+              <a:rPr lang="en-US" sz="2200" dirty="0" smtClean="0"/>
+              <a:t>)</a:t>
+            </a:r>
+            <a:endParaRPr lang="el-GR" sz="2200" dirty="0" smtClean="0"/>
+          </a:p>
+          <a:p>
+            <a:r>
+              <a:rPr lang="el-GR" sz="2200" dirty="0" smtClean="0"/>
+              <a:t>Παράμετροι</a:t>
+            </a:r>
           </a:p>
           <a:p>
             <a:pPr>
@@ -4985,23 +4839,170 @@
             </a:pPr>
             <a:r>
               <a:rPr lang="el-GR" sz="2200" dirty="0" smtClean="0"/>
-              <a:t>Χρήση των </a:t>
+              <a:t>	  </a:t>
+            </a:r>
+            <a:r>
+              <a:rPr lang="en-GB" sz="2200" b="1" dirty="0" err="1" smtClean="0"/>
+              <a:t>val</a:t>
+            </a:r>
+            <a:r>
+              <a:rPr lang="en-GB" sz="2200" b="1" dirty="0" smtClean="0"/>
+              <a:t> </a:t>
+            </a:r>
+            <a:r>
+              <a:rPr lang="en-GB" sz="2200" dirty="0" err="1" smtClean="0"/>
+              <a:t>logPath</a:t>
+            </a:r>
+            <a:r>
+              <a:rPr lang="en-GB" sz="2200" dirty="0" smtClean="0"/>
+              <a:t> = </a:t>
+            </a:r>
+            <a:r>
+              <a:rPr lang="en-GB" sz="2200" b="1" dirty="0" smtClean="0"/>
+              <a:t>"</a:t>
+            </a:r>
+            <a:r>
+              <a:rPr lang="en-GB" sz="2200" b="1" dirty="0" err="1" smtClean="0"/>
+              <a:t>src</a:t>
+            </a:r>
+            <a:r>
+              <a:rPr lang="en-GB" sz="2200" b="1" dirty="0" smtClean="0"/>
+              <a:t>/main/resources/data.csv"</a:t>
+            </a:r>
+            <a:br>
+              <a:rPr lang="en-GB" sz="2200" b="1" dirty="0" smtClean="0"/>
+            </a:br>
+            <a:r>
+              <a:rPr lang="en-GB" sz="2200" b="1" dirty="0" smtClean="0"/>
+              <a:t>  </a:t>
+            </a:r>
+            <a:r>
+              <a:rPr lang="en-GB" sz="2200" b="1" dirty="0" err="1" smtClean="0"/>
+              <a:t>val</a:t>
+            </a:r>
+            <a:r>
+              <a:rPr lang="en-GB" sz="2200" b="1" dirty="0" smtClean="0"/>
+              <a:t> </a:t>
+            </a:r>
+            <a:r>
+              <a:rPr lang="en-GB" sz="2200" dirty="0" err="1" smtClean="0"/>
+              <a:t>numOfTraces</a:t>
+            </a:r>
+            <a:r>
+              <a:rPr lang="en-GB" sz="2200" dirty="0" smtClean="0"/>
+              <a:t> = 3</a:t>
+            </a:r>
+            <a:br>
+              <a:rPr lang="en-GB" sz="2200" dirty="0" smtClean="0"/>
+            </a:br>
+            <a:r>
+              <a:rPr lang="en-GB" sz="2200" dirty="0" smtClean="0"/>
+              <a:t>  </a:t>
+            </a:r>
+            <a:r>
+              <a:rPr lang="en-GB" sz="2200" b="1" dirty="0" err="1" smtClean="0"/>
+              <a:t>val</a:t>
+            </a:r>
+            <a:r>
+              <a:rPr lang="en-GB" sz="2200" b="1" dirty="0" smtClean="0"/>
+              <a:t> </a:t>
+            </a:r>
+            <a:r>
+              <a:rPr lang="en-GB" sz="2200" dirty="0" smtClean="0"/>
+              <a:t>percentage : Float = 1 </a:t>
+            </a:r>
+            <a:r>
+              <a:rPr lang="en-GB" sz="2200" i="1" dirty="0" smtClean="0"/>
+              <a:t/>
+            </a:r>
+            <a:br>
+              <a:rPr lang="en-GB" sz="2200" i="1" dirty="0" smtClean="0"/>
+            </a:br>
+            <a:r>
+              <a:rPr lang="en-GB" sz="2200" i="1" dirty="0" smtClean="0"/>
+              <a:t>  </a:t>
+            </a:r>
+            <a:r>
+              <a:rPr lang="en-GB" sz="2200" b="1" dirty="0" err="1" smtClean="0"/>
+              <a:t>val</a:t>
+            </a:r>
+            <a:r>
+              <a:rPr lang="en-GB" sz="2200" b="1" dirty="0" smtClean="0"/>
+              <a:t> </a:t>
+            </a:r>
+            <a:r>
+              <a:rPr lang="en-GB" sz="2200" dirty="0" err="1" smtClean="0"/>
+              <a:t>readAll</a:t>
+            </a:r>
+            <a:r>
+              <a:rPr lang="en-GB" sz="2200" dirty="0" smtClean="0"/>
+              <a:t> : Boolean = </a:t>
+            </a:r>
+            <a:r>
+              <a:rPr lang="en-GB" sz="2200" b="1" dirty="0" smtClean="0"/>
+              <a:t>false</a:t>
+            </a:r>
+            <a:br>
+              <a:rPr lang="en-GB" sz="2200" b="1" dirty="0" smtClean="0"/>
+            </a:br>
+            <a:r>
+              <a:rPr lang="en-GB" sz="2200" b="1" dirty="0" smtClean="0"/>
+              <a:t>  </a:t>
+            </a:r>
+            <a:r>
+              <a:rPr lang="en-GB" sz="2200" b="1" dirty="0" err="1" smtClean="0"/>
+              <a:t>val</a:t>
+            </a:r>
+            <a:r>
+              <a:rPr lang="en-GB" sz="2200" b="1" dirty="0" smtClean="0"/>
+              <a:t> </a:t>
+            </a:r>
+            <a:r>
+              <a:rPr lang="en-GB" sz="2200" dirty="0" smtClean="0"/>
+              <a:t>filtering : Boolean = </a:t>
+            </a:r>
+            <a:r>
+              <a:rPr lang="en-GB" sz="2200" b="1" dirty="0" smtClean="0"/>
+              <a:t>true</a:t>
+            </a:r>
+            <a:endParaRPr lang="el-GR" sz="2200" b="1" dirty="0" smtClean="0"/>
+          </a:p>
+          <a:p>
+            <a:r>
+              <a:rPr lang="el-GR" sz="2200" dirty="0" smtClean="0"/>
+              <a:t>Σχηματισμός </a:t>
+            </a:r>
+            <a:r>
+              <a:rPr lang="en-US" sz="2200" dirty="0" smtClean="0"/>
+              <a:t>traces </a:t>
+            </a:r>
+            <a:r>
+              <a:rPr lang="el-GR" sz="2200" dirty="0" smtClean="0"/>
+              <a:t>στην μορφή </a:t>
+            </a:r>
+            <a:r>
+              <a:rPr lang="el-GR" sz="2200" b="1" dirty="0" smtClean="0"/>
+              <a:t>Dataset[(String, List[String])] </a:t>
+            </a:r>
+            <a:r>
+              <a:rPr lang="el-GR" sz="2200" dirty="0" smtClean="0"/>
+              <a:t>μόνο όσων είναι σε </a:t>
+            </a:r>
+            <a:r>
+              <a:rPr lang="en-US" sz="2200" dirty="0" smtClean="0"/>
+              <a:t>status </a:t>
             </a:r>
             <a:r>
               <a:rPr lang="en-US" sz="2200" b="1" dirty="0" smtClean="0"/>
-              <a:t>accumulators</a:t>
-            </a:r>
-            <a:r>
-              <a:rPr lang="en-US" sz="2200" dirty="0" smtClean="0"/>
-              <a:t> </a:t>
+              <a:t>Completed </a:t>
             </a:r>
             <a:r>
               <a:rPr lang="el-GR" sz="2200" dirty="0" smtClean="0"/>
-              <a:t>και των </a:t>
-            </a:r>
-            <a:r>
-              <a:rPr lang="en-US" sz="2200" b="1" dirty="0" smtClean="0"/>
-              <a:t>broadcast variables</a:t>
+              <a:t>ταξινομημένα σύμφωνα με το </a:t>
+            </a:r>
+            <a:r>
+              <a:rPr lang="en-US" sz="2200" b="1" dirty="0" err="1" smtClean="0"/>
+              <a:t>starttime</a:t>
             </a:r>
             <a:r>
               <a:rPr lang="el-GR" sz="2200" b="1" dirty="0" smtClean="0"/>
@@ -5009,143 +5010,237 @@
             </a:r>
             <a:r>
               <a:rPr lang="el-GR" sz="2200" dirty="0" smtClean="0"/>
-              <a:t>του </a:t>
+              <a:t>και ομαδοποιημένα σύμφωνα με το </a:t>
+            </a:r>
+            <a:r>
+              <a:rPr lang="en-US" sz="2200" b="1" dirty="0" err="1" smtClean="0"/>
+              <a:t>orderID</a:t>
             </a:r>
             <a:r>
               <a:rPr lang="en-US" sz="2200" dirty="0" smtClean="0"/>
-              <a:t>Spark</a:t>
-            </a:r>
+              <a:t>.</a:t>
+            </a:r>
+            <a:r>
+              <a:rPr lang="el-GR" sz="2200" b="1" dirty="0" smtClean="0"/>
+              <a:t> </a:t>
+            </a:r>
+            <a:endParaRPr lang="en-US" sz="2200" b="1" dirty="0" smtClean="0"/>
+          </a:p>
+          <a:p>
+            <a:r>
+              <a:rPr lang="el-GR" sz="2200" dirty="0" smtClean="0"/>
+              <a:t>Εύρεση των σχέσεων </a:t>
+            </a:r>
+            <a:r>
+              <a:rPr lang="en-US" sz="2200" b="1" dirty="0" smtClean="0"/>
+              <a:t>direct succession</a:t>
+            </a:r>
+            <a:r>
+              <a:rPr lang="el-GR" sz="2200" b="1" dirty="0" smtClean="0"/>
+              <a:t> </a:t>
+            </a:r>
+            <a:r>
+              <a:rPr lang="el-GR" sz="2200" dirty="0" smtClean="0"/>
+              <a:t>σύμφωνα </a:t>
+            </a:r>
+            <a:r>
+              <a:rPr lang="el-GR" sz="2200" dirty="0" smtClean="0"/>
+              <a:t>με το </a:t>
+            </a:r>
+            <a:r>
+              <a:rPr lang="en-US" sz="2200" dirty="0" err="1" smtClean="0"/>
+              <a:t>tuple</a:t>
+            </a:r>
+            <a:endParaRPr lang="en-US" sz="2200" dirty="0" smtClean="0"/>
           </a:p>
           <a:p>
             <a:pPr>
               <a:buNone/>
             </a:pPr>
-            <a:endParaRPr lang="el-GR" sz="2200" dirty="0" smtClean="0"/>
-          </a:p>
-          <a:p>
-            <a:r>
-              <a:rPr lang="el-GR" dirty="0" smtClean="0"/>
-              <a:t>Εύρεση των </a:t>
-            </a:r>
-            <a:r>
-              <a:rPr lang="en-US" dirty="0" smtClean="0"/>
-              <a:t>states</a:t>
-            </a:r>
-            <a:r>
-              <a:rPr lang="el-GR" dirty="0" smtClean="0"/>
-              <a:t>/</a:t>
-            </a:r>
-            <a:r>
-              <a:rPr lang="en-US" dirty="0" smtClean="0"/>
-              <a:t>places</a:t>
-            </a:r>
-            <a:r>
-              <a:rPr lang="el-GR" dirty="0" smtClean="0"/>
-              <a:t>. </a:t>
-            </a:r>
-            <a:r>
-              <a:rPr lang="el-GR" sz="2400" dirty="0" smtClean="0"/>
-              <a:t>Μετατροπή από</a:t>
-            </a:r>
-            <a:r>
-              <a:rPr lang="en-US" sz="2400" dirty="0" smtClean="0"/>
-              <a:t> maximal causal groups</a:t>
-            </a:r>
-            <a:endParaRPr lang="el-GR" sz="2400" dirty="0" smtClean="0"/>
+            <a:r>
+              <a:rPr lang="en-US" sz="2200" dirty="0" smtClean="0"/>
+              <a:t>	( </a:t>
+            </a:r>
+            <a:r>
+              <a:rPr lang="en-GB" sz="2200" dirty="0" smtClean="0"/>
+              <a:t>AB, </a:t>
+            </a:r>
+            <a:r>
+              <a:rPr lang="en-GB" sz="2200" dirty="0" err="1" smtClean="0"/>
+              <a:t>PairNotation</a:t>
+            </a:r>
+            <a:r>
+              <a:rPr lang="en-GB" sz="2200" dirty="0" smtClean="0"/>
+              <a:t>(DIRECT, FOLLOW) </a:t>
+            </a:r>
+            <a:r>
+              <a:rPr lang="en-US" sz="2200" dirty="0" smtClean="0"/>
+              <a:t>) =&gt; (A&gt;B)</a:t>
+            </a:r>
+            <a:r>
+              <a:rPr lang="en-GB" sz="2200" dirty="0" smtClean="0"/>
+              <a:t/>
+            </a:r>
+            <a:br>
+              <a:rPr lang="en-GB" sz="2200" dirty="0" smtClean="0"/>
+            </a:br>
+            <a:r>
+              <a:rPr lang="en-US" sz="2200" dirty="0" smtClean="0"/>
+              <a:t>( </a:t>
+            </a:r>
+            <a:r>
+              <a:rPr lang="en-GB" sz="2200" dirty="0" smtClean="0"/>
+              <a:t>AB, </a:t>
+            </a:r>
+            <a:r>
+              <a:rPr lang="en-GB" sz="2200" dirty="0" err="1" smtClean="0"/>
+              <a:t>PairNotation</a:t>
+            </a:r>
+            <a:r>
+              <a:rPr lang="en-GB" sz="2200" dirty="0" smtClean="0"/>
+              <a:t>(INVERSE, FOLLOW) </a:t>
+            </a:r>
+            <a:r>
+              <a:rPr lang="en-US" sz="2200" dirty="0" smtClean="0"/>
+              <a:t>) =&gt; (B&gt;A)</a:t>
+            </a:r>
+          </a:p>
+          <a:p>
+            <a:r>
+              <a:rPr lang="en-US" sz="2200" dirty="0" smtClean="0"/>
+              <a:t>events</a:t>
+            </a:r>
+            <a:r>
+              <a:rPr lang="el-GR" sz="2200" dirty="0" smtClean="0"/>
+              <a:t> (</a:t>
+            </a:r>
+            <a:r>
+              <a:rPr lang="en-US" sz="2200" dirty="0" smtClean="0"/>
+              <a:t>A</a:t>
+            </a:r>
+            <a:r>
+              <a:rPr lang="el-GR" sz="2200" dirty="0" smtClean="0"/>
+              <a:t>,</a:t>
+            </a:r>
+            <a:r>
+              <a:rPr lang="en-US" sz="2200" dirty="0" smtClean="0"/>
+              <a:t>B</a:t>
+            </a:r>
+            <a:r>
+              <a:rPr lang="el-GR" sz="2200" dirty="0" smtClean="0"/>
+              <a:t>,</a:t>
+            </a:r>
+            <a:r>
+              <a:rPr lang="en-US" sz="2200" dirty="0" smtClean="0"/>
+              <a:t>C</a:t>
+            </a:r>
+            <a:r>
+              <a:rPr lang="el-GR" sz="2200" dirty="0" smtClean="0"/>
+              <a:t>,</a:t>
+            </a:r>
+            <a:r>
+              <a:rPr lang="en-US" sz="2200" dirty="0" smtClean="0"/>
+              <a:t>D</a:t>
+            </a:r>
+            <a:r>
+              <a:rPr lang="el-GR" sz="2200" dirty="0" smtClean="0"/>
+              <a:t>,</a:t>
+            </a:r>
+            <a:r>
+              <a:rPr lang="en-US" sz="2200" dirty="0" smtClean="0"/>
+              <a:t>E</a:t>
+            </a:r>
+            <a:r>
+              <a:rPr lang="el-GR" sz="2200" dirty="0" smtClean="0"/>
+              <a:t>) </a:t>
+            </a:r>
+            <a:r>
+              <a:rPr lang="en-US" sz="2200" dirty="0" smtClean="0"/>
+              <a:t>=&gt;</a:t>
+            </a:r>
+            <a:r>
+              <a:rPr lang="el-GR" sz="2200" dirty="0" smtClean="0"/>
+              <a:t>(ΑΑ, ΑΒ, Α</a:t>
+            </a:r>
+            <a:r>
+              <a:rPr lang="en-US" sz="2200" dirty="0" smtClean="0"/>
+              <a:t>C</a:t>
+            </a:r>
+            <a:r>
+              <a:rPr lang="el-GR" sz="2200" dirty="0" smtClean="0"/>
+              <a:t>, </a:t>
+            </a:r>
+            <a:r>
+              <a:rPr lang="en-US" sz="2200" dirty="0" smtClean="0"/>
+              <a:t>AD</a:t>
+            </a:r>
+            <a:r>
+              <a:rPr lang="el-GR" sz="2200" dirty="0" smtClean="0"/>
+              <a:t>, </a:t>
+            </a:r>
+            <a:r>
+              <a:rPr lang="en-US" sz="2200" dirty="0" smtClean="0"/>
+              <a:t>BB</a:t>
+            </a:r>
+            <a:r>
+              <a:rPr lang="el-GR" sz="2200" dirty="0" smtClean="0"/>
+              <a:t>, </a:t>
+            </a:r>
+            <a:r>
+              <a:rPr lang="en-US" sz="2200" dirty="0" smtClean="0"/>
+              <a:t>BC</a:t>
+            </a:r>
+            <a:r>
+              <a:rPr lang="el-GR" sz="2200" dirty="0" smtClean="0"/>
+              <a:t>, </a:t>
+            </a:r>
+            <a:r>
+              <a:rPr lang="en-US" sz="2200" dirty="0" smtClean="0"/>
+              <a:t>BD</a:t>
+            </a:r>
+            <a:r>
+              <a:rPr lang="el-GR" sz="2200" dirty="0" smtClean="0"/>
+              <a:t>, </a:t>
+            </a:r>
+            <a:r>
+              <a:rPr lang="en-US" sz="2200" dirty="0" smtClean="0"/>
+              <a:t>CC</a:t>
+            </a:r>
+            <a:r>
+              <a:rPr lang="el-GR" sz="2200" dirty="0" smtClean="0"/>
+              <a:t>, </a:t>
+            </a:r>
+            <a:r>
+              <a:rPr lang="en-US" sz="2200" dirty="0" smtClean="0"/>
+              <a:t>CD</a:t>
+            </a:r>
+            <a:r>
+              <a:rPr lang="el-GR" sz="2200" dirty="0" smtClean="0"/>
+              <a:t>, </a:t>
+            </a:r>
+            <a:r>
+              <a:rPr lang="en-US" sz="2200" dirty="0" smtClean="0"/>
+              <a:t>DD</a:t>
+            </a:r>
+            <a:r>
+              <a:rPr lang="el-GR" sz="2200" dirty="0" smtClean="0"/>
+              <a:t>)</a:t>
+            </a:r>
           </a:p>
           <a:p>
             <a:pPr>
               <a:buNone/>
             </a:pPr>
-            <a:r>
-              <a:rPr lang="el-GR" sz="2200" dirty="0" smtClean="0"/>
-              <a:t> Κλάση </a:t>
-            </a:r>
-            <a:r>
-              <a:rPr lang="en-US" sz="2200" dirty="0" smtClean="0"/>
-              <a:t>State </a:t>
-            </a:r>
-            <a:r>
-              <a:rPr lang="el-GR" sz="2200" dirty="0" smtClean="0"/>
-              <a:t>η οποία διαθέτει δύο παραμέτρους (είσοδοι/έξοδοι)</a:t>
-            </a:r>
-            <a:endParaRPr lang="en-US" sz="2200" dirty="0" smtClean="0"/>
+            <a:endParaRPr lang="el-GR" sz="2000" b="1" dirty="0" smtClean="0"/>
+          </a:p>
+          <a:p>
+            <a:endParaRPr lang="en-US" sz="2000" b="1" dirty="0" smtClean="0"/>
           </a:p>
           <a:p>
             <a:pPr>
               <a:buNone/>
             </a:pPr>
-            <a:endParaRPr lang="en-US" sz="2200" dirty="0" smtClean="0"/>
-          </a:p>
-          <a:p>
-            <a:r>
-              <a:rPr lang="el-GR" sz="2400" dirty="0" smtClean="0"/>
-              <a:t>Υπολογισμός των τόξων (</a:t>
-            </a:r>
-            <a:r>
-              <a:rPr lang="en-US" sz="2400" dirty="0" smtClean="0"/>
-              <a:t>arcs</a:t>
-            </a:r>
-            <a:r>
-              <a:rPr lang="el-GR" sz="2400" dirty="0" smtClean="0"/>
-              <a:t>) με κλάση </a:t>
-            </a:r>
-            <a:r>
-              <a:rPr lang="en-US" sz="2400" dirty="0" smtClean="0"/>
-              <a:t>Edge </a:t>
-            </a:r>
-            <a:r>
-              <a:rPr lang="el-GR" sz="2400" dirty="0" smtClean="0"/>
-              <a:t>που διαθέτει </a:t>
-            </a:r>
-            <a:r>
-              <a:rPr lang="en-US" sz="2400" dirty="0" err="1" smtClean="0"/>
-              <a:t>boolean</a:t>
-            </a:r>
-            <a:r>
-              <a:rPr lang="en-US" sz="2400" dirty="0" smtClean="0"/>
-              <a:t> flag</a:t>
-            </a:r>
-            <a:endParaRPr lang="el-GR" sz="2200" dirty="0" smtClean="0"/>
-          </a:p>
-          <a:p>
-            <a:pPr>
-              <a:buNone/>
-            </a:pPr>
-            <a:r>
-              <a:rPr lang="en-GB" sz="2400" i="1" dirty="0" smtClean="0"/>
-              <a:t>Direct == </a:t>
-            </a:r>
-            <a:r>
-              <a:rPr lang="en-GB" sz="2400" b="1" i="1" dirty="0" smtClean="0"/>
-              <a:t>true</a:t>
-            </a:r>
-            <a:r>
-              <a:rPr lang="en-GB" sz="2400" i="1" dirty="0" smtClean="0"/>
-              <a:t> -&gt; (event, State)</a:t>
-            </a:r>
-            <a:endParaRPr lang="el-GR" sz="2400" i="1" dirty="0" smtClean="0"/>
-          </a:p>
-          <a:p>
-            <a:pPr>
-              <a:buNone/>
-            </a:pPr>
-            <a:r>
-              <a:rPr lang="en-GB" sz="2400" i="1" dirty="0" smtClean="0"/>
-              <a:t>Inverse == </a:t>
-            </a:r>
-            <a:r>
-              <a:rPr lang="en-GB" sz="2400" b="1" i="1" dirty="0" smtClean="0"/>
-              <a:t>false</a:t>
-            </a:r>
-            <a:r>
-              <a:rPr lang="en-GB" sz="2400" i="1" dirty="0" smtClean="0"/>
-              <a:t> -&gt; (State, event)</a:t>
-            </a:r>
-            <a:endParaRPr lang="el-GR" sz="2400" dirty="0" smtClean="0"/>
-          </a:p>
-          <a:p>
-            <a:endParaRPr lang="el-GR" sz="2200" b="1" dirty="0"/>
+            <a:endParaRPr lang="el-GR" sz="2000" dirty="0"/>
           </a:p>
         </p:txBody>
       </p:sp>
@@ -5154,13 +5249,6 @@
   <p:clrMapOvr>
     <a:masterClrMapping/>
   </p:clrMapOvr>
-  <p:timing>
-    <p:tnLst>
-      <p:par>
-        <p:cTn id="1" dur="indefinite" restart="never" nodeType="tmRoot"/>
-      </p:par>
-    </p:tnLst>
-  </p:timing>
 </p:sld>
 </file>
 
@@ -5194,7 +5282,7 @@
         <p:spPr>
           <a:xfrm>
             <a:off x="914400" y="274638"/>
-            <a:ext cx="7772400" cy="563562"/>
+            <a:ext cx="7772400" cy="715962"/>
           </a:xfrm>
         </p:spPr>
         <p:txBody>
@@ -5205,8 +5293,36 @@
           <a:p>
             <a:pPr algn="ctr"/>
             <a:r>
-              <a:rPr lang="el-GR" b="1" dirty="0" smtClean="0"/>
-              <a:t>Επιβεβαίωση Ορθής Λειτουργίας</a:t>
+              <a:rPr lang="el-GR" dirty="0" smtClean="0"/>
+              <a:t>Υλοποίηση </a:t>
+            </a:r>
+            <a:r>
+              <a:rPr lang="el-GR" dirty="0" smtClean="0"/>
+              <a:t>του</a:t>
+            </a:r>
+            <a:r>
+              <a:rPr lang="en-US" dirty="0" smtClean="0"/>
+              <a:t> </a:t>
+            </a:r>
+            <a:r>
+              <a:rPr lang="el-GR" dirty="0" smtClean="0"/>
+              <a:t>αλγόριθμου </a:t>
+            </a:r>
+            <a:r>
+              <a:rPr lang="en-US" dirty="0" smtClean="0"/>
+              <a:t>Alpha </a:t>
+            </a:r>
+            <a:r>
+              <a:rPr lang="el-GR" dirty="0" smtClean="0"/>
+              <a:t>(</a:t>
+            </a:r>
+            <a:r>
+              <a:rPr lang="en-US" dirty="0" smtClean="0"/>
+              <a:t>2</a:t>
+            </a:r>
+            <a:r>
+              <a:rPr lang="el-GR" dirty="0" smtClean="0"/>
+              <a:t>)</a:t>
             </a:r>
             <a:endParaRPr lang="el-GR" dirty="0"/>
           </a:p>
@@ -5224,65 +5340,226 @@
         </p:nvSpPr>
         <p:spPr>
           <a:xfrm>
-            <a:off x="381000" y="838200"/>
-            <a:ext cx="8458200" cy="5638800"/>
-          </a:xfrm>
-        </p:spPr>
-        <p:txBody>
-          <a:bodyPr/>
-          <a:lstStyle/>
-          <a:p>
+            <a:off x="457200" y="1143000"/>
+            <a:ext cx="8458200" cy="5257800"/>
+          </a:xfrm>
+        </p:spPr>
+        <p:txBody>
+          <a:bodyPr>
+            <a:normAutofit lnSpcReduction="10000"/>
+          </a:bodyPr>
+          <a:lstStyle/>
+          <a:p>
+            <a:r>
+              <a:rPr lang="el-GR" dirty="0" smtClean="0"/>
+              <a:t>Εύρεση των σχέσεων</a:t>
+            </a:r>
+          </a:p>
+          <a:p>
+            <a:r>
+              <a:rPr lang="el-GR" dirty="0" smtClean="0"/>
+              <a:t>Υπολογισμός </a:t>
+            </a:r>
+            <a:r>
+              <a:rPr lang="el-GR" dirty="0" smtClean="0"/>
+              <a:t>πίνακα σχέσεων</a:t>
+            </a:r>
+          </a:p>
+          <a:p>
+            <a:pPr>
+              <a:buNone/>
+            </a:pPr>
+            <a:r>
+              <a:rPr lang="en-US" dirty="0" smtClean="0"/>
+              <a:t>Footprint</a:t>
+            </a:r>
+            <a:r>
+              <a:rPr lang="el-GR" dirty="0" smtClean="0"/>
+              <a:t> </a:t>
+            </a:r>
+            <a:r>
+              <a:rPr lang="en-US" dirty="0" smtClean="0"/>
+              <a:t>graph</a:t>
+            </a:r>
+            <a:endParaRPr lang="en-US" dirty="0" smtClean="0"/>
+          </a:p>
+          <a:p>
+            <a:r>
+              <a:rPr lang="el-GR" dirty="0" smtClean="0"/>
+              <a:t> Εύρεση των</a:t>
+            </a:r>
+            <a:r>
+              <a:rPr lang="en-US" dirty="0" smtClean="0"/>
+              <a:t> </a:t>
+            </a:r>
+            <a:r>
+              <a:rPr lang="en-US" b="1" dirty="0" smtClean="0"/>
+              <a:t>Causal groups</a:t>
+            </a:r>
+          </a:p>
+          <a:p>
+            <a:pPr marL="1062990" lvl="2" indent="-514350">
+              <a:buFont typeface="+mj-lt"/>
+              <a:buAutoNum type="arabicPeriod"/>
+            </a:pPr>
+            <a:r>
+              <a:rPr lang="el-GR" dirty="0" smtClean="0"/>
+              <a:t>Εύρεση όλων των μοναδικών </a:t>
+            </a:r>
+            <a:r>
+              <a:rPr lang="en-US" dirty="0" smtClean="0"/>
+              <a:t>events </a:t>
+            </a:r>
+            <a:r>
+              <a:rPr lang="el-GR" dirty="0" smtClean="0"/>
+              <a:t>από κάθε πλευρά όλων των </a:t>
+            </a:r>
+            <a:r>
+              <a:rPr lang="en-US" dirty="0" smtClean="0"/>
+              <a:t>causal </a:t>
+            </a:r>
+            <a:r>
+              <a:rPr lang="el-GR" dirty="0" smtClean="0"/>
+              <a:t>σχέσεων</a:t>
+            </a:r>
+            <a:r>
+              <a:rPr lang="en-US" dirty="0" smtClean="0"/>
+              <a:t>.  </a:t>
+            </a:r>
+            <a:r>
+              <a:rPr lang="el-GR" dirty="0" smtClean="0"/>
+              <a:t>{a,b} και {</a:t>
+            </a:r>
+            <a:r>
+              <a:rPr lang="en-US" dirty="0" smtClean="0"/>
+              <a:t>c</a:t>
+            </a:r>
+            <a:r>
+              <a:rPr lang="el-GR" dirty="0" smtClean="0"/>
+              <a:t>,</a:t>
+            </a:r>
+            <a:r>
+              <a:rPr lang="en-US" dirty="0" smtClean="0"/>
+              <a:t>d</a:t>
+            </a:r>
+            <a:r>
+              <a:rPr lang="el-GR" dirty="0" smtClean="0"/>
+              <a:t>}</a:t>
+            </a:r>
+          </a:p>
+          <a:p>
+            <a:pPr marL="1062990" lvl="2" indent="-514350">
+              <a:buFont typeface="+mj-lt"/>
+              <a:buAutoNum type="arabicPeriod"/>
+            </a:pPr>
+            <a:r>
+              <a:rPr lang="el-GR" dirty="0" smtClean="0"/>
+              <a:t>Εύρεση όλων των δυνατών συνδυασμών για κάθε ένα από τα παραπάνω σύνολα List[{a,b}</a:t>
+            </a:r>
+            <a:r>
+              <a:rPr lang="en-US" dirty="0" smtClean="0"/>
+              <a:t> /</a:t>
+            </a:r>
+            <a:r>
+              <a:rPr lang="el-GR" dirty="0" smtClean="0"/>
+              <a:t> {a}</a:t>
+            </a:r>
+            <a:r>
+              <a:rPr lang="en-US" dirty="0" smtClean="0"/>
+              <a:t> /</a:t>
+            </a:r>
+            <a:r>
+              <a:rPr lang="el-GR" dirty="0" smtClean="0"/>
+              <a:t> {b}] και List[{c,d} </a:t>
+            </a:r>
+            <a:r>
+              <a:rPr lang="en-US" dirty="0" smtClean="0"/>
+              <a:t>/ </a:t>
+            </a:r>
+            <a:r>
+              <a:rPr lang="el-GR" dirty="0" smtClean="0"/>
+              <a:t>{c}</a:t>
+            </a:r>
+            <a:r>
+              <a:rPr lang="en-US" dirty="0" smtClean="0"/>
+              <a:t> /</a:t>
+            </a:r>
+            <a:r>
+              <a:rPr lang="el-GR" dirty="0" smtClean="0"/>
+              <a:t> {d}] </a:t>
+            </a:r>
+          </a:p>
+          <a:p>
+            <a:pPr marL="1062990" lvl="2" indent="-514350">
+              <a:buFont typeface="+mj-lt"/>
+              <a:buAutoNum type="arabicPeriod"/>
+            </a:pPr>
+            <a:r>
+              <a:rPr lang="el-GR" dirty="0" smtClean="0"/>
+              <a:t>Διαγραφή των συνόλων αυτών τα οποία έχουν έστω μια μη-</a:t>
+            </a:r>
+            <a:r>
+              <a:rPr lang="en-US" dirty="0" err="1" smtClean="0"/>
+              <a:t>NeverFollow</a:t>
+            </a:r>
+            <a:r>
+              <a:rPr lang="en-US" dirty="0" smtClean="0"/>
+              <a:t> (choice relation) </a:t>
+            </a:r>
+            <a:r>
+              <a:rPr lang="el-GR" dirty="0" smtClean="0"/>
+              <a:t>σχέση</a:t>
+            </a:r>
+          </a:p>
+          <a:p>
+            <a:pPr marL="1062990" lvl="2" indent="-514350">
+              <a:buFont typeface="+mj-lt"/>
+              <a:buAutoNum type="arabicPeriod"/>
+            </a:pPr>
+            <a:r>
+              <a:rPr lang="el-GR" dirty="0" smtClean="0"/>
+              <a:t>Σύνδεση όλων των συνόλων από τις δύο λιστές μόνο αν όλα τα στοιχεία των δύο λιστών είναι σε </a:t>
+            </a:r>
+            <a:r>
+              <a:rPr lang="en-US" dirty="0" smtClean="0"/>
+              <a:t>causal </a:t>
+            </a:r>
+            <a:r>
+              <a:rPr lang="el-GR" dirty="0" smtClean="0"/>
+              <a:t>σχέση μεταξύ τους και σχηματισμός των causal groups</a:t>
+            </a:r>
+            <a:endParaRPr lang="en-US" b="1" dirty="0" smtClean="0"/>
+          </a:p>
+          <a:p>
+            <a:pPr marL="514350" indent="-514350">
+              <a:buNone/>
+            </a:pPr>
+            <a:r>
+              <a:rPr lang="en-GB" sz="2400" dirty="0" smtClean="0"/>
+              <a:t>       </a:t>
+            </a:r>
             <a:r>
               <a:rPr lang="el-GR" sz="2400" dirty="0" smtClean="0"/>
-              <a:t>συνολικά 34 </a:t>
-            </a:r>
-            <a:r>
-              <a:rPr lang="en-US" sz="2400" dirty="0" smtClean="0"/>
-              <a:t>unit tests (end to end </a:t>
-            </a:r>
-            <a:r>
-              <a:rPr lang="el-GR" sz="2400" dirty="0" smtClean="0"/>
-              <a:t>και για κάθε κλάση</a:t>
-            </a:r>
-            <a:r>
-              <a:rPr lang="en-US" sz="2400" dirty="0" smtClean="0"/>
-              <a:t>)</a:t>
-            </a:r>
-            <a:r>
-              <a:rPr lang="el-GR" sz="2400" dirty="0" smtClean="0"/>
-              <a:t> Για </a:t>
-            </a:r>
-            <a:r>
-              <a:rPr lang="en-US" sz="2400" dirty="0" smtClean="0"/>
-              <a:t>end-2-end </a:t>
-            </a:r>
-            <a:r>
-              <a:rPr lang="el-GR" sz="2400" dirty="0" smtClean="0"/>
-              <a:t>χρήση 5 παραδειγμάτων που υπάρχει γνώση του παραγόμενου </a:t>
-            </a:r>
-            <a:r>
-              <a:rPr lang="en-US" sz="2400" dirty="0" smtClean="0"/>
-              <a:t>Petri Net</a:t>
-            </a:r>
-          </a:p>
-          <a:p>
-            <a:endParaRPr lang="en-US" sz="2400" dirty="0" smtClean="0"/>
-          </a:p>
-          <a:p>
-            <a:endParaRPr lang="el-GR" sz="2400" dirty="0" smtClean="0"/>
-          </a:p>
-          <a:p>
-            <a:endParaRPr lang="en-US" sz="2400" dirty="0" smtClean="0"/>
-          </a:p>
-          <a:p>
-            <a:endParaRPr lang="el-GR" dirty="0"/>
+              <a:t>Χρήση </a:t>
+            </a:r>
+            <a:r>
+              <a:rPr lang="en-US" dirty="0" smtClean="0"/>
+              <a:t>broadcast </a:t>
+            </a:r>
+            <a:r>
+              <a:rPr lang="el-GR" dirty="0" smtClean="0"/>
+              <a:t>μεταβλητών</a:t>
+            </a:r>
+            <a:endParaRPr lang="en-US" b="1" dirty="0" smtClean="0"/>
           </a:p>
         </p:txBody>
       </p:sp>
       <p:pic>
         <p:nvPicPr>
-          <p:cNvPr id="4" name="Picture 3" descr="C:\Users\Vlasis\Dropbox\osyl\report\images\img37.png"/>
-          <p:cNvPicPr/>
+          <p:cNvPr id="2052" name="Picture 4" descr="C:\Users\Vlasis\Desktop\Χωρίς τίτλο.png"/>
+          <p:cNvPicPr>
+            <a:picLocks noChangeAspect="1" noChangeArrowheads="1"/>
+          </p:cNvPicPr>
           <p:nvPr/>
         </p:nvPicPr>
         <p:blipFill>
@@ -5294,24 +5571,18 @@
         </p:blipFill>
         <p:spPr bwMode="auto">
           <a:xfrm>
-            <a:off x="4114800" y="1600200"/>
-            <a:ext cx="4727878" cy="1066800"/>
+            <a:off x="5029200" y="1143000"/>
+            <a:ext cx="3933825" cy="828675"/>
           </a:xfrm>
           <a:prstGeom prst="rect">
             <a:avLst/>
           </a:prstGeom>
           <a:noFill/>
-          <a:ln w="9525">
-            <a:noFill/>
-            <a:miter lim="800000"/>
-            <a:headEnd/>
-            <a:tailEnd/>
-          </a:ln>
         </p:spPr>
       </p:pic>
       <p:pic>
         <p:nvPicPr>
-          <p:cNvPr id="1026" name="Picture 2"/>
+          <p:cNvPr id="1027" name="Picture 3"/>
           <p:cNvPicPr>
             <a:picLocks noChangeAspect="1" noChangeArrowheads="1"/>
           </p:cNvPicPr>
@@ -5326,8 +5597,8 @@
         </p:blipFill>
         <p:spPr bwMode="auto">
           <a:xfrm>
-            <a:off x="381000" y="2667000"/>
-            <a:ext cx="7734300" cy="4038600"/>
+            <a:off x="304800" y="3276600"/>
+            <a:ext cx="457200" cy="1371600"/>
           </a:xfrm>
           <a:prstGeom prst="rect">
             <a:avLst/>
@@ -5387,7 +5658,7 @@
         <p:spPr>
           <a:xfrm>
             <a:off x="914400" y="274638"/>
-            <a:ext cx="7772400" cy="563562"/>
+            <a:ext cx="7772400" cy="715962"/>
           </a:xfrm>
         </p:spPr>
         <p:txBody>
@@ -5399,11 +5670,23 @@
             <a:pPr algn="ctr"/>
             <a:r>
               <a:rPr lang="el-GR" dirty="0" smtClean="0"/>
-              <a:t>Εκτέλεση Αλγορίθμου – Μετρήσεις</a:t>
+              <a:t>Υλοποίηση </a:t>
+            </a:r>
+            <a:r>
+              <a:rPr lang="el-GR" dirty="0" smtClean="0"/>
+              <a:t>του αλγόριθμου </a:t>
             </a:r>
             <a:r>
               <a:rPr lang="en-US" dirty="0" smtClean="0"/>
-              <a:t> (1)</a:t>
+              <a:t>Alpha </a:t>
+            </a:r>
+            <a:r>
+              <a:rPr lang="el-GR" dirty="0" smtClean="0"/>
+              <a:t>(</a:t>
+            </a:r>
+            <a:r>
+              <a:rPr lang="el-GR" dirty="0" smtClean="0"/>
+              <a:t>3)</a:t>
             </a:r>
             <a:endParaRPr lang="el-GR" dirty="0"/>
           </a:p>
@@ -5421,23 +5704,107 @@
         </p:nvSpPr>
         <p:spPr>
           <a:xfrm>
-            <a:off x="381000" y="838200"/>
-            <a:ext cx="8534400" cy="5638800"/>
-          </a:xfrm>
-        </p:spPr>
-        <p:txBody>
-          <a:bodyPr>
-            <a:normAutofit/>
-          </a:bodyPr>
-          <a:lstStyle/>
-          <a:p>
-            <a:r>
-              <a:rPr lang="en-US" sz="2400" b="1" dirty="0" err="1" smtClean="0"/>
-              <a:t>Databricks</a:t>
-            </a:r>
-            <a:r>
-              <a:rPr lang="en-US" sz="2400" b="1" dirty="0" smtClean="0"/>
-              <a:t>.</a:t>
+            <a:off x="609600" y="1066800"/>
+            <a:ext cx="8153400" cy="5410200"/>
+          </a:xfrm>
+        </p:spPr>
+        <p:txBody>
+          <a:bodyPr/>
+          <a:lstStyle/>
+          <a:p>
+            <a:r>
+              <a:rPr lang="el-GR" dirty="0" smtClean="0"/>
+              <a:t>Υπολογισμός μόνο </a:t>
+            </a:r>
+            <a:r>
+              <a:rPr lang="el-GR" dirty="0" smtClean="0"/>
+              <a:t>των</a:t>
+            </a:r>
+            <a:r>
+              <a:rPr lang="en-US" dirty="0" smtClean="0"/>
+              <a:t> </a:t>
+            </a:r>
+            <a:r>
+              <a:rPr lang="el-GR" dirty="0" smtClean="0"/>
+              <a:t>μέγιστων </a:t>
+            </a:r>
+            <a:r>
+              <a:rPr lang="en-US" dirty="0" smtClean="0"/>
+              <a:t>causal </a:t>
+            </a:r>
+            <a:r>
+              <a:rPr lang="en-US" dirty="0" smtClean="0"/>
+              <a:t>groups</a:t>
+            </a:r>
+            <a:endParaRPr lang="el-GR" dirty="0" smtClean="0"/>
+          </a:p>
+          <a:p>
+            <a:pPr>
+              <a:buNone/>
+            </a:pPr>
+            <a:r>
+              <a:rPr lang="el-GR" sz="2200" dirty="0" smtClean="0"/>
+              <a:t>Χρήση των </a:t>
+            </a:r>
+            <a:r>
+              <a:rPr lang="el-GR" sz="2200" dirty="0" smtClean="0"/>
+              <a:t>συσσωρευτών (</a:t>
+            </a:r>
+            <a:r>
+              <a:rPr lang="en-US" sz="2200" b="1" dirty="0" smtClean="0"/>
+              <a:t>accumulators</a:t>
+            </a:r>
+            <a:r>
+              <a:rPr lang="el-GR" sz="2200" dirty="0" smtClean="0"/>
+              <a:t>)</a:t>
+            </a:r>
+            <a:r>
+              <a:rPr lang="en-US" sz="2200" dirty="0" smtClean="0"/>
+              <a:t> </a:t>
+            </a:r>
+            <a:r>
+              <a:rPr lang="el-GR" sz="2200" dirty="0" smtClean="0"/>
+              <a:t>και των </a:t>
+            </a:r>
+            <a:r>
+              <a:rPr lang="en-US" sz="2200" b="1" dirty="0" smtClean="0"/>
+              <a:t>broadcast </a:t>
+            </a:r>
+            <a:r>
+              <a:rPr lang="el-GR" sz="2200" dirty="0" smtClean="0"/>
+              <a:t>μεταβλητών</a:t>
+            </a:r>
+            <a:r>
+              <a:rPr lang="el-GR" sz="2200" b="1" dirty="0" smtClean="0"/>
+              <a:t> </a:t>
+            </a:r>
+            <a:r>
+              <a:rPr lang="el-GR" sz="2200" dirty="0" smtClean="0"/>
+              <a:t>του </a:t>
+            </a:r>
+            <a:r>
+              <a:rPr lang="en-US" sz="2200" dirty="0" smtClean="0"/>
+              <a:t>Spark</a:t>
+            </a:r>
+          </a:p>
+          <a:p>
+            <a:pPr>
+              <a:buNone/>
+            </a:pPr>
+            <a:endParaRPr lang="el-GR" sz="2200" dirty="0" smtClean="0"/>
+          </a:p>
+          <a:p>
+            <a:r>
+              <a:rPr lang="el-GR" dirty="0" smtClean="0"/>
+              <a:t>Εύρεση των </a:t>
+            </a:r>
+            <a:r>
+              <a:rPr lang="el-GR" dirty="0" smtClean="0"/>
+              <a:t>καταστάσεων. </a:t>
+            </a:r>
+            <a:r>
+              <a:rPr lang="el-GR" sz="2400" dirty="0" smtClean="0"/>
+              <a:t>Μετατροπή από</a:t>
             </a:r>
             <a:r>
               <a:rPr lang="en-US" sz="2400" dirty="0" smtClean="0"/>
@@ -5445,317 +5812,111 @@
             </a:r>
             <a:r>
               <a:rPr lang="el-GR" sz="2400" dirty="0" smtClean="0"/>
-              <a:t>Προσφέρει διαχείριση </a:t>
+              <a:t>μέγιστα </a:t>
             </a:r>
             <a:r>
               <a:rPr lang="en-US" sz="2400" dirty="0" smtClean="0"/>
-              <a:t>cluster </a:t>
-            </a:r>
+              <a:t>causal </a:t>
+            </a:r>
+            <a:r>
+              <a:rPr lang="en-US" sz="2400" dirty="0" smtClean="0"/>
+              <a:t>groups</a:t>
+            </a:r>
+            <a:endParaRPr lang="el-GR" sz="2400" dirty="0" smtClean="0"/>
+          </a:p>
+          <a:p>
+            <a:pPr>
+              <a:buNone/>
+            </a:pPr>
+            <a:r>
+              <a:rPr lang="el-GR" sz="2200" dirty="0" smtClean="0"/>
+              <a:t> Κλάση </a:t>
+            </a:r>
+            <a:r>
+              <a:rPr lang="en-US" sz="2200" dirty="0" smtClean="0"/>
+              <a:t>State </a:t>
+            </a:r>
+            <a:r>
+              <a:rPr lang="el-GR" sz="2200" dirty="0" smtClean="0"/>
+              <a:t>η οποία διαθέτει δύο παραμέτρους (είσοδοι/έξοδοι)</a:t>
+            </a:r>
+            <a:endParaRPr lang="en-US" sz="2200" dirty="0" smtClean="0"/>
+          </a:p>
+          <a:p>
+            <a:pPr>
+              <a:buNone/>
+            </a:pPr>
+            <a:endParaRPr lang="en-US" sz="2200" dirty="0" smtClean="0"/>
+          </a:p>
+          <a:p>
             <a:r>
               <a:rPr lang="el-GR" sz="2400" dirty="0" smtClean="0"/>
-              <a:t>και εκτέλεση κώδικα με </a:t>
+              <a:t>Υπολογισμός των τόξων (</a:t>
             </a:r>
             <a:r>
               <a:rPr lang="en-US" sz="2400" dirty="0" smtClean="0"/>
-              <a:t>notebooks</a:t>
-            </a:r>
-          </a:p>
-          <a:p>
+              <a:t>arcs</a:t>
+            </a:r>
+            <a:r>
+              <a:rPr lang="el-GR" sz="2400" dirty="0" smtClean="0"/>
+              <a:t>) με κλάση </a:t>
+            </a:r>
             <a:r>
               <a:rPr lang="en-US" sz="2400" dirty="0" smtClean="0"/>
-              <a:t>2 notebooks (Spark </a:t>
+              <a:t>Edge </a:t>
             </a:r>
             <a:r>
               <a:rPr lang="el-GR" sz="2400" dirty="0" smtClean="0"/>
-              <a:t>και </a:t>
+              <a:t>που διαθέτει </a:t>
+            </a:r>
+            <a:r>
+              <a:rPr lang="en-US" sz="2400" dirty="0" err="1" smtClean="0"/>
+              <a:t>boolean</a:t>
             </a:r>
             <a:r>
               <a:rPr lang="en-US" sz="2400" dirty="0" smtClean="0"/>
-              <a:t>non-Spark version </a:t>
-            </a:r>
-            <a:r>
-              <a:rPr lang="el-GR" sz="2400" dirty="0" smtClean="0"/>
-              <a:t>του </a:t>
-            </a:r>
-            <a:r>
-              <a:rPr lang="en-US" sz="2400" dirty="0" smtClean="0"/>
-              <a:t>Alpha Algorithm)</a:t>
-            </a:r>
-          </a:p>
-          <a:p>
-            <a:endParaRPr lang="en-US" sz="2400" dirty="0" smtClean="0"/>
-          </a:p>
-          <a:p>
-            <a:r>
-              <a:rPr lang="el-GR" sz="2400" dirty="0" smtClean="0"/>
-              <a:t>Μετρήσεις</a:t>
-            </a:r>
-          </a:p>
-          <a:p>
-            <a:pPr lvl="1">
-              <a:buFont typeface="Wingdings" pitchFamily="2" charset="2"/>
-              <a:buChar char="Ø"/>
+              <a:t> flag</a:t>
+            </a:r>
+            <a:endParaRPr lang="el-GR" sz="2200" dirty="0" smtClean="0"/>
+          </a:p>
+          <a:p>
+            <a:pPr>
+              <a:buNone/>
             </a:pPr>
             <a:r>
-              <a:rPr lang="el-GR" sz="2000" dirty="0" smtClean="0"/>
-              <a:t>Εκτέλεση </a:t>
-            </a:r>
-            <a:r>
-              <a:rPr lang="en-US" sz="2000" b="1" dirty="0" smtClean="0"/>
-              <a:t>non</a:t>
-            </a:r>
-            <a:r>
-              <a:rPr lang="el-GR" sz="2000" b="1" dirty="0" smtClean="0"/>
-              <a:t>-</a:t>
-            </a:r>
-            <a:r>
-              <a:rPr lang="en-US" sz="2000" b="1" dirty="0" smtClean="0"/>
-              <a:t>Spark</a:t>
-            </a:r>
-            <a:r>
-              <a:rPr lang="el-GR" sz="2000" dirty="0" smtClean="0"/>
-              <a:t> έκδοσης του </a:t>
-            </a:r>
-            <a:r>
-              <a:rPr lang="en-US" sz="2000" b="1" dirty="0" smtClean="0"/>
-              <a:t>Alpha Algorithm </a:t>
-            </a:r>
-            <a:r>
-              <a:rPr lang="el-GR" sz="2000" dirty="0" smtClean="0"/>
-              <a:t>στο </a:t>
-            </a:r>
-            <a:r>
-              <a:rPr lang="en-US" sz="2000" b="1" dirty="0" err="1" smtClean="0"/>
-              <a:t>Databricks</a:t>
-            </a:r>
-            <a:r>
-              <a:rPr lang="en-US" sz="2000" b="1" dirty="0" smtClean="0"/>
-              <a:t> Community Edition </a:t>
-            </a:r>
-            <a:r>
-              <a:rPr lang="el-GR" sz="2000" dirty="0" smtClean="0"/>
-              <a:t>(1 </a:t>
-            </a:r>
-            <a:r>
-              <a:rPr lang="en-US" sz="2000" dirty="0" smtClean="0"/>
-              <a:t>driver</a:t>
-            </a:r>
-            <a:r>
-              <a:rPr lang="el-GR" sz="2000" dirty="0" smtClean="0"/>
-              <a:t> χωρίς κανένα </a:t>
-            </a:r>
-            <a:r>
-              <a:rPr lang="en-US" sz="2000" dirty="0" smtClean="0"/>
-              <a:t>node</a:t>
-            </a:r>
-            <a:r>
-              <a:rPr lang="el-GR" sz="2000" dirty="0" smtClean="0"/>
-              <a:t>-</a:t>
-            </a:r>
-            <a:r>
-              <a:rPr lang="en-US" sz="2000" dirty="0" smtClean="0"/>
-              <a:t>worker</a:t>
-            </a:r>
-            <a:r>
-              <a:rPr lang="el-GR" sz="2000" dirty="0" smtClean="0"/>
-              <a:t>).</a:t>
-            </a:r>
-          </a:p>
-          <a:p>
-            <a:pPr lvl="1">
-              <a:buFont typeface="Wingdings" pitchFamily="2" charset="2"/>
-              <a:buChar char="Ø"/>
+              <a:rPr lang="en-GB" sz="2400" i="1" dirty="0" smtClean="0"/>
+              <a:t>Direct == </a:t>
+            </a:r>
+            <a:r>
+              <a:rPr lang="en-GB" sz="2400" b="1" i="1" dirty="0" smtClean="0"/>
+              <a:t>true</a:t>
+            </a:r>
+            <a:r>
+              <a:rPr lang="en-GB" sz="2400" i="1" dirty="0" smtClean="0"/>
+              <a:t> -&gt; (event, State)</a:t>
+            </a:r>
+            <a:endParaRPr lang="el-GR" sz="2400" i="1" dirty="0" smtClean="0"/>
+          </a:p>
+          <a:p>
+            <a:pPr>
+              <a:buNone/>
             </a:pPr>
             <a:r>
-              <a:rPr lang="el-GR" sz="2000" dirty="0" smtClean="0"/>
-              <a:t>Εκτέλεση της </a:t>
-            </a:r>
-            <a:r>
-              <a:rPr lang="en-US" sz="2000" b="1" dirty="0" smtClean="0"/>
-              <a:t>Spark</a:t>
-            </a:r>
-            <a:r>
-              <a:rPr lang="el-GR" sz="2000" dirty="0" smtClean="0"/>
-              <a:t> έκδοσης του </a:t>
-            </a:r>
-            <a:r>
-              <a:rPr lang="en-US" sz="2000" b="1" dirty="0" smtClean="0"/>
-              <a:t>Alpha Algorithm </a:t>
-            </a:r>
-            <a:r>
-              <a:rPr lang="el-GR" sz="2000" dirty="0" smtClean="0"/>
-              <a:t>στο </a:t>
-            </a:r>
-            <a:r>
-              <a:rPr lang="en-US" sz="2000" b="1" dirty="0" err="1" smtClean="0"/>
-              <a:t>Databricks</a:t>
-            </a:r>
-            <a:r>
-              <a:rPr lang="en-US" sz="2000" b="1" dirty="0" smtClean="0"/>
-              <a:t> Community Edition </a:t>
-            </a:r>
-            <a:r>
-              <a:rPr lang="el-GR" sz="2000" dirty="0" smtClean="0"/>
-              <a:t>(1 </a:t>
-            </a:r>
-            <a:r>
-              <a:rPr lang="en-US" sz="2000" dirty="0" smtClean="0"/>
-              <a:t>driver</a:t>
-            </a:r>
-            <a:r>
-              <a:rPr lang="el-GR" sz="2000" dirty="0" smtClean="0"/>
-              <a:t> χωρίς κανένα </a:t>
-            </a:r>
-            <a:r>
-              <a:rPr lang="en-US" sz="2000" dirty="0" smtClean="0"/>
-              <a:t>node</a:t>
-            </a:r>
-            <a:r>
-              <a:rPr lang="el-GR" sz="2000" dirty="0" smtClean="0"/>
-              <a:t>-</a:t>
-            </a:r>
-            <a:r>
-              <a:rPr lang="en-US" sz="2000" dirty="0" smtClean="0"/>
-              <a:t>worker</a:t>
-            </a:r>
-            <a:r>
-              <a:rPr lang="el-GR" sz="2000" dirty="0" smtClean="0"/>
-              <a:t>).</a:t>
-            </a:r>
-          </a:p>
-          <a:p>
-            <a:pPr lvl="1">
-              <a:buFont typeface="Wingdings" pitchFamily="2" charset="2"/>
-              <a:buChar char="Ø"/>
-            </a:pPr>
-            <a:r>
-              <a:rPr lang="el-GR" sz="2000" dirty="0" smtClean="0"/>
-              <a:t>Εκτέλεση της </a:t>
-            </a:r>
-            <a:r>
-              <a:rPr lang="en-US" sz="2000" b="1" dirty="0" smtClean="0"/>
-              <a:t>Spark</a:t>
-            </a:r>
-            <a:r>
-              <a:rPr lang="el-GR" sz="2000" dirty="0" smtClean="0"/>
-              <a:t> έκδοσης του </a:t>
-            </a:r>
-            <a:r>
-              <a:rPr lang="en-US" sz="2000" b="1" dirty="0" smtClean="0"/>
-              <a:t>Alpha Algorithm </a:t>
-            </a:r>
-            <a:r>
-              <a:rPr lang="el-GR" sz="2000" dirty="0" smtClean="0"/>
-              <a:t>στο </a:t>
-            </a:r>
-            <a:r>
-              <a:rPr lang="en-US" sz="2000" b="1" dirty="0" err="1" smtClean="0"/>
-              <a:t>Databricks</a:t>
-            </a:r>
-            <a:r>
-              <a:rPr lang="en-US" sz="2000" b="1" dirty="0" smtClean="0"/>
-              <a:t> </a:t>
-            </a:r>
-            <a:r>
-              <a:rPr lang="el-GR" sz="2000" dirty="0" smtClean="0"/>
-              <a:t>με 1 </a:t>
-            </a:r>
-            <a:r>
-              <a:rPr lang="en-US" sz="2000" dirty="0" smtClean="0"/>
-              <a:t>driver </a:t>
-            </a:r>
-            <a:r>
-              <a:rPr lang="el-GR" sz="2000" dirty="0" smtClean="0"/>
-              <a:t>και 2 </a:t>
-            </a:r>
-            <a:r>
-              <a:rPr lang="en-US" sz="2000" dirty="0" smtClean="0"/>
-              <a:t>worker</a:t>
-            </a:r>
-            <a:r>
-              <a:rPr lang="el-GR" sz="2000" dirty="0" smtClean="0"/>
-              <a:t>-</a:t>
-            </a:r>
-            <a:r>
-              <a:rPr lang="en-US" sz="2000" dirty="0" smtClean="0"/>
-              <a:t>nodes</a:t>
-            </a:r>
-            <a:r>
-              <a:rPr lang="el-GR" sz="2000" dirty="0" smtClean="0"/>
-              <a:t>.</a:t>
-            </a:r>
-          </a:p>
-          <a:p>
-            <a:pPr lvl="1">
-              <a:buFont typeface="Wingdings" pitchFamily="2" charset="2"/>
-              <a:buChar char="Ø"/>
-            </a:pPr>
-            <a:r>
-              <a:rPr lang="el-GR" sz="2000" dirty="0" smtClean="0"/>
-              <a:t>Εκτέλεση της </a:t>
-            </a:r>
-            <a:r>
-              <a:rPr lang="en-US" sz="2000" b="1" dirty="0" smtClean="0"/>
-              <a:t>Spark</a:t>
-            </a:r>
-            <a:r>
-              <a:rPr lang="el-GR" sz="2000" dirty="0" smtClean="0"/>
-              <a:t> έκδοσης του </a:t>
-            </a:r>
-            <a:r>
-              <a:rPr lang="en-US" sz="2000" b="1" dirty="0" smtClean="0"/>
-              <a:t>Alpha Algorithm </a:t>
-            </a:r>
-            <a:r>
-              <a:rPr lang="el-GR" sz="2000" dirty="0" smtClean="0"/>
-              <a:t>στο </a:t>
-            </a:r>
-            <a:r>
-              <a:rPr lang="en-US" sz="2000" b="1" dirty="0" err="1" smtClean="0"/>
-              <a:t>Databricks</a:t>
-            </a:r>
-            <a:r>
-              <a:rPr lang="en-US" sz="2000" b="1" dirty="0" smtClean="0"/>
-              <a:t> </a:t>
-            </a:r>
-            <a:r>
-              <a:rPr lang="el-GR" sz="2000" dirty="0" smtClean="0"/>
-              <a:t>με 1 </a:t>
-            </a:r>
-            <a:r>
-              <a:rPr lang="en-US" sz="2000" dirty="0" smtClean="0"/>
-              <a:t>driver </a:t>
-            </a:r>
-            <a:r>
-              <a:rPr lang="el-GR" sz="2000" dirty="0" smtClean="0"/>
-              <a:t>και 4 </a:t>
-            </a:r>
-            <a:r>
-              <a:rPr lang="en-US" sz="2000" dirty="0" smtClean="0"/>
-              <a:t>worker</a:t>
-            </a:r>
-            <a:r>
-              <a:rPr lang="el-GR" sz="2000" dirty="0" smtClean="0"/>
-              <a:t>-</a:t>
-            </a:r>
-            <a:r>
-              <a:rPr lang="en-US" sz="2000" dirty="0" smtClean="0"/>
-              <a:t>nodes</a:t>
-            </a:r>
-            <a:r>
-              <a:rPr lang="el-GR" sz="2000" dirty="0" smtClean="0"/>
-              <a:t>.</a:t>
-            </a:r>
-          </a:p>
-          <a:p>
-            <a:pPr>
-              <a:buFont typeface="Wingdings" pitchFamily="2" charset="2"/>
-              <a:buChar char="Ø"/>
-            </a:pPr>
-            <a:endParaRPr lang="en-US" sz="2400" dirty="0" smtClean="0"/>
-          </a:p>
-          <a:p>
-            <a:endParaRPr lang="el-GR" sz="2400" dirty="0"/>
+              <a:rPr lang="en-GB" sz="2400" i="1" dirty="0" smtClean="0"/>
+              <a:t>Inverse == </a:t>
+            </a:r>
+            <a:r>
+              <a:rPr lang="en-GB" sz="2400" b="1" i="1" dirty="0" smtClean="0"/>
+              <a:t>false</a:t>
+            </a:r>
+            <a:r>
+              <a:rPr lang="en-GB" sz="2400" i="1" dirty="0" smtClean="0"/>
+              <a:t> -&gt; (State, event)</a:t>
+            </a:r>
+            <a:endParaRPr lang="el-GR" sz="2400" dirty="0" smtClean="0"/>
+          </a:p>
+          <a:p>
+            <a:endParaRPr lang="el-GR" sz="2200" b="1" dirty="0"/>
           </a:p>
         </p:txBody>
       </p:sp>
@@ -5815,22 +5976,99 @@
           <a:p>
             <a:pPr algn="ctr"/>
             <a:r>
-              <a:rPr lang="en-US" dirty="0" smtClean="0"/>
-              <a:t>Dataset</a:t>
-            </a:r>
+              <a:rPr lang="el-GR" b="1" dirty="0" smtClean="0"/>
+              <a:t>Επιβεβαίωση Ορθής Λειτουργίας</a:t>
+            </a:r>
+            <a:endParaRPr lang="el-GR" dirty="0"/>
+          </a:p>
+        </p:txBody>
+      </p:sp>
+      <p:sp>
+        <p:nvSpPr>
+          <p:cNvPr id="3" name="Content Placeholder 2"/>
+          <p:cNvSpPr>
+            <a:spLocks noGrp="1"/>
+          </p:cNvSpPr>
+          <p:nvPr>
+            <p:ph sz="quarter" idx="1"/>
+          </p:nvPr>
+        </p:nvSpPr>
+        <p:spPr>
+          <a:xfrm>
+            <a:off x="381000" y="838200"/>
+            <a:ext cx="8458200" cy="5638800"/>
+          </a:xfrm>
+        </p:spPr>
+        <p:txBody>
+          <a:bodyPr/>
+          <a:lstStyle/>
+          <a:p>
+            <a:r>
+              <a:rPr lang="el-GR" sz="2400" dirty="0" smtClean="0"/>
+              <a:t>συνολικά 34 </a:t>
+            </a:r>
+            <a:r>
+              <a:rPr lang="en-US" sz="2400" dirty="0" smtClean="0"/>
+              <a:t>unit tests (end to end </a:t>
+            </a:r>
+            <a:r>
+              <a:rPr lang="el-GR" sz="2400" dirty="0" smtClean="0"/>
+              <a:t>και για κάθε κλάση</a:t>
+            </a:r>
+            <a:r>
+              <a:rPr lang="en-US" sz="2400" dirty="0" smtClean="0"/>
+              <a:t>)</a:t>
+            </a:r>
+            <a:r>
+              <a:rPr lang="el-GR" sz="2400" dirty="0" smtClean="0"/>
+              <a:t> Για </a:t>
+            </a:r>
+            <a:r>
+              <a:rPr lang="en-US" sz="2400" dirty="0" smtClean="0"/>
+              <a:t>end-2-end </a:t>
+            </a:r>
+            <a:r>
+              <a:rPr lang="el-GR" sz="2400" dirty="0" smtClean="0"/>
+              <a:t>χρήση 5 παραδειγμάτων που υπάρχει γνώση του </a:t>
+            </a:r>
+            <a:r>
+              <a:rPr lang="el-GR" sz="2400" dirty="0" smtClean="0"/>
+              <a:t>παραγόμενου δικτύου</a:t>
+            </a:r>
+          </a:p>
+          <a:p>
+            <a:pPr>
+              <a:buNone/>
+            </a:pPr>
+            <a:r>
+              <a:rPr lang="el-GR" sz="2400" dirty="0" smtClean="0"/>
+              <a:t>     </a:t>
+            </a:r>
+            <a:r>
+              <a:rPr lang="en-US" sz="2400" dirty="0" smtClean="0"/>
+              <a:t>Petri</a:t>
+            </a:r>
+            <a:endParaRPr lang="en-US" sz="2400" dirty="0" smtClean="0"/>
+          </a:p>
+          <a:p>
+            <a:endParaRPr lang="en-US" sz="2400" dirty="0" smtClean="0"/>
+          </a:p>
+          <a:p>
+            <a:endParaRPr lang="el-GR" sz="2400" dirty="0" smtClean="0"/>
+          </a:p>
+          <a:p>
+            <a:endParaRPr lang="en-US" sz="2400" dirty="0" smtClean="0"/>
+          </a:p>
+          <a:p>
             <a:endParaRPr lang="el-GR" dirty="0"/>
           </a:p>
         </p:txBody>
       </p:sp>
       <p:pic>
         <p:nvPicPr>
-          <p:cNvPr id="3076" name="Picture 4"/>
-          <p:cNvPicPr>
-            <a:picLocks noGrp="1" noChangeAspect="1" noChangeArrowheads="1"/>
-          </p:cNvPicPr>
-          <p:nvPr>
-            <p:ph sz="quarter" idx="1"/>
-          </p:nvPr>
+          <p:cNvPr id="4" name="Picture 3" descr="C:\Users\Vlasis\Dropbox\osyl\report\images\img37.png"/>
+          <p:cNvPicPr/>
+          <p:nvPr/>
         </p:nvPicPr>
         <p:blipFill>
           <a:blip r:embed="rId2"/>
@@ -5841,8 +6079,8 @@
         </p:blipFill>
         <p:spPr bwMode="auto">
           <a:xfrm>
-            <a:off x="228600" y="1371600"/>
-            <a:ext cx="2057399" cy="4800600"/>
+            <a:off x="4114800" y="1600200"/>
+            <a:ext cx="4727878" cy="1066800"/>
           </a:xfrm>
           <a:prstGeom prst="rect">
             <a:avLst/>
@@ -5854,12 +6092,11 @@
             <a:headEnd/>
             <a:tailEnd/>
           </a:ln>
-          <a:effectLst/>
         </p:spPr>
       </p:pic>
       <p:pic>
         <p:nvPicPr>
-          <p:cNvPr id="3078" name="Picture 6"/>
+          <p:cNvPr id="1026" name="Picture 2"/>
           <p:cNvPicPr>
             <a:picLocks noChangeAspect="1" noChangeArrowheads="1"/>
           </p:cNvPicPr>
@@ -5874,8 +6111,8 @@
         </p:blipFill>
         <p:spPr bwMode="auto">
           <a:xfrm>
-            <a:off x="2590800" y="1295400"/>
-            <a:ext cx="6324600" cy="4267200"/>
+            <a:off x="381000" y="2667000"/>
+            <a:ext cx="7734300" cy="4038600"/>
           </a:xfrm>
           <a:prstGeom prst="rect">
             <a:avLst/>
@@ -5890,66 +6127,6 @@
           <a:effectLst/>
         </p:spPr>
       </p:pic>
-      <p:sp>
-        <p:nvSpPr>
-          <p:cNvPr id="5" name="Rectangle 4"/>
-          <p:cNvSpPr/>
-          <p:nvPr/>
-        </p:nvSpPr>
-        <p:spPr>
-          <a:xfrm>
-            <a:off x="762000" y="838201"/>
-            <a:ext cx="6096000" cy="369332"/>
-          </a:xfrm>
-          <a:prstGeom prst="rect">
-            <a:avLst/>
-          </a:prstGeom>
-        </p:spPr>
-        <p:txBody>
-          <a:bodyPr wrap="square">
-            <a:spAutoFit/>
-          </a:bodyPr>
-          <a:lstStyle/>
-          <a:p>
-            <a:r>
-              <a:rPr lang="en-US" b="1" dirty="0" smtClean="0"/>
-              <a:t>Input dataset: </a:t>
-            </a:r>
-            <a:r>
-              <a:rPr lang="en-US" dirty="0" smtClean="0"/>
-              <a:t>event log </a:t>
-            </a:r>
-            <a:r>
-              <a:rPr lang="el-GR" dirty="0" smtClean="0"/>
-              <a:t>των 400</a:t>
-            </a:r>
-            <a:r>
-              <a:rPr lang="en-US" dirty="0" err="1" smtClean="0"/>
-              <a:t>mb</a:t>
-            </a:r>
-            <a:r>
-              <a:rPr lang="en-US" dirty="0" smtClean="0"/>
-              <a:t> </a:t>
-            </a:r>
-            <a:r>
-              <a:rPr lang="el-GR" dirty="0" smtClean="0"/>
-              <a:t>με </a:t>
-            </a:r>
-            <a:r>
-              <a:rPr lang="en-US" dirty="0" smtClean="0"/>
-              <a:t>36</a:t>
-            </a:r>
-            <a:r>
-              <a:rPr lang="el-GR" dirty="0" smtClean="0"/>
-              <a:t>1</a:t>
-            </a:r>
-            <a:r>
-              <a:rPr lang="en-US" dirty="0" smtClean="0"/>
-              <a:t>00 traces</a:t>
-            </a:r>
-          </a:p>
-        </p:txBody>
-      </p:sp>
     </p:spTree>
   </p:cSld>
   <p:clrMapOvr>
@@ -6011,86 +6188,347 @@
             </a:r>
             <a:r>
               <a:rPr lang="en-US" dirty="0" smtClean="0"/>
-              <a:t> (</a:t>
-            </a:r>
-            <a:r>
-              <a:rPr lang="el-GR" dirty="0" smtClean="0"/>
-              <a:t>1</a:t>
-            </a:r>
-            <a:r>
-              <a:rPr lang="en-US" dirty="0" smtClean="0"/>
+              <a:t> (1)</a:t>
+            </a:r>
+            <a:endParaRPr lang="el-GR" dirty="0"/>
+          </a:p>
+        </p:txBody>
+      </p:sp>
+      <p:sp>
+        <p:nvSpPr>
+          <p:cNvPr id="3" name="Content Placeholder 2"/>
+          <p:cNvSpPr>
+            <a:spLocks noGrp="1"/>
+          </p:cNvSpPr>
+          <p:nvPr>
+            <p:ph sz="quarter" idx="1"/>
+          </p:nvPr>
+        </p:nvSpPr>
+        <p:spPr>
+          <a:xfrm>
+            <a:off x="381000" y="838200"/>
+            <a:ext cx="8534400" cy="5638800"/>
+          </a:xfrm>
+        </p:spPr>
+        <p:txBody>
+          <a:bodyPr>
+            <a:normAutofit/>
+          </a:bodyPr>
+          <a:lstStyle/>
+          <a:p>
+            <a:r>
+              <a:rPr lang="en-US" sz="2400" b="1" dirty="0" err="1" smtClean="0"/>
+              <a:t>Databricks</a:t>
+            </a:r>
+            <a:r>
+              <a:rPr lang="en-US" sz="2400" b="1" dirty="0" smtClean="0"/>
+              <a:t>.</a:t>
+            </a:r>
+            <a:r>
+              <a:rPr lang="en-US" sz="2400" dirty="0" smtClean="0"/>
+              <a:t> </a:t>
+            </a:r>
+            <a:r>
+              <a:rPr lang="el-GR" sz="2400" dirty="0" smtClean="0"/>
+              <a:t>Προσφέρει </a:t>
+            </a:r>
+            <a:r>
+              <a:rPr lang="el-GR" sz="2400" dirty="0" smtClean="0"/>
+              <a:t>διαχείριση συστάδας υπολογιστών (</a:t>
+            </a:r>
+            <a:r>
+              <a:rPr lang="en-US" sz="2400" dirty="0" smtClean="0"/>
+              <a:t>cluster</a:t>
+            </a:r>
+            <a:r>
+              <a:rPr lang="el-GR" sz="2400" dirty="0" smtClean="0"/>
               <a:t>)</a:t>
             </a:r>
-            <a:endParaRPr lang="el-GR" dirty="0"/>
-          </a:p>
-        </p:txBody>
-      </p:sp>
-      <p:pic>
-        <p:nvPicPr>
-          <p:cNvPr id="3" name="Picture 2"/>
-          <p:cNvPicPr>
-            <a:picLocks noChangeAspect="1" noChangeArrowheads="1"/>
-          </p:cNvPicPr>
-          <p:nvPr/>
-        </p:nvPicPr>
-        <p:blipFill>
-          <a:blip r:embed="rId2"/>
-          <a:srcRect/>
-          <a:stretch>
-            <a:fillRect/>
-          </a:stretch>
-        </p:blipFill>
-        <p:spPr bwMode="auto">
-          <a:xfrm>
-            <a:off x="1295400" y="990600"/>
-            <a:ext cx="6896100" cy="2352675"/>
-          </a:xfrm>
-          <a:prstGeom prst="rect">
-            <a:avLst/>
-          </a:prstGeom>
-          <a:noFill/>
-          <a:ln w="9525">
-            <a:noFill/>
-            <a:miter lim="800000"/>
-            <a:headEnd/>
-            <a:tailEnd/>
-          </a:ln>
-          <a:effectLst/>
-        </p:spPr>
-      </p:pic>
-      <p:pic>
-        <p:nvPicPr>
-          <p:cNvPr id="1027" name="Picture 3"/>
-          <p:cNvPicPr>
-            <a:picLocks noChangeAspect="1" noChangeArrowheads="1"/>
-          </p:cNvPicPr>
-          <p:nvPr/>
-        </p:nvPicPr>
-        <p:blipFill>
-          <a:blip r:embed="rId3"/>
-          <a:srcRect/>
-          <a:stretch>
-            <a:fillRect/>
-          </a:stretch>
-        </p:blipFill>
-        <p:spPr bwMode="auto">
-          <a:xfrm>
-            <a:off x="1219200" y="3962400"/>
-            <a:ext cx="6896100" cy="2371725"/>
-          </a:xfrm>
-          <a:prstGeom prst="rect">
-            <a:avLst/>
-          </a:prstGeom>
-          <a:noFill/>
-          <a:ln w="9525">
-            <a:noFill/>
-            <a:miter lim="800000"/>
-            <a:headEnd/>
-            <a:tailEnd/>
-          </a:ln>
-          <a:effectLst/>
-        </p:spPr>
-      </p:pic>
+            <a:r>
+              <a:rPr lang="en-US" sz="2400" dirty="0" smtClean="0"/>
+              <a:t> </a:t>
+            </a:r>
+            <a:r>
+              <a:rPr lang="el-GR" sz="2400" dirty="0" smtClean="0"/>
+              <a:t>και εκτέλεση κώδικα με </a:t>
+            </a:r>
+            <a:r>
+              <a:rPr lang="en-US" sz="2400" dirty="0" smtClean="0"/>
+              <a:t>notebooks</a:t>
+            </a:r>
+          </a:p>
+          <a:p>
+            <a:r>
+              <a:rPr lang="en-US" sz="2400" dirty="0" smtClean="0"/>
+              <a:t>2 notebooks (Spark </a:t>
+            </a:r>
+            <a:r>
+              <a:rPr lang="el-GR" sz="2400" dirty="0" smtClean="0"/>
+              <a:t>και </a:t>
+            </a:r>
+            <a:r>
+              <a:rPr lang="en-US" sz="2400" dirty="0" smtClean="0"/>
+              <a:t>non-Spark version </a:t>
+            </a:r>
+            <a:r>
+              <a:rPr lang="el-GR" sz="2400" dirty="0" smtClean="0"/>
+              <a:t>του αλγόριθμου </a:t>
+            </a:r>
+            <a:r>
+              <a:rPr lang="en-US" sz="2400" dirty="0" smtClean="0"/>
+              <a:t>Alpha)</a:t>
+            </a:r>
+            <a:endParaRPr lang="en-US" sz="2400" dirty="0" smtClean="0"/>
+          </a:p>
+          <a:p>
+            <a:endParaRPr lang="en-US" sz="2400" dirty="0" smtClean="0"/>
+          </a:p>
+          <a:p>
+            <a:r>
+              <a:rPr lang="el-GR" sz="2400" dirty="0" smtClean="0"/>
+              <a:t>Μετρήσεις</a:t>
+            </a:r>
+          </a:p>
+          <a:p>
+            <a:pPr lvl="1">
+              <a:buFont typeface="Wingdings" pitchFamily="2" charset="2"/>
+              <a:buChar char="Ø"/>
+            </a:pPr>
+            <a:r>
+              <a:rPr lang="el-GR" sz="2000" dirty="0" smtClean="0"/>
+              <a:t>Εκτέλεση </a:t>
+            </a:r>
+            <a:r>
+              <a:rPr lang="en-US" sz="2000" b="1" dirty="0" smtClean="0"/>
+              <a:t>non</a:t>
+            </a:r>
+            <a:r>
+              <a:rPr lang="el-GR" sz="2000" b="1" dirty="0" smtClean="0"/>
+              <a:t>-</a:t>
+            </a:r>
+            <a:r>
+              <a:rPr lang="en-US" sz="2000" b="1" dirty="0" smtClean="0"/>
+              <a:t>Spark</a:t>
+            </a:r>
+            <a:r>
+              <a:rPr lang="el-GR" sz="2000" dirty="0" smtClean="0"/>
+              <a:t> έκδοσης </a:t>
+            </a:r>
+            <a:r>
+              <a:rPr lang="el-GR" sz="2000" dirty="0" smtClean="0"/>
+              <a:t>του αλγόριθμου </a:t>
+            </a:r>
+            <a:r>
+              <a:rPr lang="en-US" sz="2000" b="1" dirty="0" smtClean="0"/>
+              <a:t>Alpha </a:t>
+            </a:r>
+            <a:r>
+              <a:rPr lang="el-GR" sz="2000" dirty="0" smtClean="0"/>
+              <a:t>στο </a:t>
+            </a:r>
+            <a:r>
+              <a:rPr lang="en-US" sz="2000" b="1" dirty="0" err="1" smtClean="0"/>
+              <a:t>Databricks</a:t>
+            </a:r>
+            <a:r>
+              <a:rPr lang="en-US" sz="2000" b="1" dirty="0" smtClean="0"/>
+              <a:t> Community Edition </a:t>
+            </a:r>
+            <a:r>
+              <a:rPr lang="el-GR" sz="2000" dirty="0" smtClean="0"/>
+              <a:t>(1 </a:t>
+            </a:r>
+            <a:r>
+              <a:rPr lang="el-GR" sz="2000" dirty="0" smtClean="0"/>
+              <a:t>κεντρικό κόμβο </a:t>
+            </a:r>
+            <a:r>
+              <a:rPr lang="el-GR" sz="2000" dirty="0" smtClean="0"/>
+              <a:t>χωρίς κανένα </a:t>
+            </a:r>
+            <a:r>
+              <a:rPr lang="el-GR" sz="2000" dirty="0" smtClean="0"/>
+              <a:t>βοηθητικό κόμβο).</a:t>
+            </a:r>
+            <a:endParaRPr lang="el-GR" sz="2000" dirty="0" smtClean="0"/>
+          </a:p>
+          <a:p>
+            <a:pPr lvl="1">
+              <a:buFont typeface="Wingdings" pitchFamily="2" charset="2"/>
+              <a:buChar char="Ø"/>
+            </a:pPr>
+            <a:r>
+              <a:rPr lang="el-GR" sz="2000" dirty="0" smtClean="0"/>
+              <a:t>Εκτέλεση της </a:t>
+            </a:r>
+            <a:r>
+              <a:rPr lang="en-US" sz="2000" b="1" dirty="0" smtClean="0"/>
+              <a:t>Spark</a:t>
+            </a:r>
+            <a:r>
+              <a:rPr lang="el-GR" sz="2000" dirty="0" smtClean="0"/>
+              <a:t> έκδοσης του </a:t>
+            </a:r>
+            <a:r>
+              <a:rPr lang="el-GR" sz="2000" dirty="0" smtClean="0"/>
+              <a:t>αλγόριθμου </a:t>
+            </a:r>
+            <a:r>
+              <a:rPr lang="en-US" sz="2000" b="1" dirty="0" smtClean="0"/>
+              <a:t>Alpha </a:t>
+            </a:r>
+            <a:r>
+              <a:rPr lang="el-GR" sz="2000" dirty="0" smtClean="0"/>
+              <a:t>στο </a:t>
+            </a:r>
+            <a:r>
+              <a:rPr lang="en-US" sz="2000" b="1" dirty="0" err="1" smtClean="0"/>
+              <a:t>Databricks</a:t>
+            </a:r>
+            <a:r>
+              <a:rPr lang="en-US" sz="2000" b="1" dirty="0" smtClean="0"/>
+              <a:t> Community Edition </a:t>
+            </a:r>
+            <a:r>
+              <a:rPr lang="el-GR" sz="2000" dirty="0" smtClean="0"/>
+              <a:t>(1 κεντρικό κόμβο χωρίς κανένα βοηθητικό κόμβο).</a:t>
+            </a:r>
+            <a:endParaRPr lang="el-GR" sz="2000" dirty="0" smtClean="0"/>
+          </a:p>
+          <a:p>
+            <a:pPr lvl="1">
+              <a:buFont typeface="Wingdings" pitchFamily="2" charset="2"/>
+              <a:buChar char="Ø"/>
+            </a:pPr>
+            <a:r>
+              <a:rPr lang="el-GR" sz="2000" dirty="0" smtClean="0"/>
+              <a:t>Εκτέλεση της </a:t>
+            </a:r>
+            <a:r>
+              <a:rPr lang="en-US" sz="2000" b="1" dirty="0" smtClean="0"/>
+              <a:t>Spark</a:t>
+            </a:r>
+            <a:r>
+              <a:rPr lang="el-GR" sz="2000" dirty="0" smtClean="0"/>
+              <a:t> έκδοσης του </a:t>
+            </a:r>
+            <a:r>
+              <a:rPr lang="el-GR" sz="2000" dirty="0" smtClean="0"/>
+              <a:t>αλγόριθμου </a:t>
+            </a:r>
+            <a:r>
+              <a:rPr lang="en-US" sz="2000" b="1" dirty="0" smtClean="0"/>
+              <a:t>Alpha </a:t>
+            </a:r>
+            <a:r>
+              <a:rPr lang="el-GR" sz="2000" dirty="0" smtClean="0"/>
+              <a:t>στο </a:t>
+            </a:r>
+            <a:r>
+              <a:rPr lang="en-US" sz="2000" b="1" dirty="0" err="1" smtClean="0"/>
+              <a:t>Databricks</a:t>
+            </a:r>
+            <a:r>
+              <a:rPr lang="en-US" sz="2000" b="1" dirty="0" smtClean="0"/>
+              <a:t> </a:t>
+            </a:r>
+            <a:r>
+              <a:rPr lang="el-GR" sz="2000" dirty="0" smtClean="0"/>
+              <a:t>με </a:t>
+            </a:r>
+            <a:r>
+              <a:rPr lang="el-GR" sz="2000" dirty="0" smtClean="0"/>
+              <a:t>1 κεντρικό κόμβο</a:t>
+            </a:r>
+            <a:r>
+              <a:rPr lang="en-US" sz="2000" dirty="0" smtClean="0"/>
+              <a:t> </a:t>
+            </a:r>
+            <a:r>
+              <a:rPr lang="el-GR" sz="2000" dirty="0" smtClean="0"/>
+              <a:t>και </a:t>
+            </a:r>
+            <a:r>
+              <a:rPr lang="el-GR" sz="2000" dirty="0" smtClean="0"/>
+              <a:t>2 βοηθητικούς κόμβους.</a:t>
+            </a:r>
+            <a:endParaRPr lang="el-GR" sz="2000" dirty="0" smtClean="0"/>
+          </a:p>
+          <a:p>
+            <a:pPr lvl="1">
+              <a:buFont typeface="Wingdings" pitchFamily="2" charset="2"/>
+              <a:buChar char="Ø"/>
+            </a:pPr>
+            <a:r>
+              <a:rPr lang="el-GR" sz="2000" dirty="0" smtClean="0"/>
+              <a:t>Εκτέλεση της </a:t>
+            </a:r>
+            <a:r>
+              <a:rPr lang="en-US" sz="2000" b="1" dirty="0" smtClean="0"/>
+              <a:t>Spark</a:t>
+            </a:r>
+            <a:r>
+              <a:rPr lang="el-GR" sz="2000" dirty="0" smtClean="0"/>
+              <a:t> έκδοσης του </a:t>
+            </a:r>
+            <a:r>
+              <a:rPr lang="el-GR" sz="2000" dirty="0" smtClean="0"/>
+              <a:t>αλγόριθμου </a:t>
+            </a:r>
+            <a:r>
+              <a:rPr lang="en-US" sz="2000" b="1" dirty="0" smtClean="0"/>
+              <a:t>Alpha </a:t>
+            </a:r>
+            <a:r>
+              <a:rPr lang="el-GR" sz="2000" dirty="0" smtClean="0"/>
+              <a:t>στο </a:t>
+            </a:r>
+            <a:r>
+              <a:rPr lang="en-US" sz="2000" b="1" dirty="0" err="1" smtClean="0"/>
+              <a:t>Databricks</a:t>
+            </a:r>
+            <a:r>
+              <a:rPr lang="en-US" sz="2000" b="1" dirty="0" smtClean="0"/>
+              <a:t> </a:t>
+            </a:r>
+            <a:r>
+              <a:rPr lang="el-GR" sz="2000" dirty="0" smtClean="0"/>
+              <a:t>με </a:t>
+            </a:r>
+            <a:r>
+              <a:rPr lang="el-GR" sz="2000" dirty="0" smtClean="0"/>
+              <a:t>1 κεντρικό κόμβο</a:t>
+            </a:r>
+            <a:r>
+              <a:rPr lang="en-US" sz="2000" dirty="0" smtClean="0"/>
+              <a:t> </a:t>
+            </a:r>
+            <a:r>
+              <a:rPr lang="el-GR" sz="2000" dirty="0" smtClean="0"/>
+              <a:t>και 4 </a:t>
+            </a:r>
+            <a:r>
+              <a:rPr lang="el-GR" sz="2000" dirty="0" smtClean="0"/>
+              <a:t>βοηθητικούς </a:t>
+            </a:r>
+            <a:r>
+              <a:rPr lang="el-GR" sz="2000" dirty="0" smtClean="0"/>
+              <a:t>κόμβους.</a:t>
+            </a:r>
+            <a:endParaRPr lang="el-GR" sz="2000" dirty="0" smtClean="0"/>
+          </a:p>
+          <a:p>
+            <a:pPr>
+              <a:buFont typeface="Wingdings" pitchFamily="2" charset="2"/>
+              <a:buChar char="Ø"/>
+            </a:pPr>
+            <a:endParaRPr lang="en-US" sz="2400" dirty="0" smtClean="0"/>
+          </a:p>
+          <a:p>
+            <a:endParaRPr lang="el-GR" sz="2400" dirty="0"/>
+          </a:p>
+        </p:txBody>
+      </p:sp>
     </p:spTree>
   </p:cSld>
   <p:clrMapOvr>
@@ -6136,7 +6574,7 @@
         <p:spPr>
           <a:xfrm>
             <a:off x="914400" y="274638"/>
-            <a:ext cx="7772400" cy="639762"/>
+            <a:ext cx="7772400" cy="563562"/>
           </a:xfrm>
         </p:spPr>
         <p:txBody>
@@ -6148,11 +6586,7 @@
             <a:pPr algn="ctr"/>
             <a:r>
               <a:rPr lang="el-GR" dirty="0" smtClean="0"/>
-              <a:t>Εκτέλεση Αλγορίθμου – Μετρήσεις</a:t>
-            </a:r>
-            <a:r>
-              <a:rPr lang="en-US" dirty="0" smtClean="0"/>
-              <a:t> (2)</a:t>
+              <a:t>Σύνολο δεδομένων</a:t>
             </a:r>
             <a:endParaRPr lang="el-GR" dirty="0"/>
           </a:p>
@@ -6160,11 +6594,13 @@
       </p:sp>
       <p:pic>
         <p:nvPicPr>
-          <p:cNvPr id="2050" name="Picture 2"/>
+          <p:cNvPr id="3076" name="Picture 4"/>
           <p:cNvPicPr>
-            <a:picLocks noChangeAspect="1" noChangeArrowheads="1"/>
+            <a:picLocks noGrp="1" noChangeAspect="1" noChangeArrowheads="1"/>
           </p:cNvPicPr>
-          <p:nvPr/>
+          <p:nvPr>
+            <p:ph sz="quarter" idx="1"/>
+          </p:nvPr>
         </p:nvPicPr>
         <p:blipFill>
           <a:blip r:embed="rId2"/>
@@ -6175,8 +6611,8 @@
         </p:blipFill>
         <p:spPr bwMode="auto">
           <a:xfrm>
-            <a:off x="1295400" y="1143000"/>
-            <a:ext cx="6877050" cy="2390775"/>
+            <a:off x="228600" y="1371600"/>
+            <a:ext cx="2057399" cy="4800600"/>
           </a:xfrm>
           <a:prstGeom prst="rect">
             <a:avLst/>
@@ -6193,7 +6629,7 @@
       </p:pic>
       <p:pic>
         <p:nvPicPr>
-          <p:cNvPr id="3" name="Picture 3"/>
+          <p:cNvPr id="3078" name="Picture 6"/>
           <p:cNvPicPr>
             <a:picLocks noChangeAspect="1" noChangeArrowheads="1"/>
           </p:cNvPicPr>
@@ -6208,8 +6644,8 @@
         </p:blipFill>
         <p:spPr bwMode="auto">
           <a:xfrm>
-            <a:off x="1295400" y="3733800"/>
-            <a:ext cx="6896100" cy="2362200"/>
+            <a:off x="2590800" y="1295400"/>
+            <a:ext cx="6324600" cy="4267200"/>
           </a:xfrm>
           <a:prstGeom prst="rect">
             <a:avLst/>
@@ -6224,11 +6660,98 @@
           <a:effectLst/>
         </p:spPr>
       </p:pic>
+      <p:sp>
+        <p:nvSpPr>
+          <p:cNvPr id="5" name="Rectangle 4"/>
+          <p:cNvSpPr/>
+          <p:nvPr/>
+        </p:nvSpPr>
+        <p:spPr>
+          <a:xfrm>
+            <a:off x="381000" y="762001"/>
+            <a:ext cx="7543800" cy="646331"/>
+          </a:xfrm>
+          <a:prstGeom prst="rect">
+            <a:avLst/>
+          </a:prstGeom>
+        </p:spPr>
+        <p:txBody>
+          <a:bodyPr wrap="square">
+            <a:spAutoFit/>
+          </a:bodyPr>
+          <a:lstStyle/>
+          <a:p>
+            <a:r>
+              <a:rPr lang="el-GR" dirty="0" smtClean="0"/>
+              <a:t>Δεδομένα εισόδου</a:t>
+            </a:r>
+            <a:r>
+              <a:rPr lang="en-US" b="1" dirty="0" smtClean="0"/>
+              <a:t>: </a:t>
+            </a:r>
+            <a:r>
+              <a:rPr lang="el-GR" dirty="0" smtClean="0"/>
+              <a:t>σύνολο δεδομένων σε </a:t>
+            </a:r>
+            <a:r>
+              <a:rPr lang="en-US" dirty="0" err="1" smtClean="0"/>
+              <a:t>csv</a:t>
+            </a:r>
+            <a:r>
+              <a:rPr lang="el-GR" dirty="0" smtClean="0"/>
+              <a:t> αρείο</a:t>
+            </a:r>
+            <a:r>
+              <a:rPr lang="en-US" dirty="0" smtClean="0"/>
+              <a:t> </a:t>
+            </a:r>
+            <a:r>
+              <a:rPr lang="el-GR" dirty="0" smtClean="0"/>
+              <a:t>με μέγεθος </a:t>
+            </a:r>
+            <a:r>
+              <a:rPr lang="el-GR" dirty="0" smtClean="0"/>
+              <a:t>400</a:t>
+            </a:r>
+            <a:r>
+              <a:rPr lang="en-US" dirty="0" err="1" smtClean="0"/>
+              <a:t>mb</a:t>
+            </a:r>
+            <a:r>
+              <a:rPr lang="en-US" dirty="0" smtClean="0"/>
+              <a:t> </a:t>
+            </a:r>
+            <a:r>
+              <a:rPr lang="el-GR" dirty="0" smtClean="0"/>
+              <a:t>με </a:t>
+            </a:r>
+            <a:r>
+              <a:rPr lang="en-US" dirty="0" smtClean="0"/>
+              <a:t>36</a:t>
+            </a:r>
+            <a:r>
+              <a:rPr lang="el-GR" dirty="0" smtClean="0"/>
+              <a:t>1</a:t>
+            </a:r>
+            <a:r>
+              <a:rPr lang="en-US" dirty="0" smtClean="0"/>
+              <a:t>00 traces</a:t>
+            </a:r>
+          </a:p>
+        </p:txBody>
+      </p:sp>
     </p:spTree>
   </p:cSld>
   <p:clrMapOvr>
     <a:masterClrMapping/>
   </p:clrMapOvr>
+  <p:timing>
+    <p:tnLst>
+      <p:par>
+        <p:cTn id="1" dur="indefinite" restart="never" nodeType="tmRoot"/>
+      </p:par>
+    </p:tnLst>
+  </p:timing>
 </p:sld>
 </file>
 
@@ -6262,7 +6785,7 @@
         <p:spPr>
           <a:xfrm>
             <a:off x="914400" y="274638"/>
-            <a:ext cx="7772400" cy="715962"/>
+            <a:ext cx="7772400" cy="563562"/>
           </a:xfrm>
         </p:spPr>
         <p:txBody>
@@ -6274,267 +6797,102 @@
             <a:pPr algn="ctr"/>
             <a:r>
               <a:rPr lang="el-GR" dirty="0" smtClean="0"/>
-              <a:t>Συμπεράσματα</a:t>
+              <a:t>Εκτέλεση Αλγορίθμου – Μετρήσεις</a:t>
+            </a:r>
+            <a:r>
+              <a:rPr lang="en-US" dirty="0" smtClean="0"/>
+              <a:t> (</a:t>
+            </a:r>
+            <a:r>
+              <a:rPr lang="el-GR" dirty="0" smtClean="0"/>
+              <a:t>1</a:t>
+            </a:r>
+            <a:r>
+              <a:rPr lang="en-US" dirty="0" smtClean="0"/>
+              <a:t>)</a:t>
             </a:r>
             <a:endParaRPr lang="el-GR" dirty="0"/>
           </a:p>
         </p:txBody>
       </p:sp>
-      <p:sp>
-        <p:nvSpPr>
-          <p:cNvPr id="3" name="Content Placeholder 2"/>
-          <p:cNvSpPr>
-            <a:spLocks noGrp="1"/>
-          </p:cNvSpPr>
-          <p:nvPr>
-            <p:ph sz="quarter" idx="1"/>
-          </p:nvPr>
-        </p:nvSpPr>
-        <p:spPr>
-          <a:xfrm>
-            <a:off x="381000" y="990600"/>
-            <a:ext cx="8458200" cy="5410200"/>
-          </a:xfrm>
-        </p:spPr>
-        <p:txBody>
-          <a:bodyPr>
-            <a:normAutofit lnSpcReduction="10000"/>
-          </a:bodyPr>
-          <a:lstStyle/>
-          <a:p>
-            <a:r>
-              <a:rPr lang="en-US" b="1" dirty="0" smtClean="0"/>
-              <a:t>Spark</a:t>
-            </a:r>
-            <a:r>
-              <a:rPr lang="en-US" dirty="0" smtClean="0"/>
-              <a:t> </a:t>
-            </a:r>
-            <a:r>
-              <a:rPr lang="el-GR" dirty="0" smtClean="0"/>
-              <a:t>έκδοση του </a:t>
-            </a:r>
-            <a:r>
-              <a:rPr lang="en-US" dirty="0" smtClean="0"/>
-              <a:t>Alpha Algorithm</a:t>
-            </a:r>
-            <a:r>
-              <a:rPr lang="el-GR" dirty="0" smtClean="0"/>
-              <a:t> γρηγορότερη από την </a:t>
-            </a:r>
-            <a:r>
-              <a:rPr lang="en-US" b="1" dirty="0" smtClean="0"/>
-              <a:t>non-Spark </a:t>
-            </a:r>
-            <a:r>
-              <a:rPr lang="el-GR" dirty="0" smtClean="0"/>
-              <a:t>έκδοση (μεγαλύτερη διαφορά 2.75 ώρες έναντι </a:t>
-            </a:r>
-            <a:r>
-              <a:rPr lang="en-US" dirty="0" smtClean="0">
-                <a:latin typeface="Calibri" pitchFamily="34" charset="0"/>
-                <a:cs typeface="Calibri" pitchFamily="34" charset="0"/>
-              </a:rPr>
-              <a:t>44</a:t>
-            </a:r>
-            <a:r>
-              <a:rPr lang="el-GR" dirty="0" smtClean="0"/>
-              <a:t> λεπτών)</a:t>
-            </a:r>
-          </a:p>
-          <a:p>
-            <a:endParaRPr lang="en-US" dirty="0" smtClean="0"/>
-          </a:p>
-          <a:p>
-            <a:r>
-              <a:rPr lang="el-GR" b="1" dirty="0" smtClean="0"/>
-              <a:t>Εκτός</a:t>
-            </a:r>
-            <a:r>
-              <a:rPr lang="el-GR" dirty="0" smtClean="0"/>
-              <a:t> από τον πίνακα 1. </a:t>
-            </a:r>
-            <a:r>
-              <a:rPr lang="en-US" b="1" dirty="0" smtClean="0"/>
-              <a:t>Non-Spark </a:t>
-            </a:r>
-            <a:r>
-              <a:rPr lang="el-GR" dirty="0" smtClean="0"/>
-              <a:t>έκδοση γρηγορότερη από </a:t>
-            </a:r>
-            <a:r>
-              <a:rPr lang="en-US" b="1" dirty="0" smtClean="0"/>
-              <a:t>Spark</a:t>
-            </a:r>
-            <a:r>
-              <a:rPr lang="en-US" dirty="0" smtClean="0"/>
-              <a:t> </a:t>
-            </a:r>
-            <a:r>
-              <a:rPr lang="el-GR" dirty="0" smtClean="0"/>
-              <a:t>έκδοση για </a:t>
-            </a:r>
-            <a:r>
-              <a:rPr lang="en-US" dirty="0" smtClean="0"/>
-              <a:t>cluster </a:t>
-            </a:r>
-            <a:r>
-              <a:rPr lang="el-GR" dirty="0" smtClean="0"/>
-              <a:t>με κανένα </a:t>
-            </a:r>
-            <a:r>
-              <a:rPr lang="en-US" dirty="0" smtClean="0"/>
-              <a:t>node</a:t>
-            </a:r>
-            <a:r>
-              <a:rPr lang="el-GR" dirty="0" smtClean="0"/>
-              <a:t>. </a:t>
-            </a:r>
-          </a:p>
-          <a:p>
-            <a:endParaRPr lang="el-GR" dirty="0" smtClean="0"/>
-          </a:p>
-          <a:p>
-            <a:r>
-              <a:rPr lang="el-GR" b="1" dirty="0" smtClean="0"/>
-              <a:t>Λόγοι</a:t>
-            </a:r>
-          </a:p>
-          <a:p>
-            <a:pPr lvl="2">
-              <a:buFont typeface="Wingdings" pitchFamily="2" charset="2"/>
-              <a:buChar char="Ø"/>
-            </a:pPr>
-            <a:r>
-              <a:rPr lang="el-GR" dirty="0" smtClean="0"/>
-              <a:t>το </a:t>
-            </a:r>
-            <a:r>
-              <a:rPr lang="en-US" b="1" dirty="0" err="1" smtClean="0"/>
-              <a:t>Databricks</a:t>
-            </a:r>
-            <a:r>
-              <a:rPr lang="en-US" b="1" dirty="0" smtClean="0"/>
-              <a:t> Community Edition</a:t>
-            </a:r>
-            <a:r>
-              <a:rPr lang="en-US" dirty="0" smtClean="0"/>
-              <a:t> </a:t>
-            </a:r>
-            <a:r>
-              <a:rPr lang="el-GR" dirty="0" smtClean="0"/>
-              <a:t>παρέχει </a:t>
-            </a:r>
-            <a:r>
-              <a:rPr lang="en-US" dirty="0" smtClean="0"/>
-              <a:t>cluster </a:t>
-            </a:r>
-            <a:r>
-              <a:rPr lang="el-GR" dirty="0" smtClean="0"/>
-              <a:t>μόνο με ένα </a:t>
-            </a:r>
-            <a:r>
-              <a:rPr lang="en-US" dirty="0" smtClean="0"/>
-              <a:t>driver node </a:t>
-            </a:r>
-            <a:r>
-              <a:rPr lang="el-GR" dirty="0" smtClean="0"/>
-              <a:t>(χωρίς </a:t>
-            </a:r>
-            <a:r>
-              <a:rPr lang="en-US" dirty="0" smtClean="0"/>
-              <a:t>workers</a:t>
-            </a:r>
-            <a:r>
-              <a:rPr lang="el-GR" dirty="0" smtClean="0"/>
-              <a:t>)</a:t>
-            </a:r>
-            <a:endParaRPr lang="en-US" dirty="0" smtClean="0"/>
-          </a:p>
-          <a:p>
-            <a:pPr lvl="2">
-              <a:buFont typeface="Wingdings" pitchFamily="2" charset="2"/>
-              <a:buChar char="Ø"/>
-            </a:pPr>
-            <a:r>
-              <a:rPr lang="el-GR" dirty="0" smtClean="0"/>
-              <a:t>Τα δεδομένα αποθηκεύονται στην μνήμη </a:t>
-            </a:r>
-            <a:r>
-              <a:rPr lang="en-US" dirty="0" smtClean="0"/>
-              <a:t>RAM </a:t>
-            </a:r>
-            <a:r>
-              <a:rPr lang="el-GR" dirty="0" smtClean="0"/>
-              <a:t>του συστήματος</a:t>
-            </a:r>
-          </a:p>
-          <a:p>
-            <a:pPr lvl="2">
-              <a:buFont typeface="Wingdings" pitchFamily="2" charset="2"/>
-              <a:buChar char="Ø"/>
-            </a:pPr>
-            <a:r>
-              <a:rPr lang="el-GR" dirty="0" smtClean="0"/>
-              <a:t>Χρόνος για το </a:t>
-            </a:r>
-            <a:r>
-              <a:rPr lang="en-US" dirty="0" smtClean="0"/>
-              <a:t>setup </a:t>
-            </a:r>
-            <a:r>
-              <a:rPr lang="el-GR" dirty="0" smtClean="0"/>
-              <a:t>της εκτέλεσης ενός </a:t>
-            </a:r>
-            <a:r>
-              <a:rPr lang="en-US" dirty="0" smtClean="0"/>
-              <a:t>Spark</a:t>
-            </a:r>
-            <a:r>
-              <a:rPr lang="el-GR" dirty="0" smtClean="0"/>
-              <a:t> προγράμματος</a:t>
-            </a:r>
-          </a:p>
-          <a:p>
-            <a:pPr lvl="2">
-              <a:buFont typeface="Wingdings" pitchFamily="2" charset="2"/>
-              <a:buChar char="Ø"/>
-            </a:pPr>
-            <a:r>
-              <a:rPr lang="en-US" sz="2200" dirty="0" smtClean="0"/>
-              <a:t>Serialization / </a:t>
-            </a:r>
-            <a:r>
-              <a:rPr lang="en-US" sz="2200" dirty="0" err="1" smtClean="0"/>
-              <a:t>deserialization</a:t>
-            </a:r>
-            <a:r>
-              <a:rPr lang="en-US" sz="2200" dirty="0" smtClean="0"/>
-              <a:t> </a:t>
-            </a:r>
-            <a:r>
-              <a:rPr lang="el-GR" sz="2200" dirty="0" smtClean="0"/>
-              <a:t>δεδομένων</a:t>
-            </a:r>
-            <a:endParaRPr lang="el-GR" sz="2200" dirty="0" smtClean="0">
-              <a:latin typeface="Calibri" pitchFamily="34" charset="0"/>
-              <a:cs typeface="Calibri" pitchFamily="34" charset="0"/>
-            </a:endParaRPr>
-          </a:p>
-          <a:p>
-            <a:pPr lvl="2">
-              <a:buFont typeface="Wingdings" pitchFamily="2" charset="2"/>
-              <a:buChar char="Ø"/>
-            </a:pPr>
-            <a:endParaRPr lang="el-GR" b="1" dirty="0" smtClean="0"/>
-          </a:p>
-        </p:txBody>
-      </p:sp>
+      <p:pic>
+        <p:nvPicPr>
+          <p:cNvPr id="1026" name="Picture 2"/>
+          <p:cNvPicPr>
+            <a:picLocks noChangeAspect="1" noChangeArrowheads="1"/>
+          </p:cNvPicPr>
+          <p:nvPr/>
+        </p:nvPicPr>
+        <p:blipFill>
+          <a:blip r:embed="rId2"/>
+          <a:srcRect/>
+          <a:stretch>
+            <a:fillRect/>
+          </a:stretch>
+        </p:blipFill>
+        <p:spPr bwMode="auto">
+          <a:xfrm>
+            <a:off x="1295400" y="914400"/>
+            <a:ext cx="6934200" cy="2585263"/>
+          </a:xfrm>
+          <a:prstGeom prst="rect">
+            <a:avLst/>
+          </a:prstGeom>
+          <a:noFill/>
+          <a:ln w="9525">
+            <a:noFill/>
+            <a:miter lim="800000"/>
+            <a:headEnd/>
+            <a:tailEnd/>
+          </a:ln>
+          <a:effectLst/>
+        </p:spPr>
+      </p:pic>
+      <p:pic>
+        <p:nvPicPr>
+          <p:cNvPr id="4" name="Picture 3"/>
+          <p:cNvPicPr>
+            <a:picLocks noChangeAspect="1" noChangeArrowheads="1"/>
+          </p:cNvPicPr>
+          <p:nvPr/>
+        </p:nvPicPr>
+        <p:blipFill>
+          <a:blip r:embed="rId3"/>
+          <a:srcRect/>
+          <a:stretch>
+            <a:fillRect/>
+          </a:stretch>
+        </p:blipFill>
+        <p:spPr bwMode="auto">
+          <a:xfrm>
+            <a:off x="1295400" y="3810000"/>
+            <a:ext cx="6934200" cy="2590800"/>
+          </a:xfrm>
+          <a:prstGeom prst="rect">
+            <a:avLst/>
+          </a:prstGeom>
+          <a:noFill/>
+          <a:ln w="9525">
+            <a:noFill/>
+            <a:miter lim="800000"/>
+            <a:headEnd/>
+            <a:tailEnd/>
+          </a:ln>
+          <a:effectLst/>
+        </p:spPr>
+      </p:pic>
     </p:spTree>
   </p:cSld>
   <p:clrMapOvr>
     <a:masterClrMapping/>
   </p:clrMapOvr>
+  <p:timing>
+    <p:tnLst>
+      <p:par>
+        <p:cTn id="1" dur="indefinite" restart="never" nodeType="tmRoot"/>
+      </p:par>
+    </p:tnLst>
+  </p:timing>
 </p:sld>
 </file>
 
@@ -6568,21 +6926,21 @@
         <p:spPr>
           <a:xfrm>
             <a:off x="914400" y="274638"/>
-            <a:ext cx="7772400" cy="639762"/>
+            <a:ext cx="7772400" cy="715962"/>
           </a:xfrm>
         </p:spPr>
         <p:txBody>
           <a:bodyPr>
-            <a:normAutofit fontScale="90000"/>
+            <a:noAutofit/>
           </a:bodyPr>
           <a:lstStyle/>
           <a:p>
             <a:pPr algn="ctr"/>
             <a:r>
-              <a:rPr lang="el-GR" b="1" dirty="0" smtClean="0"/>
-              <a:t>Εισαγωγή</a:t>
-            </a:r>
-            <a:endParaRPr lang="el-GR" b="1" dirty="0"/>
+              <a:rPr lang="el-GR" sz="3600" dirty="0" smtClean="0"/>
+              <a:t>Στόχος της διπλωματικής εργασίας</a:t>
+            </a:r>
+            <a:endParaRPr lang="el-GR" sz="3600" dirty="0"/>
           </a:p>
         </p:txBody>
       </p:sp>
@@ -6598,131 +6956,44 @@
         </p:nvSpPr>
         <p:spPr>
           <a:xfrm>
-            <a:off x="533400" y="1066800"/>
-            <a:ext cx="8305800" cy="5486400"/>
-          </a:xfrm>
-        </p:spPr>
-        <p:txBody>
-          <a:bodyPr>
-            <a:normAutofit fontScale="92500" lnSpcReduction="10000"/>
-          </a:bodyPr>
-          <a:lstStyle/>
-          <a:p>
-            <a:r>
-              <a:rPr lang="el-GR" dirty="0" smtClean="0"/>
-              <a:t>Τι είναι </a:t>
-            </a:r>
-            <a:r>
-              <a:rPr lang="en-US" b="1" dirty="0" smtClean="0">
-                <a:latin typeface="Calibri" pitchFamily="34" charset="0"/>
-                <a:cs typeface="Calibri" pitchFamily="34" charset="0"/>
-              </a:rPr>
-              <a:t>process mining </a:t>
-            </a:r>
-            <a:r>
-              <a:rPr lang="el-GR" dirty="0" smtClean="0"/>
-              <a:t>(εξόρυξη διαδικασιών)</a:t>
-            </a:r>
-            <a:r>
-              <a:rPr lang="en-US" dirty="0" smtClean="0"/>
-              <a:t>?</a:t>
-            </a:r>
+            <a:off x="381000" y="1295400"/>
+            <a:ext cx="8534400" cy="5105400"/>
+          </a:xfrm>
+        </p:spPr>
+        <p:txBody>
+          <a:bodyPr/>
+          <a:lstStyle/>
+          <a:p>
+            <a:r>
+              <a:rPr lang="el-GR" dirty="0" smtClean="0"/>
+              <a:t>Κατά πόσο είναι δυνατή η παραλληλοποίηση ενός αλγορίθμου εξόρυξης δεδομένων.</a:t>
+            </a:r>
+            <a:endParaRPr lang="en-US" dirty="0" smtClean="0"/>
+          </a:p>
+          <a:p>
             <a:endParaRPr lang="el-GR" dirty="0" smtClean="0"/>
+          </a:p>
+          <a:p>
+            <a:r>
+              <a:rPr lang="el-GR" dirty="0" smtClean="0"/>
+              <a:t>Ποιο το όφελος από την παραλληλοποίηση του αλγόριθμου</a:t>
+            </a:r>
+            <a:endParaRPr lang="en-US" dirty="0" smtClean="0"/>
+          </a:p>
+          <a:p>
+            <a:endParaRPr lang="en-US" dirty="0" smtClean="0"/>
+          </a:p>
+          <a:p>
+            <a:r>
+              <a:rPr lang="el-GR" dirty="0" smtClean="0"/>
+              <a:t>Αν αξίζει να παραλληλοποιείται ένας τέτοιος αλγόριθμος</a:t>
+            </a:r>
           </a:p>
           <a:p>
             <a:pPr>
               <a:buNone/>
             </a:pPr>
-            <a:r>
-              <a:rPr lang="el-GR" sz="2000" dirty="0" smtClean="0"/>
-              <a:t>Μέθοδος για την εξαγωγή μοντέλων από </a:t>
-            </a:r>
-            <a:r>
-              <a:rPr lang="en-US" sz="2000" dirty="0" smtClean="0"/>
-              <a:t>event logs</a:t>
-            </a:r>
-            <a:r>
-              <a:rPr lang="el-GR" sz="2000" dirty="0" smtClean="0"/>
-              <a:t> που παράγονται από ένα σύστημα πληροφοριών.</a:t>
-            </a:r>
-          </a:p>
-          <a:p>
-            <a:pPr>
-              <a:buNone/>
-            </a:pPr>
-            <a:r>
-              <a:rPr lang="el-GR" sz="2000" dirty="0" smtClean="0"/>
-              <a:t>Δεν υπάρχει αρχικό μοντέλο</a:t>
-            </a:r>
-          </a:p>
-          <a:p>
-            <a:pPr>
-              <a:buNone/>
-            </a:pPr>
-            <a:endParaRPr lang="el-GR" sz="2000" dirty="0" smtClean="0"/>
-          </a:p>
-          <a:p>
-            <a:r>
-              <a:rPr lang="el-GR" b="1" dirty="0" smtClean="0"/>
-              <a:t>Σκοπός </a:t>
-            </a:r>
-          </a:p>
-          <a:p>
-            <a:pPr>
-              <a:buNone/>
-            </a:pPr>
-            <a:r>
-              <a:rPr lang="el-GR" sz="2000" dirty="0" smtClean="0"/>
-              <a:t>Η κατανόηση αλλά και η βελτίωση της απόδοσης των διαδικασιών μιας επιχείρησης.</a:t>
-            </a:r>
-          </a:p>
-          <a:p>
-            <a:pPr>
-              <a:buNone/>
-            </a:pPr>
-            <a:r>
-              <a:rPr lang="el-GR" sz="2000" dirty="0" smtClean="0"/>
-              <a:t>Ανακάλυψη μη-επιθυμητών διαδικασιών που ακολουθούνται στην πραγματικότητα</a:t>
-            </a:r>
-          </a:p>
-          <a:p>
-            <a:pPr>
-              <a:buNone/>
-            </a:pPr>
-            <a:r>
-              <a:rPr lang="el-GR" sz="2000" dirty="0" smtClean="0"/>
-              <a:t>Παραγωγή μοντέλων συμπεριφοράς (behavioral models) της λειτουργίας των επιχειρήσεων.</a:t>
-            </a:r>
-          </a:p>
-          <a:p>
-            <a:pPr>
-              <a:buNone/>
-            </a:pPr>
-            <a:r>
-              <a:rPr lang="el-GR" sz="2000" dirty="0" smtClean="0"/>
-              <a:t>Παροχή </a:t>
-            </a:r>
-            <a:r>
-              <a:rPr lang="el-GR" sz="2000" b="1" dirty="0" smtClean="0"/>
-              <a:t>απαραίτητων εργαλείων</a:t>
-            </a:r>
-            <a:r>
-              <a:rPr lang="el-GR" sz="2000" dirty="0" smtClean="0"/>
-              <a:t> για την ανάλυση πραγματικών συμπεριφορών</a:t>
-            </a:r>
-            <a:endParaRPr lang="en-US" sz="2000" dirty="0" smtClean="0"/>
-          </a:p>
-          <a:p>
-            <a:pPr>
-              <a:buNone/>
-            </a:pPr>
-            <a:r>
-              <a:rPr lang="el-GR" sz="2000" dirty="0" smtClean="0"/>
-              <a:t>Πρόταση λύσεων για την επίτευξη βέλτιστης λειτουργίας και αφαίρεση προβληματικών γεγονότων</a:t>
-            </a:r>
-          </a:p>
-          <a:p>
-            <a:endParaRPr lang="el-GR" sz="2000" dirty="0"/>
+            <a:endParaRPr lang="el-GR" dirty="0" smtClean="0"/>
           </a:p>
         </p:txBody>
       </p:sp>
@@ -6764,6 +7035,591 @@
         <p:spPr>
           <a:xfrm>
             <a:off x="914400" y="274638"/>
+            <a:ext cx="7772400" cy="639762"/>
+          </a:xfrm>
+        </p:spPr>
+        <p:txBody>
+          <a:bodyPr>
+            <a:normAutofit fontScale="90000"/>
+          </a:bodyPr>
+          <a:lstStyle/>
+          <a:p>
+            <a:pPr algn="ctr"/>
+            <a:r>
+              <a:rPr lang="el-GR" dirty="0" smtClean="0"/>
+              <a:t>Εκτέλεση Αλγορίθμου – Μετρήσεις</a:t>
+            </a:r>
+            <a:r>
+              <a:rPr lang="en-US" dirty="0" smtClean="0"/>
+              <a:t> (2)</a:t>
+            </a:r>
+            <a:endParaRPr lang="el-GR" dirty="0"/>
+          </a:p>
+        </p:txBody>
+      </p:sp>
+      <p:pic>
+        <p:nvPicPr>
+          <p:cNvPr id="4" name="Picture 2"/>
+          <p:cNvPicPr>
+            <a:picLocks noChangeAspect="1" noChangeArrowheads="1"/>
+          </p:cNvPicPr>
+          <p:nvPr/>
+        </p:nvPicPr>
+        <p:blipFill>
+          <a:blip r:embed="rId2"/>
+          <a:srcRect/>
+          <a:stretch>
+            <a:fillRect/>
+          </a:stretch>
+        </p:blipFill>
+        <p:spPr bwMode="auto">
+          <a:xfrm>
+            <a:off x="1295400" y="990600"/>
+            <a:ext cx="6858000" cy="2514600"/>
+          </a:xfrm>
+          <a:prstGeom prst="rect">
+            <a:avLst/>
+          </a:prstGeom>
+          <a:noFill/>
+          <a:ln w="9525">
+            <a:noFill/>
+            <a:miter lim="800000"/>
+            <a:headEnd/>
+            <a:tailEnd/>
+          </a:ln>
+          <a:effectLst/>
+        </p:spPr>
+      </p:pic>
+      <p:pic>
+        <p:nvPicPr>
+          <p:cNvPr id="2051" name="Picture 3"/>
+          <p:cNvPicPr>
+            <a:picLocks noChangeAspect="1" noChangeArrowheads="1"/>
+          </p:cNvPicPr>
+          <p:nvPr/>
+        </p:nvPicPr>
+        <p:blipFill>
+          <a:blip r:embed="rId3"/>
+          <a:srcRect/>
+          <a:stretch>
+            <a:fillRect/>
+          </a:stretch>
+        </p:blipFill>
+        <p:spPr bwMode="auto">
+          <a:xfrm>
+            <a:off x="1371600" y="3810000"/>
+            <a:ext cx="6781800" cy="2514600"/>
+          </a:xfrm>
+          <a:prstGeom prst="rect">
+            <a:avLst/>
+          </a:prstGeom>
+          <a:noFill/>
+          <a:ln w="9525">
+            <a:noFill/>
+            <a:miter lim="800000"/>
+            <a:headEnd/>
+            <a:tailEnd/>
+          </a:ln>
+          <a:effectLst/>
+        </p:spPr>
+      </p:pic>
+    </p:spTree>
+  </p:cSld>
+  <p:clrMapOvr>
+    <a:masterClrMapping/>
+  </p:clrMapOvr>
+</p:sld>
+</file>
+
+<file path=ppt/slides/slide21.xml><?xml version="1.0" encoding="utf-8"?>
+<p:sld xmlns:a="http://schemas.openxmlformats.org/drawingml/2006/main" xmlns:r="http://schemas.openxmlformats.org/officeDocument/2006/relationships" xmlns:p="http://schemas.openxmlformats.org/presentationml/2006/main">
+  <p:cSld>
+    <p:spTree>
+      <p:nvGrpSpPr>
+        <p:cNvPr id="1" name=""/>
+        <p:cNvGrpSpPr/>
+        <p:nvPr/>
+      </p:nvGrpSpPr>
+      <p:grpSpPr>
+        <a:xfrm>
+          <a:off x="0" y="0"/>
+          <a:ext cx="0" cy="0"/>
+          <a:chOff x="0" y="0"/>
+          <a:chExt cx="0" cy="0"/>
+        </a:xfrm>
+      </p:grpSpPr>
+      <p:sp>
+        <p:nvSpPr>
+          <p:cNvPr id="2" name="Title 1"/>
+          <p:cNvSpPr>
+            <a:spLocks noGrp="1"/>
+          </p:cNvSpPr>
+          <p:nvPr>
+            <p:ph type="title"/>
+          </p:nvPr>
+        </p:nvSpPr>
+        <p:spPr>
+          <a:xfrm>
+            <a:off x="914400" y="274638"/>
+            <a:ext cx="7772400" cy="715962"/>
+          </a:xfrm>
+        </p:spPr>
+        <p:txBody>
+          <a:bodyPr>
+            <a:normAutofit fontScale="90000"/>
+          </a:bodyPr>
+          <a:lstStyle/>
+          <a:p>
+            <a:pPr algn="ctr"/>
+            <a:r>
+              <a:rPr lang="el-GR" dirty="0" smtClean="0"/>
+              <a:t>Συμπεράσματα</a:t>
+            </a:r>
+            <a:endParaRPr lang="el-GR" dirty="0"/>
+          </a:p>
+        </p:txBody>
+      </p:sp>
+      <p:sp>
+        <p:nvSpPr>
+          <p:cNvPr id="3" name="Content Placeholder 2"/>
+          <p:cNvSpPr>
+            <a:spLocks noGrp="1"/>
+          </p:cNvSpPr>
+          <p:nvPr>
+            <p:ph sz="quarter" idx="1"/>
+          </p:nvPr>
+        </p:nvSpPr>
+        <p:spPr>
+          <a:xfrm>
+            <a:off x="381000" y="990600"/>
+            <a:ext cx="8458200" cy="5410200"/>
+          </a:xfrm>
+        </p:spPr>
+        <p:txBody>
+          <a:bodyPr>
+            <a:normAutofit fontScale="92500"/>
+          </a:bodyPr>
+          <a:lstStyle/>
+          <a:p>
+            <a:r>
+              <a:rPr lang="en-US" b="1" dirty="0" smtClean="0"/>
+              <a:t>Spark</a:t>
+            </a:r>
+            <a:r>
+              <a:rPr lang="en-US" dirty="0" smtClean="0"/>
+              <a:t> </a:t>
+            </a:r>
+            <a:r>
+              <a:rPr lang="el-GR" dirty="0" smtClean="0"/>
+              <a:t>έκδοση του </a:t>
+            </a:r>
+            <a:r>
+              <a:rPr lang="el-GR" dirty="0" smtClean="0"/>
+              <a:t>αλγόριθμου </a:t>
+            </a:r>
+            <a:r>
+              <a:rPr lang="en-US" dirty="0" smtClean="0"/>
+              <a:t>Alpha </a:t>
+            </a:r>
+            <a:r>
+              <a:rPr lang="el-GR" dirty="0" smtClean="0"/>
+              <a:t>γρηγορότερη </a:t>
+            </a:r>
+            <a:r>
+              <a:rPr lang="el-GR" dirty="0" smtClean="0"/>
+              <a:t>από την </a:t>
+            </a:r>
+            <a:r>
+              <a:rPr lang="en-US" b="1" dirty="0" smtClean="0"/>
+              <a:t>non-Spark </a:t>
+            </a:r>
+            <a:r>
+              <a:rPr lang="el-GR" dirty="0" smtClean="0"/>
+              <a:t>έκδοση (μεγαλύτερη διαφορά 2.75 ώρες έναντι </a:t>
+            </a:r>
+            <a:r>
+              <a:rPr lang="en-US" dirty="0" smtClean="0">
+                <a:latin typeface="Calibri" pitchFamily="34" charset="0"/>
+                <a:cs typeface="Calibri" pitchFamily="34" charset="0"/>
+              </a:rPr>
+              <a:t>44</a:t>
+            </a:r>
+            <a:r>
+              <a:rPr lang="el-GR" dirty="0" smtClean="0"/>
+              <a:t> λεπτών)</a:t>
+            </a:r>
+          </a:p>
+          <a:p>
+            <a:endParaRPr lang="en-US" dirty="0" smtClean="0"/>
+          </a:p>
+          <a:p>
+            <a:r>
+              <a:rPr lang="el-GR" b="1" dirty="0" smtClean="0"/>
+              <a:t>Εκτός</a:t>
+            </a:r>
+            <a:r>
+              <a:rPr lang="el-GR" dirty="0" smtClean="0"/>
+              <a:t> από τον πίνακα 1. </a:t>
+            </a:r>
+            <a:r>
+              <a:rPr lang="en-US" b="1" dirty="0" smtClean="0"/>
+              <a:t>Non-Spark </a:t>
+            </a:r>
+            <a:r>
+              <a:rPr lang="el-GR" dirty="0" smtClean="0"/>
+              <a:t>έκδοση γρηγορότερη από </a:t>
+            </a:r>
+            <a:r>
+              <a:rPr lang="en-US" b="1" dirty="0" smtClean="0"/>
+              <a:t>Spark</a:t>
+            </a:r>
+            <a:r>
+              <a:rPr lang="en-US" dirty="0" smtClean="0"/>
+              <a:t> </a:t>
+            </a:r>
+            <a:r>
+              <a:rPr lang="el-GR" dirty="0" smtClean="0"/>
+              <a:t>έκδοση για </a:t>
+            </a:r>
+            <a:r>
+              <a:rPr lang="en-US" dirty="0" smtClean="0"/>
+              <a:t>cluster </a:t>
+            </a:r>
+            <a:r>
+              <a:rPr lang="el-GR" dirty="0" smtClean="0"/>
+              <a:t>με κανένα </a:t>
+            </a:r>
+            <a:r>
+              <a:rPr lang="el-GR" dirty="0" smtClean="0"/>
+              <a:t>κόμβο. </a:t>
+            </a:r>
+            <a:endParaRPr lang="el-GR" dirty="0" smtClean="0"/>
+          </a:p>
+          <a:p>
+            <a:endParaRPr lang="el-GR" dirty="0" smtClean="0"/>
+          </a:p>
+          <a:p>
+            <a:r>
+              <a:rPr lang="el-GR" b="1" dirty="0" smtClean="0"/>
+              <a:t>Λόγοι</a:t>
+            </a:r>
+          </a:p>
+          <a:p>
+            <a:pPr lvl="2">
+              <a:buFont typeface="Wingdings" pitchFamily="2" charset="2"/>
+              <a:buChar char="Ø"/>
+            </a:pPr>
+            <a:r>
+              <a:rPr lang="el-GR" dirty="0" smtClean="0"/>
+              <a:t>το </a:t>
+            </a:r>
+            <a:r>
+              <a:rPr lang="en-US" b="1" dirty="0" err="1" smtClean="0"/>
+              <a:t>Databricks</a:t>
+            </a:r>
+            <a:r>
+              <a:rPr lang="en-US" b="1" dirty="0" smtClean="0"/>
+              <a:t> Community Edition</a:t>
+            </a:r>
+            <a:r>
+              <a:rPr lang="en-US" dirty="0" smtClean="0"/>
+              <a:t> </a:t>
+            </a:r>
+            <a:r>
+              <a:rPr lang="el-GR" dirty="0" smtClean="0"/>
+              <a:t>παρέχει </a:t>
+            </a:r>
+            <a:r>
+              <a:rPr lang="en-US" dirty="0" smtClean="0"/>
+              <a:t>cluster </a:t>
+            </a:r>
+            <a:r>
+              <a:rPr lang="el-GR" dirty="0" smtClean="0"/>
+              <a:t>μόνο με ένα </a:t>
+            </a:r>
+            <a:r>
+              <a:rPr lang="el-GR" dirty="0" smtClean="0"/>
+              <a:t>κεντρικό κόμβο</a:t>
+            </a:r>
+            <a:r>
+              <a:rPr lang="en-US" dirty="0" smtClean="0"/>
+              <a:t> </a:t>
+            </a:r>
+            <a:r>
+              <a:rPr lang="el-GR" dirty="0" smtClean="0"/>
+              <a:t>(χωρίς </a:t>
+            </a:r>
+            <a:r>
+              <a:rPr lang="el-GR" dirty="0" smtClean="0"/>
+              <a:t>κανένα βοηθητικό κόμβο)</a:t>
+            </a:r>
+            <a:endParaRPr lang="en-US" dirty="0" smtClean="0"/>
+          </a:p>
+          <a:p>
+            <a:pPr lvl="2">
+              <a:buFont typeface="Wingdings" pitchFamily="2" charset="2"/>
+              <a:buChar char="Ø"/>
+            </a:pPr>
+            <a:r>
+              <a:rPr lang="el-GR" dirty="0" smtClean="0"/>
+              <a:t>Τα δεδομένα αποθηκεύονται στην μνήμη </a:t>
+            </a:r>
+            <a:r>
+              <a:rPr lang="en-US" dirty="0" smtClean="0"/>
+              <a:t>RAM </a:t>
+            </a:r>
+            <a:r>
+              <a:rPr lang="el-GR" dirty="0" smtClean="0"/>
+              <a:t>του συστήματος</a:t>
+            </a:r>
+          </a:p>
+          <a:p>
+            <a:pPr lvl="2">
+              <a:buFont typeface="Wingdings" pitchFamily="2" charset="2"/>
+              <a:buChar char="Ø"/>
+            </a:pPr>
+            <a:r>
+              <a:rPr lang="el-GR" dirty="0" smtClean="0"/>
+              <a:t>Χρόνος για </a:t>
+            </a:r>
+            <a:r>
+              <a:rPr lang="el-GR" dirty="0" smtClean="0"/>
+              <a:t>την προετοιμασία</a:t>
+            </a:r>
+            <a:r>
+              <a:rPr lang="en-US" dirty="0" smtClean="0"/>
+              <a:t> </a:t>
+            </a:r>
+            <a:r>
+              <a:rPr lang="el-GR" dirty="0" smtClean="0"/>
+              <a:t>της εκτέλεσης ενός </a:t>
+            </a:r>
+            <a:r>
+              <a:rPr lang="en-US" dirty="0" smtClean="0"/>
+              <a:t>Spark</a:t>
+            </a:r>
+            <a:r>
+              <a:rPr lang="el-GR" dirty="0" smtClean="0"/>
+              <a:t> προγράμματος</a:t>
+            </a:r>
+          </a:p>
+          <a:p>
+            <a:pPr lvl="2">
+              <a:buFont typeface="Wingdings" pitchFamily="2" charset="2"/>
+              <a:buChar char="Ø"/>
+            </a:pPr>
+            <a:r>
+              <a:rPr lang="en-US" sz="2200" dirty="0" smtClean="0"/>
+              <a:t>Serialization / </a:t>
+            </a:r>
+            <a:r>
+              <a:rPr lang="en-US" sz="2200" dirty="0" err="1" smtClean="0"/>
+              <a:t>deserialization</a:t>
+            </a:r>
+            <a:r>
+              <a:rPr lang="en-US" sz="2200" dirty="0" smtClean="0"/>
+              <a:t> </a:t>
+            </a:r>
+            <a:r>
+              <a:rPr lang="el-GR" sz="2200" dirty="0" smtClean="0"/>
+              <a:t>δεδομένων</a:t>
+            </a:r>
+            <a:endParaRPr lang="el-GR" sz="2200" dirty="0" smtClean="0">
+              <a:latin typeface="Calibri" pitchFamily="34" charset="0"/>
+              <a:cs typeface="Calibri" pitchFamily="34" charset="0"/>
+            </a:endParaRPr>
+          </a:p>
+          <a:p>
+            <a:pPr lvl="2">
+              <a:buFont typeface="Wingdings" pitchFamily="2" charset="2"/>
+              <a:buChar char="Ø"/>
+            </a:pPr>
+            <a:endParaRPr lang="el-GR" b="1" dirty="0" smtClean="0"/>
+          </a:p>
+        </p:txBody>
+      </p:sp>
+    </p:spTree>
+  </p:cSld>
+  <p:clrMapOvr>
+    <a:masterClrMapping/>
+  </p:clrMapOvr>
+</p:sld>
+</file>
+
+<file path=ppt/slides/slide22.xml><?xml version="1.0" encoding="utf-8"?>
+<p:sld xmlns:a="http://schemas.openxmlformats.org/drawingml/2006/main" xmlns:r="http://schemas.openxmlformats.org/officeDocument/2006/relationships" xmlns:p="http://schemas.openxmlformats.org/presentationml/2006/main">
+  <p:cSld>
+    <p:spTree>
+      <p:nvGrpSpPr>
+        <p:cNvPr id="1" name=""/>
+        <p:cNvGrpSpPr/>
+        <p:nvPr/>
+      </p:nvGrpSpPr>
+      <p:grpSpPr>
+        <a:xfrm>
+          <a:off x="0" y="0"/>
+          <a:ext cx="0" cy="0"/>
+          <a:chOff x="0" y="0"/>
+          <a:chExt cx="0" cy="0"/>
+        </a:xfrm>
+      </p:grpSpPr>
+      <p:sp>
+        <p:nvSpPr>
+          <p:cNvPr id="2" name="Title 1"/>
+          <p:cNvSpPr>
+            <a:spLocks noGrp="1"/>
+          </p:cNvSpPr>
+          <p:nvPr>
+            <p:ph type="title"/>
+          </p:nvPr>
+        </p:nvSpPr>
+        <p:spPr>
+          <a:xfrm>
+            <a:off x="914400" y="274638"/>
+            <a:ext cx="7772400" cy="792162"/>
+          </a:xfrm>
+        </p:spPr>
+        <p:txBody>
+          <a:bodyPr/>
+          <a:lstStyle/>
+          <a:p>
+            <a:pPr algn="ctr"/>
+            <a:r>
+              <a:rPr lang="el-GR" dirty="0" smtClean="0"/>
+              <a:t>Προοπτικές</a:t>
+            </a:r>
+            <a:endParaRPr lang="el-GR" dirty="0"/>
+          </a:p>
+        </p:txBody>
+      </p:sp>
+      <p:sp>
+        <p:nvSpPr>
+          <p:cNvPr id="3" name="Content Placeholder 2"/>
+          <p:cNvSpPr>
+            <a:spLocks noGrp="1"/>
+          </p:cNvSpPr>
+          <p:nvPr>
+            <p:ph sz="quarter" idx="1"/>
+          </p:nvPr>
+        </p:nvSpPr>
+        <p:spPr>
+          <a:xfrm>
+            <a:off x="914400" y="1143000"/>
+            <a:ext cx="7772400" cy="5105400"/>
+          </a:xfrm>
+        </p:spPr>
+        <p:txBody>
+          <a:bodyPr/>
+          <a:lstStyle/>
+          <a:p>
+            <a:r>
+              <a:rPr lang="el-GR" dirty="0" smtClean="0"/>
+              <a:t>Χρήση του </a:t>
+            </a:r>
+            <a:r>
+              <a:rPr lang="en-US" dirty="0" smtClean="0"/>
+              <a:t>Spark Streaming</a:t>
+            </a:r>
+            <a:r>
+              <a:rPr lang="el-GR" dirty="0" smtClean="0"/>
+              <a:t>. Μελέτη συμπεριφοράς του αλγόριθμου </a:t>
+            </a:r>
+            <a:r>
+              <a:rPr lang="en-US" dirty="0" smtClean="0"/>
+              <a:t>Alpha </a:t>
+            </a:r>
+            <a:r>
+              <a:rPr lang="el-GR" dirty="0" smtClean="0"/>
+              <a:t>όταν εμφανίζονται δεδομένα σε πραγματικό χρόνο</a:t>
+            </a:r>
+            <a:r>
+              <a:rPr lang="en-US" dirty="0" smtClean="0"/>
+              <a:t> </a:t>
+            </a:r>
+          </a:p>
+          <a:p>
+            <a:endParaRPr lang="el-GR" dirty="0" smtClean="0"/>
+          </a:p>
+          <a:p>
+            <a:r>
+              <a:rPr lang="el-GR" dirty="0" smtClean="0"/>
+              <a:t>Υλοποίηση άλλων αλγόριθμων εξόρυξης διαδικασιών όπως ο </a:t>
+            </a:r>
+            <a:r>
+              <a:rPr lang="en-US" dirty="0" smtClean="0"/>
+              <a:t>Flexible </a:t>
+            </a:r>
+            <a:r>
+              <a:rPr lang="en-US" smtClean="0"/>
+              <a:t>Heuristic Miner</a:t>
+            </a:r>
+          </a:p>
+          <a:p>
+            <a:endParaRPr lang="en-US" dirty="0" smtClean="0"/>
+          </a:p>
+          <a:p>
+            <a:r>
+              <a:rPr lang="el-GR" dirty="0" smtClean="0"/>
+              <a:t>Υλοποίηση του αλγόριθμου </a:t>
+            </a:r>
+            <a:r>
+              <a:rPr lang="en-US" dirty="0" smtClean="0"/>
+              <a:t>Alpha </a:t>
+            </a:r>
+            <a:r>
+              <a:rPr lang="el-GR" dirty="0" smtClean="0"/>
+              <a:t> σε περιβάλλον ανάπτυξης εφαρμογών </a:t>
+            </a:r>
+            <a:r>
+              <a:rPr lang="en-US" dirty="0" smtClean="0"/>
+              <a:t>Apache </a:t>
+            </a:r>
+            <a:r>
+              <a:rPr lang="en-US" dirty="0" err="1" smtClean="0"/>
+              <a:t>Flink</a:t>
+            </a:r>
+            <a:endParaRPr lang="el-GR" dirty="0"/>
+          </a:p>
+        </p:txBody>
+      </p:sp>
+    </p:spTree>
+  </p:cSld>
+  <p:clrMapOvr>
+    <a:masterClrMapping/>
+  </p:clrMapOvr>
+</p:sld>
+</file>
+
+<file path=ppt/slides/slide23.xml><?xml version="1.0" encoding="utf-8"?>
+<p:sld xmlns:a="http://schemas.openxmlformats.org/drawingml/2006/main" xmlns:r="http://schemas.openxmlformats.org/officeDocument/2006/relationships" xmlns:p="http://schemas.openxmlformats.org/presentationml/2006/main">
+  <p:cSld>
+    <p:spTree>
+      <p:nvGrpSpPr>
+        <p:cNvPr id="1" name=""/>
+        <p:cNvGrpSpPr/>
+        <p:nvPr/>
+      </p:nvGrpSpPr>
+      <p:grpSpPr>
+        <a:xfrm>
+          <a:off x="0" y="0"/>
+          <a:ext cx="0" cy="0"/>
+          <a:chOff x="0" y="0"/>
+          <a:chExt cx="0" cy="0"/>
+        </a:xfrm>
+      </p:grpSpPr>
+      <p:sp>
+        <p:nvSpPr>
+          <p:cNvPr id="2" name="Title 1"/>
+          <p:cNvSpPr>
+            <a:spLocks noGrp="1"/>
+          </p:cNvSpPr>
+          <p:nvPr>
+            <p:ph type="title"/>
+          </p:nvPr>
+        </p:nvSpPr>
+        <p:spPr>
+          <a:xfrm>
+            <a:off x="914400" y="274638"/>
             <a:ext cx="7772400" cy="563562"/>
           </a:xfrm>
         </p:spPr>
@@ -6896,7 +7752,7 @@
         <p:spPr>
           <a:xfrm>
             <a:off x="914400" y="274638"/>
-            <a:ext cx="7772400" cy="639762"/>
+            <a:ext cx="7772400" cy="715962"/>
           </a:xfrm>
         </p:spPr>
         <p:txBody>
@@ -6907,14 +7763,10 @@
           <a:p>
             <a:pPr algn="ctr"/>
             <a:r>
-              <a:rPr lang="el-GR" b="1" dirty="0" smtClean="0"/>
-              <a:t>Δομή των </a:t>
-            </a:r>
-            <a:r>
-              <a:rPr lang="en-US" b="1" dirty="0" smtClean="0"/>
-              <a:t>event</a:t>
-            </a:r>
-            <a:endParaRPr lang="el-GR" b="1" dirty="0"/>
+              <a:rPr lang="el-GR" dirty="0" smtClean="0"/>
+              <a:t>Συνεισφορά της διπλωματικής εργασίας</a:t>
+            </a:r>
+            <a:endParaRPr lang="el-GR" dirty="0"/>
           </a:p>
         </p:txBody>
       </p:sp>
@@ -6930,89 +7782,133 @@
         </p:nvSpPr>
         <p:spPr>
           <a:xfrm>
-            <a:off x="914400" y="990600"/>
-            <a:ext cx="7772400" cy="5029200"/>
-          </a:xfrm>
-        </p:spPr>
-        <p:txBody>
-          <a:bodyPr/>
-          <a:lstStyle/>
-          <a:p>
-            <a:pPr>
-              <a:buNone/>
-            </a:pPr>
-            <a:r>
-              <a:rPr lang="el-GR" sz="2400" dirty="0" smtClean="0"/>
-              <a:t>Συγκεκριμένη δομή με σίγουρη </a:t>
-            </a:r>
-            <a:r>
-              <a:rPr lang="el-GR" sz="2400" b="1" dirty="0" smtClean="0"/>
-              <a:t>ύπαρξη των ιδιοτήτων</a:t>
-            </a:r>
-          </a:p>
-          <a:p>
-            <a:r>
-              <a:rPr lang="el-GR" sz="2400" dirty="0" smtClean="0"/>
+            <a:off x="609600" y="1066800"/>
+            <a:ext cx="8229600" cy="4953000"/>
+          </a:xfrm>
+        </p:spPr>
+        <p:txBody>
+          <a:bodyPr>
+            <a:normAutofit fontScale="92500" lnSpcReduction="10000"/>
+          </a:bodyPr>
+          <a:lstStyle/>
+          <a:p>
+            <a:r>
+              <a:rPr lang="el-GR" dirty="0" smtClean="0"/>
+              <a:t>Μελέτη της </a:t>
+            </a:r>
+            <a:r>
+              <a:rPr lang="el-GR" dirty="0" smtClean="0"/>
+              <a:t>θεωρίας </a:t>
+            </a:r>
+            <a:r>
+              <a:rPr lang="el-GR" dirty="0" smtClean="0"/>
+              <a:t>της εξόρυξης διαδικασιών</a:t>
+            </a:r>
+            <a:endParaRPr lang="en-US" dirty="0" smtClean="0"/>
+          </a:p>
+          <a:p>
+            <a:endParaRPr lang="el-GR" dirty="0" smtClean="0"/>
+          </a:p>
+          <a:p>
+            <a:r>
+              <a:rPr lang="el-GR" dirty="0" smtClean="0"/>
+              <a:t>Μελέτη του αλγόριθμου </a:t>
+            </a:r>
+            <a:r>
+              <a:rPr lang="en-US" dirty="0" smtClean="0"/>
+              <a:t>Alpha </a:t>
+            </a:r>
+            <a:r>
+              <a:rPr lang="el-GR" dirty="0" smtClean="0"/>
+              <a:t>και δικτύων </a:t>
+            </a:r>
+            <a:r>
+              <a:rPr lang="en-US" dirty="0" smtClean="0"/>
+              <a:t>Petri</a:t>
+            </a:r>
+          </a:p>
+          <a:p>
+            <a:endParaRPr lang="en-US" dirty="0" smtClean="0"/>
+          </a:p>
+          <a:p>
+            <a:r>
+              <a:rPr lang="el-GR" dirty="0" smtClean="0"/>
+              <a:t>Μελέτη</a:t>
+            </a:r>
+            <a:r>
+              <a:rPr lang="en-US" dirty="0" smtClean="0"/>
               <a:t> </a:t>
             </a:r>
             <a:r>
-              <a:rPr lang="en-US" sz="2400" b="1" dirty="0" err="1" smtClean="0"/>
-              <a:t>caseId</a:t>
-            </a:r>
-            <a:endParaRPr lang="el-GR" sz="2400" b="1" dirty="0" smtClean="0"/>
-          </a:p>
-          <a:p>
-            <a:r>
-              <a:rPr lang="en-US" sz="2400" b="1" dirty="0" smtClean="0"/>
-              <a:t>activity name</a:t>
-            </a:r>
-            <a:endParaRPr lang="el-GR" sz="2400" b="1" dirty="0" smtClean="0"/>
-          </a:p>
-          <a:p>
-            <a:r>
-              <a:rPr lang="en-US" sz="2400" b="1" dirty="0" smtClean="0"/>
-              <a:t>Timestamp</a:t>
-            </a:r>
-            <a:endParaRPr lang="el-GR" sz="2400" b="1" dirty="0" smtClean="0"/>
-          </a:p>
-          <a:p>
-            <a:pPr>
-              <a:buNone/>
-            </a:pPr>
+              <a:rPr lang="el-GR" dirty="0" smtClean="0"/>
+              <a:t>περιβάλλοντος ανάπτυξης εφαρμογών </a:t>
+            </a:r>
+            <a:r>
+              <a:rPr lang="en-US" dirty="0" smtClean="0"/>
+              <a:t>Apache Spark </a:t>
+            </a:r>
+            <a:r>
+              <a:rPr lang="el-GR" dirty="0" smtClean="0"/>
+              <a:t>και γλώσσας προγραμματισμού </a:t>
+            </a:r>
+            <a:r>
+              <a:rPr lang="en-US" dirty="0" err="1" smtClean="0"/>
+              <a:t>Scala</a:t>
+            </a:r>
+            <a:endParaRPr lang="en-US" dirty="0" smtClean="0"/>
+          </a:p>
+          <a:p>
+            <a:endParaRPr lang="el-GR" dirty="0" smtClean="0"/>
+          </a:p>
+          <a:p>
+            <a:r>
+              <a:rPr lang="el-GR" dirty="0" smtClean="0"/>
+              <a:t>Υλοποίηση του αλγόριθμου </a:t>
+            </a:r>
+            <a:r>
+              <a:rPr lang="en-US" dirty="0" smtClean="0"/>
+              <a:t>Alpha </a:t>
+            </a:r>
+            <a:r>
+              <a:rPr lang="el-GR" dirty="0" smtClean="0"/>
+              <a:t>σε περιβάλλον </a:t>
+            </a:r>
+            <a:r>
+              <a:rPr lang="en-US" dirty="0" smtClean="0"/>
+              <a:t>Apache Spark</a:t>
+            </a:r>
+            <a:r>
+              <a:rPr lang="el-GR" dirty="0" smtClean="0"/>
+              <a:t> αλλά και σε απλή </a:t>
+            </a:r>
+            <a:r>
+              <a:rPr lang="en-US" dirty="0" err="1" smtClean="0"/>
+              <a:t>Scala</a:t>
+            </a:r>
+            <a:endParaRPr lang="en-US" dirty="0" smtClean="0"/>
+          </a:p>
+          <a:p>
+            <a:endParaRPr lang="en-US" dirty="0" smtClean="0"/>
+          </a:p>
+          <a:p>
+            <a:r>
+              <a:rPr lang="el-GR" dirty="0" smtClean="0"/>
+              <a:t>Σύγκριση και αξιολόγηση πειραματικών μετρήσεων για διάφορα μεγέθη συστάδας υπολογιστών (</a:t>
+            </a:r>
+            <a:r>
+              <a:rPr lang="en-US" dirty="0" smtClean="0"/>
+              <a:t>cluster</a:t>
+            </a:r>
+            <a:r>
+              <a:rPr lang="el-GR" dirty="0" smtClean="0"/>
+              <a:t>)</a:t>
+            </a:r>
+          </a:p>
+          <a:p>
             <a:endParaRPr lang="el-GR" dirty="0"/>
           </a:p>
         </p:txBody>
       </p:sp>
-      <p:pic>
-        <p:nvPicPr>
-          <p:cNvPr id="5" name="Picture 4" descr="C:\Users\Vlasis\Dropbox\osyl\report\images\img2.png"/>
-          <p:cNvPicPr/>
-          <p:nvPr/>
-        </p:nvPicPr>
-        <p:blipFill>
-          <a:blip r:embed="rId2"/>
-          <a:srcRect/>
-          <a:stretch>
-            <a:fillRect/>
-          </a:stretch>
-        </p:blipFill>
-        <p:spPr bwMode="auto">
-          <a:xfrm>
-            <a:off x="838200" y="2819400"/>
-            <a:ext cx="6553200" cy="3276600"/>
-          </a:xfrm>
-          <a:prstGeom prst="rect">
-            <a:avLst/>
-          </a:prstGeom>
-          <a:noFill/>
-          <a:ln w="9525">
-            <a:noFill/>
-            <a:miter lim="800000"/>
-            <a:headEnd/>
-            <a:tailEnd/>
-          </a:ln>
-        </p:spPr>
-      </p:pic>
     </p:spTree>
   </p:cSld>
   <p:clrMapOvr>
@@ -7051,7 +7947,7 @@
         <p:spPr>
           <a:xfrm>
             <a:off x="914400" y="274638"/>
-            <a:ext cx="7772400" cy="715962"/>
+            <a:ext cx="7772400" cy="639762"/>
           </a:xfrm>
         </p:spPr>
         <p:txBody>
@@ -7063,7 +7959,7 @@
             <a:pPr algn="ctr"/>
             <a:r>
               <a:rPr lang="el-GR" b="1" dirty="0" smtClean="0"/>
-              <a:t>Μοντέλα Διαδικασιών</a:t>
+              <a:t>Εισαγωγή</a:t>
             </a:r>
             <a:endParaRPr lang="el-GR" b="1" dirty="0"/>
           </a:p>
@@ -7081,8 +7977,8 @@
         </p:nvSpPr>
         <p:spPr>
           <a:xfrm>
-            <a:off x="914400" y="1066800"/>
-            <a:ext cx="7772400" cy="4953000"/>
+            <a:off x="533400" y="1066800"/>
+            <a:ext cx="8305800" cy="5486400"/>
           </a:xfrm>
         </p:spPr>
         <p:txBody>
@@ -7093,82 +7989,99 @@
           <a:p>
             <a:r>
               <a:rPr lang="el-GR" dirty="0" smtClean="0"/>
-              <a:t>Αποτέλεσμα του </a:t>
+              <a:t>Τι </a:t>
+            </a:r>
+            <a:r>
+              <a:rPr lang="el-GR" dirty="0" smtClean="0"/>
+              <a:t>είναι</a:t>
+            </a:r>
+            <a:r>
+              <a:rPr lang="en-GB" dirty="0" smtClean="0"/>
+              <a:t> </a:t>
+            </a:r>
+            <a:r>
+              <a:rPr lang="el-GR" dirty="0" smtClean="0"/>
+              <a:t>εξόρυξη διαδικασιών </a:t>
+            </a:r>
+            <a:r>
+              <a:rPr lang="el-GR" dirty="0" smtClean="0"/>
+              <a:t>(</a:t>
+            </a:r>
+            <a:r>
+              <a:rPr lang="en-US" b="1" dirty="0" smtClean="0">
+                <a:latin typeface="Calibri" pitchFamily="34" charset="0"/>
+                <a:cs typeface="Calibri" pitchFamily="34" charset="0"/>
+              </a:rPr>
+              <a:t>process mining </a:t>
+            </a:r>
+            <a:r>
+              <a:rPr lang="el-GR" dirty="0" smtClean="0"/>
+              <a:t>)</a:t>
             </a:r>
             <a:r>
               <a:rPr lang="en-US" dirty="0" smtClean="0"/>
-              <a:t>Process Mining</a:t>
-            </a:r>
+              <a:t>?</a:t>
+            </a:r>
+            <a:endParaRPr lang="el-GR" dirty="0" smtClean="0"/>
           </a:p>
           <a:p>
             <a:pPr>
               <a:buNone/>
             </a:pPr>
             <a:r>
-              <a:rPr lang="en-US" dirty="0" smtClean="0"/>
-              <a:t>Petri Net, BPMN, UML</a:t>
-            </a:r>
-            <a:endParaRPr lang="el-GR" dirty="0" smtClean="0"/>
+              <a:rPr lang="el-GR" sz="2000" dirty="0" smtClean="0"/>
+              <a:t>Μέθοδος για την εξαγωγή μοντέλων </a:t>
+            </a:r>
+            <a:r>
+              <a:rPr lang="el-GR" sz="2000" dirty="0" smtClean="0"/>
+              <a:t>από ένα σύνολο γεγονότων </a:t>
+            </a:r>
+            <a:r>
+              <a:rPr lang="en-GB" sz="2000" dirty="0" smtClean="0"/>
+              <a:t>(</a:t>
+            </a:r>
+            <a:r>
+              <a:rPr lang="en-US" sz="2000" dirty="0" smtClean="0"/>
+              <a:t>event logs)</a:t>
+            </a:r>
+            <a:r>
+              <a:rPr lang="el-GR" sz="2000" dirty="0" smtClean="0"/>
+              <a:t> </a:t>
+            </a:r>
+            <a:r>
+              <a:rPr lang="el-GR" sz="2000" dirty="0" smtClean="0"/>
+              <a:t>που παράγονται από ένα σύστημα πληροφοριών.</a:t>
+            </a:r>
           </a:p>
           <a:p>
             <a:pPr>
               <a:buNone/>
             </a:pPr>
-            <a:endParaRPr lang="en-US" dirty="0" smtClean="0"/>
-          </a:p>
-          <a:p>
-            <a:r>
-              <a:rPr lang="en-US" dirty="0" smtClean="0"/>
-              <a:t>Petri Net</a:t>
+            <a:r>
+              <a:rPr lang="el-GR" sz="2000" dirty="0" smtClean="0"/>
+              <a:t>Δεν υπάρχει αρχικό μοντέλο</a:t>
             </a:r>
           </a:p>
           <a:p>
             <a:pPr>
               <a:buNone/>
             </a:pPr>
-            <a:r>
-              <a:rPr lang="el-GR" sz="2000" dirty="0" smtClean="0"/>
-              <a:t>Μεγάλη γκάμα συμπεριφορών όπως ακολουθίες (</a:t>
-            </a:r>
-            <a:r>
-              <a:rPr lang="en-US" sz="2000" b="1" dirty="0" smtClean="0"/>
-              <a:t>sequences</a:t>
-            </a:r>
-            <a:r>
-              <a:rPr lang="el-GR" sz="2000" dirty="0" smtClean="0"/>
-              <a:t>), παραλληλισμό (</a:t>
-            </a:r>
-            <a:r>
-              <a:rPr lang="en-US" sz="2000" b="1" dirty="0" smtClean="0"/>
-              <a:t>concurrency</a:t>
-            </a:r>
-            <a:r>
-              <a:rPr lang="el-GR" sz="2000" dirty="0" smtClean="0"/>
-              <a:t>), επιλογές (</a:t>
-            </a:r>
-            <a:r>
-              <a:rPr lang="en-US" sz="2000" b="1" dirty="0" smtClean="0"/>
-              <a:t>choices</a:t>
-            </a:r>
-            <a:r>
-              <a:rPr lang="el-GR" sz="2000" dirty="0" smtClean="0"/>
-              <a:t>) και επαναλήψεις (</a:t>
-            </a:r>
-            <a:r>
-              <a:rPr lang="en-US" sz="2000" b="1" dirty="0" smtClean="0"/>
-              <a:t>loops</a:t>
-            </a:r>
-            <a:r>
-              <a:rPr lang="el-GR" sz="2000" dirty="0" smtClean="0"/>
-              <a:t>).</a:t>
-            </a:r>
-            <a:endParaRPr lang="en-US" sz="2000" dirty="0" smtClean="0"/>
+            <a:endParaRPr lang="el-GR" sz="2000" dirty="0" smtClean="0"/>
+          </a:p>
+          <a:p>
+            <a:r>
+              <a:rPr lang="el-GR" b="1" dirty="0" smtClean="0"/>
+              <a:t>Σκοπός </a:t>
+            </a:r>
           </a:p>
           <a:p>
             <a:pPr>
               <a:buNone/>
             </a:pPr>
-            <a:endParaRPr lang="en-US" sz="2000" dirty="0" smtClean="0"/>
+            <a:r>
+              <a:rPr lang="el-GR" sz="2000" dirty="0" smtClean="0"/>
+              <a:t>Η κατανόηση αλλά και η βελτίωση της απόδοσης των διαδικασιών μιας επιχείρησης.</a:t>
+            </a:r>
           </a:p>
           <a:p>
             <a:pPr>
@@ -7176,50 +8089,25 @@
             </a:pPr>
             <a:r>
               <a:rPr lang="el-GR" sz="2000" dirty="0" smtClean="0"/>
-              <a:t>Αποτελείται από κύκλους (</a:t>
-            </a:r>
-            <a:r>
-              <a:rPr lang="en-US" sz="2000" b="1" dirty="0" smtClean="0"/>
-              <a:t>places/states p1 </a:t>
-            </a:r>
-            <a:r>
-              <a:rPr lang="el-GR" sz="2000" dirty="0" smtClean="0"/>
-              <a:t>και</a:t>
-            </a:r>
-            <a:r>
-              <a:rPr lang="en-US" sz="2000" b="1" dirty="0" smtClean="0"/>
-              <a:t> p2</a:t>
-            </a:r>
-            <a:r>
-              <a:rPr lang="el-GR" sz="2000" dirty="0" smtClean="0"/>
-              <a:t>) και τετράγωνα (</a:t>
-            </a:r>
-            <a:r>
-              <a:rPr lang="el-GR" sz="2000" b="1" dirty="0" smtClean="0"/>
-              <a:t>μεταβάσεις </a:t>
-            </a:r>
-            <a:r>
-              <a:rPr lang="en-US" sz="2000" b="1" dirty="0" smtClean="0"/>
-              <a:t> t1</a:t>
-            </a:r>
-            <a:r>
-              <a:rPr lang="el-GR" sz="2000" dirty="0" smtClean="0"/>
-              <a:t>)</a:t>
-            </a:r>
-            <a:r>
-              <a:rPr lang="en-US" sz="2000" dirty="0" smtClean="0"/>
-              <a:t> </a:t>
-            </a:r>
-            <a:r>
-              <a:rPr lang="el-GR" sz="2000" dirty="0" smtClean="0"/>
-              <a:t>. </a:t>
+              <a:t>Ανακάλυψη μη-επιθυμητών διαδικασιών που ακολουθούνται στην πραγματικότητα</a:t>
             </a:r>
           </a:p>
           <a:p>
             <a:pPr>
               <a:buNone/>
             </a:pPr>
-            <a:endParaRPr lang="en-US" sz="2000" dirty="0" smtClean="0"/>
+            <a:r>
+              <a:rPr lang="el-GR" sz="2000" dirty="0" smtClean="0"/>
+              <a:t>Παραγωγή μοντέλων συμπεριφοράς </a:t>
+            </a:r>
+            <a:r>
+              <a:rPr lang="el-GR" sz="2000" dirty="0" smtClean="0"/>
+              <a:t>της </a:t>
+            </a:r>
+            <a:r>
+              <a:rPr lang="el-GR" sz="2000" dirty="0" smtClean="0"/>
+              <a:t>λειτουργίας των επιχειρήσεων.</a:t>
+            </a:r>
           </a:p>
           <a:p>
             <a:pPr>
@@ -7227,91 +8115,32 @@
             </a:pPr>
             <a:r>
               <a:rPr lang="el-GR" sz="2000" dirty="0" smtClean="0"/>
-              <a:t>Ορίζεται σαν μια τριάδα </a:t>
-            </a:r>
-            <a:r>
-              <a:rPr lang="en-US" sz="2000" dirty="0" smtClean="0"/>
-              <a:t>(P, T, F) </a:t>
+              <a:t>Παροχή </a:t>
+            </a:r>
+            <a:r>
+              <a:rPr lang="el-GR" sz="2000" b="1" dirty="0" smtClean="0"/>
+              <a:t>απαραίτητων εργαλείων</a:t>
             </a:r>
             <a:r>
               <a:rPr lang="el-GR" sz="2000" dirty="0" smtClean="0"/>
-              <a:t>όπου </a:t>
-            </a:r>
-            <a:r>
-              <a:rPr lang="en-US" sz="2000" dirty="0" smtClean="0"/>
-              <a:t>P </a:t>
-            </a:r>
-            <a:r>
-              <a:rPr lang="el-GR" sz="2000" dirty="0" smtClean="0"/>
-              <a:t>το σύνολο των </a:t>
-            </a:r>
-            <a:r>
-              <a:rPr lang="en-US" sz="2000" dirty="0" smtClean="0"/>
-              <a:t>places, T</a:t>
-            </a:r>
-            <a:r>
-              <a:rPr lang="el-GR" sz="2000" dirty="0" smtClean="0"/>
-              <a:t> το σύνολο των </a:t>
-            </a:r>
-            <a:r>
-              <a:rPr lang="en-US" sz="2000" dirty="0" smtClean="0"/>
-              <a:t>transitions </a:t>
-            </a:r>
-            <a:r>
-              <a:rPr lang="el-GR" sz="2000" dirty="0" smtClean="0"/>
-              <a:t>και</a:t>
-            </a:r>
-            <a:r>
-              <a:rPr lang="en-US" sz="2000" dirty="0" smtClean="0"/>
-              <a:t> F</a:t>
-            </a:r>
-            <a:r>
-              <a:rPr lang="el-GR" sz="2000" dirty="0" smtClean="0"/>
-              <a:t> το σύνολο των ακμών.</a:t>
-            </a:r>
-            <a:r>
-              <a:rPr lang="en-US" sz="2000" dirty="0" smtClean="0"/>
-              <a:t> </a:t>
-            </a:r>
+              <a:t> για την ανάλυση πραγματικών συμπεριφορών</a:t>
+            </a:r>
+            <a:endParaRPr lang="en-US" sz="2000" dirty="0" smtClean="0"/>
           </a:p>
           <a:p>
             <a:pPr>
               <a:buNone/>
             </a:pPr>
-            <a:endParaRPr lang="el-GR" sz="2000" b="1" dirty="0"/>
-          </a:p>
-        </p:txBody>
-      </p:sp>
-      <p:pic>
-        <p:nvPicPr>
-          <p:cNvPr id="4" name="Picture 3" descr="C:\Users\Vlasis\Dropbox\osyl\report\images\img7.png"/>
-          <p:cNvPicPr/>
-          <p:nvPr/>
-        </p:nvPicPr>
-        <p:blipFill>
-          <a:blip r:embed="rId2"/>
-          <a:srcRect/>
-          <a:stretch>
-            <a:fillRect/>
-          </a:stretch>
-        </p:blipFill>
-        <p:spPr bwMode="auto">
-          <a:xfrm>
-            <a:off x="4724400" y="1676400"/>
-            <a:ext cx="3124200" cy="914400"/>
-          </a:xfrm>
-          <a:prstGeom prst="rect">
-            <a:avLst/>
-          </a:prstGeom>
-          <a:noFill/>
-          <a:ln w="9525">
-            <a:noFill/>
-            <a:miter lim="800000"/>
-            <a:headEnd/>
-            <a:tailEnd/>
-          </a:ln>
-        </p:spPr>
-      </p:pic>
+            <a:r>
+              <a:rPr lang="el-GR" sz="2000" dirty="0" smtClean="0"/>
+              <a:t>Πρόταση λύσεων για την επίτευξη βέλτιστης λειτουργίας και αφαίρεση προβληματικών γεγονότων</a:t>
+            </a:r>
+          </a:p>
+          <a:p>
+            <a:endParaRPr lang="el-GR" sz="2000" dirty="0"/>
+          </a:p>
+        </p:txBody>
+      </p:sp>
     </p:spTree>
   </p:cSld>
   <p:clrMapOvr>
@@ -7350,19 +8179,31 @@
         <p:spPr>
           <a:xfrm>
             <a:off x="914400" y="274638"/>
-            <a:ext cx="7772400" cy="792162"/>
+            <a:ext cx="7772400" cy="639762"/>
           </a:xfrm>
         </p:spPr>
         <p:txBody>
           <a:bodyPr>
-            <a:normAutofit/>
+            <a:normAutofit fontScale="90000"/>
           </a:bodyPr>
           <a:lstStyle/>
           <a:p>
             <a:pPr algn="ctr"/>
             <a:r>
+              <a:rPr lang="el-GR" b="1" dirty="0" smtClean="0"/>
+              <a:t>Δομή των </a:t>
+            </a:r>
+            <a:r>
+              <a:rPr lang="el-GR" b="1" dirty="0" smtClean="0"/>
+              <a:t>γεγονότων (</a:t>
+            </a:r>
+            <a:r>
               <a:rPr lang="en-US" b="1" dirty="0" smtClean="0"/>
-              <a:t>Alpha Algorithm</a:t>
+              <a:t>event</a:t>
+            </a:r>
+            <a:r>
+              <a:rPr lang="el-GR" b="1" dirty="0" smtClean="0"/>
+              <a:t>)</a:t>
             </a:r>
             <a:endParaRPr lang="el-GR" b="1" dirty="0"/>
           </a:p>
@@ -7380,404 +8221,63 @@
         </p:nvSpPr>
         <p:spPr>
           <a:xfrm>
-            <a:off x="533400" y="1066800"/>
-            <a:ext cx="8153400" cy="5410200"/>
+            <a:off x="914400" y="990600"/>
+            <a:ext cx="7772400" cy="5029200"/>
           </a:xfrm>
         </p:spPr>
         <p:txBody>
           <a:bodyPr/>
           <a:lstStyle/>
-          <a:p>
-            <a:r>
-              <a:rPr lang="el-GR" sz="2400" dirty="0" smtClean="0"/>
-              <a:t>Αλγόριθμος εύρεσης διαδικασιών</a:t>
-            </a:r>
-          </a:p>
           <a:p>
             <a:pPr>
               <a:buNone/>
             </a:pPr>
             <a:r>
-              <a:rPr lang="el-GR" sz="2000" dirty="0" smtClean="0"/>
-              <a:t>Διαβάζει </a:t>
-            </a:r>
-            <a:r>
-              <a:rPr lang="en-US" sz="2000" dirty="0" smtClean="0"/>
-              <a:t>event log</a:t>
-            </a:r>
+              <a:rPr lang="el-GR" sz="2400" dirty="0" smtClean="0"/>
+              <a:t>Συγκεκριμένη δομή με σίγουρη </a:t>
+            </a:r>
+            <a:r>
+              <a:rPr lang="el-GR" sz="2400" b="1" dirty="0" smtClean="0"/>
+              <a:t>ύπαρξη των ιδιοτήτων</a:t>
+            </a:r>
+          </a:p>
+          <a:p>
+            <a:r>
+              <a:rPr lang="el-GR" sz="2400" dirty="0" smtClean="0"/>
+              <a:t> </a:t>
+            </a:r>
+            <a:r>
+              <a:rPr lang="en-US" sz="2400" b="1" dirty="0" err="1" smtClean="0"/>
+              <a:t>caseId</a:t>
+            </a:r>
+            <a:endParaRPr lang="el-GR" sz="2400" b="1" dirty="0" smtClean="0"/>
+          </a:p>
+          <a:p>
+            <a:r>
+              <a:rPr lang="en-US" sz="2400" b="1" dirty="0" smtClean="0"/>
+              <a:t>activity name</a:t>
+            </a:r>
+            <a:endParaRPr lang="el-GR" sz="2400" b="1" dirty="0" smtClean="0"/>
+          </a:p>
+          <a:p>
+            <a:r>
+              <a:rPr lang="en-US" sz="2400" b="1" dirty="0" smtClean="0"/>
+              <a:t>Timestamp</a:t>
+            </a:r>
+            <a:endParaRPr lang="el-GR" sz="2400" b="1" dirty="0" smtClean="0"/>
           </a:p>
           <a:p>
             <a:pPr>
               <a:buNone/>
             </a:pPr>
-            <a:r>
-              <a:rPr lang="el-GR" sz="2000" dirty="0" smtClean="0"/>
-              <a:t>Παράγει ένα γράφημα (παράδειγμα </a:t>
-            </a:r>
-            <a:r>
-              <a:rPr lang="en-US" sz="2000" dirty="0" smtClean="0"/>
-              <a:t>Petri net</a:t>
-            </a:r>
-            <a:r>
-              <a:rPr lang="el-GR" sz="2000" dirty="0" smtClean="0"/>
-              <a:t>)</a:t>
-            </a:r>
-          </a:p>
-          <a:p>
-            <a:pPr>
-              <a:buNone/>
-            </a:pPr>
-            <a:r>
-              <a:rPr lang="el-GR" sz="2000" dirty="0" smtClean="0"/>
-              <a:t>Δεν εξετάζει συχνότητες των δεδομένων, αλλά ακολουθίες από </a:t>
-            </a:r>
-            <a:r>
-              <a:rPr lang="en-US" sz="2000" dirty="0" smtClean="0"/>
-              <a:t>events</a:t>
-            </a:r>
-            <a:endParaRPr lang="el-GR" sz="2000" dirty="0" smtClean="0"/>
-          </a:p>
-          <a:p>
-            <a:pPr>
-              <a:buNone/>
-            </a:pPr>
-            <a:endParaRPr lang="en-US" dirty="0" smtClean="0"/>
-          </a:p>
-          <a:p>
-            <a:r>
-              <a:rPr lang="el-GR" dirty="0" smtClean="0"/>
-              <a:t>Ψάχνει σχέσεις ταξινόμησης (</a:t>
-            </a:r>
-            <a:r>
-              <a:rPr lang="en-US" b="1" dirty="0" smtClean="0"/>
-              <a:t>footprint graph</a:t>
-            </a:r>
-            <a:r>
-              <a:rPr lang="el-GR" dirty="0" smtClean="0"/>
-              <a:t>)</a:t>
-            </a:r>
-          </a:p>
-          <a:p>
-            <a:pPr lvl="0">
-              <a:buFont typeface="Wingdings" pitchFamily="2" charset="2"/>
-              <a:buChar char="q"/>
-            </a:pPr>
-            <a:r>
-              <a:rPr lang="en-US" sz="2000" b="1" dirty="0" smtClean="0"/>
-              <a:t>Direct succession</a:t>
-            </a:r>
-            <a:r>
-              <a:rPr lang="en-GB" sz="2000" b="1" dirty="0" smtClean="0"/>
-              <a:t> (</a:t>
-            </a:r>
-            <a:r>
-              <a:rPr lang="en-US" sz="2000" b="1" dirty="0" smtClean="0"/>
-              <a:t>x&gt;y</a:t>
-            </a:r>
-            <a:r>
-              <a:rPr lang="en-GB" sz="2000" b="1" dirty="0" smtClean="0"/>
-              <a:t>) </a:t>
-            </a:r>
-            <a:r>
-              <a:rPr lang="el-GR" sz="2000" dirty="0" smtClean="0"/>
-              <a:t>Υπάρχουν </a:t>
-            </a:r>
-            <a:r>
-              <a:rPr lang="en-US" sz="2000" dirty="0" smtClean="0"/>
-              <a:t>sub-traces …</a:t>
-            </a:r>
-            <a:r>
-              <a:rPr lang="en-GB" sz="2000" dirty="0" err="1" smtClean="0"/>
-              <a:t>xy</a:t>
-            </a:r>
-            <a:r>
-              <a:rPr lang="en-GB" sz="2000" dirty="0" smtClean="0"/>
-              <a:t>….</a:t>
-            </a:r>
-            <a:r>
-              <a:rPr lang="el-GR" sz="2000" dirty="0" smtClean="0"/>
-              <a:t> (παράδειγμα </a:t>
-            </a:r>
-            <a:r>
-              <a:rPr lang="en-US" sz="2000" dirty="0" smtClean="0"/>
-              <a:t>a&gt;b , a&gt;c , a&gt;e </a:t>
-            </a:r>
-            <a:r>
-              <a:rPr lang="el-GR" sz="2000" dirty="0" smtClean="0"/>
-              <a:t>)</a:t>
-            </a:r>
-          </a:p>
-          <a:p>
-            <a:pPr lvl="0">
-              <a:buFont typeface="Wingdings" pitchFamily="2" charset="2"/>
-              <a:buChar char="q"/>
-            </a:pPr>
-            <a:r>
-              <a:rPr lang="en-US" sz="2000" b="1" dirty="0" smtClean="0"/>
-              <a:t>Causality (x-&gt;y) </a:t>
-            </a:r>
-            <a:r>
-              <a:rPr lang="el-GR" sz="2000" dirty="0" smtClean="0"/>
-              <a:t>Υπάρχουν</a:t>
-            </a:r>
-            <a:r>
-              <a:rPr lang="el-GR" sz="2000" b="1" dirty="0" smtClean="0"/>
-              <a:t> </a:t>
-            </a:r>
-            <a:r>
-              <a:rPr lang="en-US" sz="2000" dirty="0" smtClean="0"/>
-              <a:t>sub-traces  …</a:t>
-            </a:r>
-            <a:r>
-              <a:rPr lang="en-GB" sz="2000" dirty="0" err="1" smtClean="0"/>
-              <a:t>xy</a:t>
-            </a:r>
-            <a:r>
-              <a:rPr lang="en-GB" sz="2000" dirty="0" smtClean="0"/>
-              <a:t>…. </a:t>
-            </a:r>
-            <a:r>
-              <a:rPr lang="el-GR" sz="2000" dirty="0" smtClean="0"/>
-              <a:t>Αλλά όχι </a:t>
-            </a:r>
-            <a:r>
-              <a:rPr lang="en-US" sz="2000" dirty="0" smtClean="0"/>
-              <a:t> …</a:t>
-            </a:r>
-            <a:r>
-              <a:rPr lang="en-GB" sz="2000" dirty="0" err="1" smtClean="0"/>
-              <a:t>yx</a:t>
-            </a:r>
-            <a:r>
-              <a:rPr lang="en-GB" sz="2000" dirty="0" smtClean="0"/>
-              <a:t>….</a:t>
-            </a:r>
-            <a:r>
-              <a:rPr lang="el-GR" sz="2000" dirty="0" smtClean="0"/>
-              <a:t> (παράδειγμα </a:t>
-            </a:r>
-            <a:r>
-              <a:rPr lang="en-US" sz="2000" dirty="0" smtClean="0"/>
-              <a:t>a-&gt;b, a-&gt;c, a-&gt;e</a:t>
-            </a:r>
-            <a:r>
-              <a:rPr lang="el-GR" sz="2000" dirty="0" smtClean="0"/>
-              <a:t>)</a:t>
-            </a:r>
-          </a:p>
-          <a:p>
-            <a:pPr lvl="0">
-              <a:buFont typeface="Wingdings" pitchFamily="2" charset="2"/>
-              <a:buChar char="q"/>
-            </a:pPr>
-            <a:r>
-              <a:rPr lang="en-GB" sz="2000" b="1" dirty="0" smtClean="0"/>
-              <a:t>Parallel (</a:t>
-            </a:r>
-            <a:r>
-              <a:rPr lang="en-US" sz="2000" b="1" dirty="0" smtClean="0"/>
-              <a:t>x</a:t>
-            </a:r>
-            <a:r>
-              <a:rPr lang="en-GB" sz="2000" b="1" dirty="0" smtClean="0"/>
-              <a:t>||</a:t>
-            </a:r>
-            <a:r>
-              <a:rPr lang="en-US" sz="2000" b="1" dirty="0" smtClean="0"/>
-              <a:t>y</a:t>
-            </a:r>
-            <a:r>
-              <a:rPr lang="en-GB" sz="2000" b="1" dirty="0" smtClean="0"/>
-              <a:t>) </a:t>
-            </a:r>
-            <a:r>
-              <a:rPr lang="el-GR" sz="2000" dirty="0" smtClean="0"/>
-              <a:t>Υπάρχουν</a:t>
-            </a:r>
-            <a:r>
-              <a:rPr lang="el-GR" sz="2000" b="1" dirty="0" smtClean="0"/>
-              <a:t> </a:t>
-            </a:r>
-            <a:r>
-              <a:rPr lang="en-US" sz="2000" dirty="0" smtClean="0"/>
-              <a:t>sub-traces …</a:t>
-            </a:r>
-            <a:r>
-              <a:rPr lang="en-GB" sz="2000" dirty="0" err="1" smtClean="0"/>
-              <a:t>xy</a:t>
-            </a:r>
-            <a:r>
-              <a:rPr lang="en-GB" sz="2000" dirty="0" smtClean="0"/>
-              <a:t>…. </a:t>
-            </a:r>
-            <a:r>
-              <a:rPr lang="el-GR" sz="2000" dirty="0" smtClean="0"/>
-              <a:t>και </a:t>
-            </a:r>
-            <a:r>
-              <a:rPr lang="en-US" sz="2000" dirty="0" smtClean="0"/>
-              <a:t> …</a:t>
-            </a:r>
-            <a:r>
-              <a:rPr lang="en-GB" sz="2000" dirty="0" err="1" smtClean="0"/>
-              <a:t>yx</a:t>
-            </a:r>
-            <a:r>
-              <a:rPr lang="en-GB" sz="2000" dirty="0" smtClean="0"/>
-              <a:t>…. (</a:t>
-            </a:r>
-            <a:r>
-              <a:rPr lang="el-GR" sz="2000" dirty="0" smtClean="0"/>
-              <a:t>παράδειγμα </a:t>
-            </a:r>
-            <a:r>
-              <a:rPr lang="en-US" sz="2000" dirty="0" smtClean="0"/>
-              <a:t> b</a:t>
-            </a:r>
-            <a:r>
-              <a:rPr lang="el-GR" sz="2000" dirty="0" smtClean="0"/>
-              <a:t>||</a:t>
-            </a:r>
-            <a:r>
-              <a:rPr lang="en-US" sz="2000" dirty="0" smtClean="0"/>
-              <a:t>c</a:t>
-            </a:r>
-            <a:r>
-              <a:rPr lang="el-GR" sz="2000" dirty="0" smtClean="0"/>
-              <a:t> , </a:t>
-            </a:r>
-            <a:r>
-              <a:rPr lang="en-US" sz="2000" dirty="0" smtClean="0"/>
-              <a:t>c</a:t>
-            </a:r>
-            <a:r>
-              <a:rPr lang="el-GR" sz="2000" dirty="0" smtClean="0"/>
-              <a:t>||</a:t>
-            </a:r>
-            <a:r>
-              <a:rPr lang="en-US" sz="2000" dirty="0" smtClean="0"/>
-              <a:t>b</a:t>
-            </a:r>
-            <a:r>
-              <a:rPr lang="en-GB" sz="2000" dirty="0" smtClean="0"/>
-              <a:t>)</a:t>
-            </a:r>
-            <a:endParaRPr lang="el-GR" sz="2000" dirty="0" smtClean="0"/>
-          </a:p>
-          <a:p>
-            <a:pPr lvl="0">
-              <a:buFont typeface="Wingdings" pitchFamily="2" charset="2"/>
-              <a:buChar char="q"/>
-            </a:pPr>
-            <a:r>
-              <a:rPr lang="en-US" sz="2000" b="1" dirty="0" smtClean="0"/>
-              <a:t>Choice- exclusiveness </a:t>
-            </a:r>
-            <a:r>
-              <a:rPr lang="en-GB" sz="2000" dirty="0" smtClean="0"/>
-              <a:t>(</a:t>
-            </a:r>
-            <a:r>
-              <a:rPr lang="en-US" sz="2000" b="1" dirty="0" smtClean="0"/>
-              <a:t>x</a:t>
-            </a:r>
-            <a:r>
-              <a:rPr lang="en-GB" sz="2000" b="1" dirty="0" smtClean="0"/>
-              <a:t>#</a:t>
-            </a:r>
-            <a:r>
-              <a:rPr lang="en-US" sz="2000" b="1" dirty="0" smtClean="0"/>
-              <a:t>y</a:t>
-            </a:r>
-            <a:r>
-              <a:rPr lang="en-GB" sz="2000" dirty="0" smtClean="0"/>
-              <a:t>) </a:t>
-            </a:r>
-            <a:r>
-              <a:rPr lang="el-GR" sz="2000" dirty="0" smtClean="0"/>
-              <a:t>Δεν υπάρχουν</a:t>
-            </a:r>
-            <a:r>
-              <a:rPr lang="el-GR" sz="2000" b="1" dirty="0" smtClean="0"/>
-              <a:t> </a:t>
-            </a:r>
-            <a:r>
-              <a:rPr lang="en-US" sz="2000" dirty="0" smtClean="0"/>
-              <a:t>sub</a:t>
-            </a:r>
-            <a:r>
-              <a:rPr lang="en-GB" sz="2000" dirty="0" smtClean="0"/>
-              <a:t>-</a:t>
-            </a:r>
-            <a:r>
-              <a:rPr lang="en-US" sz="2000" dirty="0" smtClean="0"/>
-              <a:t>traces</a:t>
-            </a:r>
-            <a:r>
-              <a:rPr lang="en-GB" sz="2000" dirty="0" smtClean="0"/>
-              <a:t> …</a:t>
-            </a:r>
-            <a:r>
-              <a:rPr lang="en-GB" sz="2000" dirty="0" err="1" smtClean="0"/>
-              <a:t>xy</a:t>
-            </a:r>
-            <a:r>
-              <a:rPr lang="en-GB" sz="2000" dirty="0" smtClean="0"/>
-              <a:t>…. </a:t>
-            </a:r>
-            <a:r>
-              <a:rPr lang="el-GR" sz="2000" dirty="0" smtClean="0"/>
-              <a:t>ούτε και …</a:t>
-            </a:r>
-            <a:r>
-              <a:rPr lang="en-GB" sz="2000" dirty="0" err="1" smtClean="0"/>
-              <a:t>yx</a:t>
-            </a:r>
-            <a:r>
-              <a:rPr lang="el-GR" sz="2000" dirty="0" smtClean="0"/>
-              <a:t>….</a:t>
-            </a:r>
-            <a:r>
-              <a:rPr lang="en-US" sz="2000" dirty="0" smtClean="0"/>
-              <a:t> (</a:t>
-            </a:r>
-            <a:r>
-              <a:rPr lang="el-GR" sz="2000" dirty="0" smtClean="0"/>
-              <a:t>παράδειγμα </a:t>
-            </a:r>
-            <a:r>
-              <a:rPr lang="en-US" sz="2000" dirty="0" smtClean="0"/>
-              <a:t>a</a:t>
-            </a:r>
-            <a:r>
-              <a:rPr lang="el-GR" sz="2000" dirty="0" smtClean="0"/>
-              <a:t>#</a:t>
-            </a:r>
-            <a:r>
-              <a:rPr lang="en-US" sz="2000" dirty="0" smtClean="0"/>
-              <a:t>d, </a:t>
-            </a:r>
-            <a:r>
-              <a:rPr lang="en-US" sz="2000" dirty="0" err="1" smtClean="0"/>
-              <a:t>b#e</a:t>
-            </a:r>
-            <a:r>
-              <a:rPr lang="en-US" sz="2000" dirty="0" smtClean="0"/>
-              <a:t>)</a:t>
-            </a:r>
-            <a:endParaRPr lang="el-GR" sz="2000" dirty="0" smtClean="0"/>
-          </a:p>
-          <a:p>
-            <a:endParaRPr lang="el-GR" dirty="0" smtClean="0"/>
+            <a:endParaRPr lang="el-GR" dirty="0"/>
           </a:p>
         </p:txBody>
       </p:sp>
       <p:pic>
         <p:nvPicPr>
-          <p:cNvPr id="1028" name="Picture 4"/>
-          <p:cNvPicPr>
-            <a:picLocks noChangeAspect="1" noChangeArrowheads="1"/>
-          </p:cNvPicPr>
+          <p:cNvPr id="5" name="Picture 4" descr="C:\Users\Vlasis\Dropbox\osyl\report\images\img2.png"/>
+          <p:cNvPicPr/>
           <p:nvPr/>
         </p:nvPicPr>
         <p:blipFill>
@@ -7789,8 +8289,8 @@
         </p:blipFill>
         <p:spPr bwMode="auto">
           <a:xfrm>
-            <a:off x="3200400" y="1524000"/>
-            <a:ext cx="5343525" cy="447675"/>
+            <a:off x="838200" y="2819400"/>
+            <a:ext cx="6553200" cy="3276600"/>
           </a:xfrm>
           <a:prstGeom prst="rect">
             <a:avLst/>
@@ -7802,7 +8302,6 @@
             <a:headEnd/>
             <a:tailEnd/>
           </a:ln>
-          <a:effectLst/>
         </p:spPr>
       </p:pic>
     </p:spTree>
@@ -7810,6 +8309,13 @@
   <p:clrMapOvr>
     <a:masterClrMapping/>
   </p:clrMapOvr>
+  <p:timing>
+    <p:tnLst>
+      <p:par>
+        <p:cTn id="1" dur="indefinite" restart="never" nodeType="tmRoot"/>
+      </p:par>
+    </p:tnLst>
+  </p:timing>
 </p:sld>
 </file>
 
@@ -7843,7 +8349,7 @@
         <p:spPr>
           <a:xfrm>
             <a:off x="914400" y="274638"/>
-            <a:ext cx="7772400" cy="639762"/>
+            <a:ext cx="7772400" cy="715962"/>
           </a:xfrm>
         </p:spPr>
         <p:txBody>
@@ -7854,12 +8360,8 @@
           <a:p>
             <a:pPr algn="ctr"/>
             <a:r>
-              <a:rPr lang="en-US" b="1" dirty="0" smtClean="0"/>
-              <a:t>Alpha Algorithm – </a:t>
-            </a:r>
-            <a:r>
               <a:rPr lang="el-GR" b="1" dirty="0" smtClean="0"/>
-              <a:t>Δομικά Στοιχεία</a:t>
+              <a:t>Μοντέλα Διαδικασιών</a:t>
             </a:r>
             <a:endParaRPr lang="el-GR" b="1" dirty="0"/>
           </a:p>
@@ -7877,169 +8379,232 @@
         </p:nvSpPr>
         <p:spPr>
           <a:xfrm>
-            <a:off x="533400" y="914400"/>
-            <a:ext cx="8153400" cy="5562600"/>
-          </a:xfrm>
-        </p:spPr>
-        <p:txBody>
-          <a:bodyPr/>
-          <a:lstStyle/>
-          <a:p>
-            <a:r>
-              <a:rPr lang="en-US" sz="2400" b="1" dirty="0" smtClean="0"/>
-              <a:t>Causality pattern (a-&gt;b)</a:t>
-            </a:r>
-            <a:endParaRPr lang="el-GR" sz="2400" b="1" dirty="0" smtClean="0"/>
-          </a:p>
-          <a:p>
-            <a:endParaRPr lang="el-GR" b="1" dirty="0" smtClean="0"/>
-          </a:p>
-          <a:p>
-            <a:r>
-              <a:rPr lang="en-US" sz="2400" b="1" dirty="0" smtClean="0"/>
-              <a:t>XOR</a:t>
-            </a:r>
-            <a:r>
-              <a:rPr lang="el-GR" sz="2400" b="1" dirty="0" smtClean="0"/>
-              <a:t>-</a:t>
-            </a:r>
-            <a:r>
-              <a:rPr lang="en-US" sz="2400" b="1" dirty="0" smtClean="0"/>
-              <a:t>split pattern</a:t>
-            </a:r>
-            <a:r>
-              <a:rPr lang="el-GR" sz="2400" b="1" dirty="0" smtClean="0"/>
-              <a:t>  (</a:t>
-            </a:r>
-            <a:r>
-              <a:rPr lang="en-US" sz="2400" b="1" dirty="0" smtClean="0"/>
-              <a:t>a</a:t>
-            </a:r>
-            <a:r>
-              <a:rPr lang="el-GR" sz="2400" b="1" dirty="0" smtClean="0"/>
-              <a:t>-&gt;</a:t>
-            </a:r>
-            <a:r>
-              <a:rPr lang="en-US" sz="2400" b="1" dirty="0" smtClean="0"/>
-              <a:t>b</a:t>
-            </a:r>
-            <a:r>
-              <a:rPr lang="el-GR" sz="2400" b="1" dirty="0" smtClean="0"/>
-              <a:t> , </a:t>
-            </a:r>
-            <a:r>
-              <a:rPr lang="en-US" sz="2400" b="1" dirty="0" smtClean="0"/>
-              <a:t>a</a:t>
-            </a:r>
-            <a:r>
-              <a:rPr lang="el-GR" sz="2400" b="1" dirty="0" smtClean="0"/>
-              <a:t>-&gt;</a:t>
-            </a:r>
-            <a:r>
-              <a:rPr lang="en-US" sz="2400" b="1" dirty="0" smtClean="0"/>
-              <a:t>c</a:t>
-            </a:r>
-            <a:r>
-              <a:rPr lang="el-GR" sz="2400" b="1" dirty="0" smtClean="0"/>
-              <a:t> , </a:t>
-            </a:r>
-            <a:r>
-              <a:rPr lang="en-US" sz="2400" b="1" dirty="0" smtClean="0"/>
-              <a:t>b</a:t>
-            </a:r>
-            <a:r>
-              <a:rPr lang="el-GR" sz="2400" b="1" dirty="0" smtClean="0"/>
-              <a:t>#</a:t>
-            </a:r>
-            <a:r>
-              <a:rPr lang="en-US" sz="2400" b="1" dirty="0" smtClean="0"/>
-              <a:t>c</a:t>
-            </a:r>
-            <a:r>
-              <a:rPr lang="el-GR" sz="2400" b="1" dirty="0" smtClean="0"/>
-              <a:t>)</a:t>
-            </a:r>
+            <a:off x="914400" y="1066800"/>
+            <a:ext cx="7772400" cy="4953000"/>
+          </a:xfrm>
+        </p:spPr>
+        <p:txBody>
+          <a:bodyPr>
+            <a:normAutofit lnSpcReduction="10000"/>
+          </a:bodyPr>
+          <a:lstStyle/>
+          <a:p>
+            <a:r>
+              <a:rPr lang="el-GR" dirty="0" smtClean="0"/>
+              <a:t>Αποτέλεσμα </a:t>
+            </a:r>
+            <a:r>
+              <a:rPr lang="el-GR" dirty="0" smtClean="0"/>
+              <a:t>ενός αλγορίθμου εξόρυξης διαδικασιών</a:t>
+            </a:r>
+            <a:endParaRPr lang="en-US" dirty="0" smtClean="0"/>
           </a:p>
           <a:p>
             <a:pPr>
               <a:buNone/>
             </a:pPr>
             <a:r>
-              <a:rPr lang="el-GR" sz="2000" dirty="0" smtClean="0"/>
-              <a:t>Επιλογή μεταξύ </a:t>
-            </a:r>
-            <a:r>
-              <a:rPr lang="en-US" sz="2000" b="1" dirty="0" smtClean="0"/>
-              <a:t>b </a:t>
-            </a:r>
-            <a:r>
-              <a:rPr lang="el-GR" sz="2000" dirty="0" smtClean="0"/>
-              <a:t>και</a:t>
-            </a:r>
-            <a:r>
-              <a:rPr lang="en-US" sz="2000" b="1" dirty="0" smtClean="0"/>
-              <a:t> c</a:t>
-            </a:r>
-            <a:endParaRPr lang="el-GR" sz="2000" b="1" dirty="0" smtClean="0"/>
+              <a:rPr lang="en-US" dirty="0" smtClean="0"/>
+              <a:t>Petri Net, BPMN, UML</a:t>
+            </a:r>
+            <a:endParaRPr lang="el-GR" dirty="0" smtClean="0"/>
           </a:p>
           <a:p>
             <a:pPr>
               <a:buNone/>
             </a:pPr>
-            <a:endParaRPr lang="el-GR" sz="2000" b="1" dirty="0" smtClean="0"/>
-          </a:p>
-          <a:p>
-            <a:r>
-              <a:rPr lang="en-US" sz="2400" b="1" dirty="0" smtClean="0"/>
-              <a:t>XOR-join pattern  (b-&gt;d , c-&gt;d , </a:t>
-            </a:r>
-            <a:r>
-              <a:rPr lang="en-US" sz="2400" b="1" dirty="0" err="1" smtClean="0"/>
-              <a:t>b#c</a:t>
-            </a:r>
-            <a:r>
-              <a:rPr lang="en-US" sz="2400" b="1" dirty="0" smtClean="0"/>
+            <a:endParaRPr lang="en-US" dirty="0" smtClean="0"/>
+          </a:p>
+          <a:p>
+            <a:r>
+              <a:rPr lang="el-GR" dirty="0" smtClean="0"/>
+              <a:t>Δίκτυα </a:t>
+            </a:r>
+            <a:r>
+              <a:rPr lang="en-US" dirty="0" smtClean="0"/>
+              <a:t>Petri</a:t>
+            </a:r>
+            <a:endParaRPr lang="en-US" dirty="0" smtClean="0"/>
+          </a:p>
+          <a:p>
+            <a:pPr>
+              <a:buNone/>
+            </a:pPr>
+            <a:r>
+              <a:rPr lang="el-GR" sz="2000" dirty="0" smtClean="0"/>
+              <a:t>Μεγάλη γκάμα συμπεριφορών όπως ακολουθίες (</a:t>
+            </a:r>
+            <a:r>
+              <a:rPr lang="en-US" sz="2000" b="1" dirty="0" smtClean="0"/>
+              <a:t>sequences</a:t>
+            </a:r>
+            <a:r>
+              <a:rPr lang="el-GR" sz="2000" dirty="0" smtClean="0"/>
+              <a:t>), παραλληλισμό (</a:t>
+            </a:r>
+            <a:r>
+              <a:rPr lang="en-US" sz="2000" b="1" dirty="0" smtClean="0"/>
+              <a:t>concurrency</a:t>
+            </a:r>
+            <a:r>
+              <a:rPr lang="el-GR" sz="2000" dirty="0" smtClean="0"/>
+              <a:t>), επιλογές (</a:t>
+            </a:r>
+            <a:r>
+              <a:rPr lang="en-US" sz="2000" b="1" dirty="0" smtClean="0"/>
+              <a:t>choices</a:t>
+            </a:r>
+            <a:r>
+              <a:rPr lang="el-GR" sz="2000" dirty="0" smtClean="0"/>
+              <a:t>) και επαναλήψεις (</a:t>
+            </a:r>
+            <a:r>
+              <a:rPr lang="en-US" sz="2000" b="1" dirty="0" smtClean="0"/>
+              <a:t>loops</a:t>
+            </a:r>
+            <a:r>
+              <a:rPr lang="el-GR" sz="2000" dirty="0" smtClean="0"/>
+              <a:t>).</a:t>
+            </a:r>
+            <a:endParaRPr lang="en-US" sz="2000" dirty="0" smtClean="0"/>
+          </a:p>
+          <a:p>
+            <a:pPr>
+              <a:buNone/>
+            </a:pPr>
+            <a:endParaRPr lang="en-US" sz="2000" dirty="0" smtClean="0"/>
+          </a:p>
+          <a:p>
+            <a:pPr>
+              <a:buNone/>
+            </a:pPr>
+            <a:r>
+              <a:rPr lang="el-GR" sz="2000" dirty="0" smtClean="0"/>
+              <a:t>Αποτελείται από κύκλους </a:t>
+            </a:r>
+            <a:r>
+              <a:rPr lang="el-GR" sz="2000" dirty="0" smtClean="0"/>
+              <a:t>(κατάσταση</a:t>
+            </a:r>
+            <a:r>
+              <a:rPr lang="en-US" sz="2000" b="1" dirty="0" smtClean="0"/>
+              <a:t> </a:t>
+            </a:r>
+            <a:r>
+              <a:rPr lang="en-US" sz="2000" b="1" dirty="0" smtClean="0"/>
+              <a:t>p1 </a:t>
+            </a:r>
+            <a:r>
+              <a:rPr lang="el-GR" sz="2000" dirty="0" smtClean="0"/>
+              <a:t>και</a:t>
+            </a:r>
+            <a:r>
+              <a:rPr lang="en-US" sz="2000" b="1" dirty="0" smtClean="0"/>
+              <a:t> p2</a:t>
+            </a:r>
+            <a:r>
+              <a:rPr lang="el-GR" sz="2000" dirty="0" smtClean="0"/>
+              <a:t>) και τετράγωνα (</a:t>
+            </a:r>
+            <a:r>
+              <a:rPr lang="el-GR" sz="2000" b="1" dirty="0" smtClean="0"/>
+              <a:t>μεταβάσεις </a:t>
+            </a:r>
+            <a:r>
+              <a:rPr lang="en-US" sz="2000" b="1" dirty="0" smtClean="0"/>
+              <a:t> t1</a:t>
+            </a:r>
+            <a:r>
+              <a:rPr lang="el-GR" sz="2000" dirty="0" smtClean="0"/>
               <a:t>)</a:t>
             </a:r>
-            <a:endParaRPr lang="el-GR" sz="2400" b="1" dirty="0" smtClean="0"/>
-          </a:p>
-          <a:p>
-            <a:endParaRPr lang="el-GR" sz="2400" b="1" dirty="0" smtClean="0"/>
-          </a:p>
-          <a:p>
-            <a:endParaRPr lang="el-GR" sz="2400" b="1" dirty="0" smtClean="0"/>
-          </a:p>
-          <a:p>
-            <a:r>
-              <a:rPr lang="en-US" sz="2400" b="1" dirty="0" smtClean="0"/>
-              <a:t>AND-split pattern  (a-&gt;b ,a-&gt;c , b||c)</a:t>
-            </a:r>
-            <a:endParaRPr lang="el-GR" sz="2400" b="1" dirty="0" smtClean="0"/>
-          </a:p>
-          <a:p>
-            <a:endParaRPr lang="el-GR" sz="2400" b="1" dirty="0" smtClean="0"/>
-          </a:p>
-          <a:p>
-            <a:endParaRPr lang="el-GR" sz="2400" b="1" dirty="0" smtClean="0"/>
-          </a:p>
-          <a:p>
-            <a:r>
-              <a:rPr lang="en-US" sz="2400" b="1" dirty="0" smtClean="0"/>
-              <a:t>AND-join pattern  (b-&gt;d ,c-&gt;d , b||c)</a:t>
-            </a:r>
-            <a:endParaRPr lang="el-GR" b="1" dirty="0" smtClean="0"/>
-          </a:p>
-          <a:p>
-            <a:endParaRPr lang="el-GR" dirty="0" smtClean="0"/>
-          </a:p>
-          <a:p>
-            <a:endParaRPr lang="el-GR" dirty="0"/>
+            <a:r>
+              <a:rPr lang="en-US" sz="2000" dirty="0" smtClean="0"/>
+              <a:t> </a:t>
+            </a:r>
+            <a:r>
+              <a:rPr lang="el-GR" sz="2000" dirty="0" smtClean="0"/>
+              <a:t>. </a:t>
+            </a:r>
+          </a:p>
+          <a:p>
+            <a:pPr>
+              <a:buNone/>
+            </a:pPr>
+            <a:endParaRPr lang="en-US" sz="2000" dirty="0" smtClean="0"/>
+          </a:p>
+          <a:p>
+            <a:pPr>
+              <a:buNone/>
+            </a:pPr>
+            <a:r>
+              <a:rPr lang="el-GR" sz="2000" dirty="0" smtClean="0"/>
+              <a:t>Ορίζεται σαν μια τριάδα </a:t>
+            </a:r>
+            <a:r>
+              <a:rPr lang="en-US" sz="2000" dirty="0" smtClean="0"/>
+              <a:t>(P, T, F) </a:t>
+            </a:r>
+            <a:r>
+              <a:rPr lang="el-GR" sz="2000" dirty="0" smtClean="0"/>
+              <a:t>όπου </a:t>
+            </a:r>
+            <a:r>
+              <a:rPr lang="en-US" sz="2000" dirty="0" smtClean="0"/>
+              <a:t>P </a:t>
+            </a:r>
+            <a:r>
+              <a:rPr lang="el-GR" sz="2000" dirty="0" smtClean="0"/>
+              <a:t>το σύνολο των </a:t>
+            </a:r>
+            <a:r>
+              <a:rPr lang="el-GR" sz="2000" dirty="0" smtClean="0"/>
+              <a:t>καταστάσεων</a:t>
+            </a:r>
+            <a:r>
+              <a:rPr lang="en-US" sz="2000" dirty="0" smtClean="0"/>
+              <a:t>, </a:t>
+            </a:r>
+            <a:r>
+              <a:rPr lang="en-US" sz="2000" dirty="0" smtClean="0"/>
+              <a:t>T</a:t>
+            </a:r>
+            <a:r>
+              <a:rPr lang="el-GR" sz="2000" dirty="0" smtClean="0"/>
+              <a:t> το σύνολο των </a:t>
+            </a:r>
+            <a:r>
+              <a:rPr lang="el-GR" sz="2000" dirty="0" smtClean="0"/>
+              <a:t>μεταβάσεων και</a:t>
+            </a:r>
+            <a:r>
+              <a:rPr lang="en-US" sz="2000" dirty="0" smtClean="0"/>
+              <a:t> </a:t>
+            </a:r>
+            <a:r>
+              <a:rPr lang="en-US" sz="2000" dirty="0" smtClean="0"/>
+              <a:t>F</a:t>
+            </a:r>
+            <a:r>
+              <a:rPr lang="el-GR" sz="2000" dirty="0" smtClean="0"/>
+              <a:t> το σύνολο των ακμών.</a:t>
+            </a:r>
+            <a:r>
+              <a:rPr lang="en-US" sz="2000" dirty="0" smtClean="0"/>
+              <a:t> </a:t>
+            </a:r>
+          </a:p>
+          <a:p>
+            <a:pPr>
+              <a:buNone/>
+            </a:pPr>
+            <a:endParaRPr lang="el-GR" sz="2000" b="1" dirty="0"/>
           </a:p>
         </p:txBody>
       </p:sp>
       <p:pic>
         <p:nvPicPr>
-          <p:cNvPr id="4" name="Picture 3" descr="C:\Users\Vlasis\Dropbox\osyl\report\images\img14.png"/>
+          <p:cNvPr id="4" name="Picture 3" descr="C:\Users\Vlasis\Dropbox\osyl\report\images\img7.png"/>
           <p:cNvPicPr/>
           <p:nvPr/>
         </p:nvPicPr>
@@ -8052,8 +8617,8 @@
         </p:blipFill>
         <p:spPr bwMode="auto">
           <a:xfrm>
-            <a:off x="4724400" y="838200"/>
-            <a:ext cx="3543659" cy="897147"/>
+            <a:off x="4724400" y="1676400"/>
+            <a:ext cx="3124200" cy="914400"/>
           </a:xfrm>
           <a:prstGeom prst="rect">
             <a:avLst/>
@@ -8067,131 +8632,18 @@
           </a:ln>
         </p:spPr>
       </p:pic>
-      <p:pic>
-        <p:nvPicPr>
-          <p:cNvPr id="5" name="Picture 4" descr="C:\Users\Vlasis\Dropbox\osyl\report\images\img15.png"/>
-          <p:cNvPicPr/>
-          <p:nvPr/>
-        </p:nvPicPr>
-        <p:blipFill>
-          <a:blip r:embed="rId3"/>
-          <a:srcRect/>
-          <a:stretch>
-            <a:fillRect/>
-          </a:stretch>
-        </p:blipFill>
-        <p:spPr bwMode="auto">
-          <a:xfrm>
-            <a:off x="5791200" y="1828800"/>
-            <a:ext cx="2706897" cy="1066800"/>
-          </a:xfrm>
-          <a:prstGeom prst="rect">
-            <a:avLst/>
-          </a:prstGeom>
-          <a:noFill/>
-          <a:ln w="9525">
-            <a:noFill/>
-            <a:miter lim="800000"/>
-            <a:headEnd/>
-            <a:tailEnd/>
-          </a:ln>
-        </p:spPr>
-      </p:pic>
-      <p:pic>
-        <p:nvPicPr>
-          <p:cNvPr id="6" name="Picture 5" descr="C:\Users\Vlasis\Dropbox\osyl\report\images\img16.png"/>
-          <p:cNvPicPr/>
-          <p:nvPr/>
-        </p:nvPicPr>
-        <p:blipFill>
-          <a:blip r:embed="rId4"/>
-          <a:srcRect/>
-          <a:stretch>
-            <a:fillRect/>
-          </a:stretch>
-        </p:blipFill>
-        <p:spPr bwMode="auto">
-          <a:xfrm>
-            <a:off x="5943600" y="3048000"/>
-            <a:ext cx="2667221" cy="1200647"/>
-          </a:xfrm>
-          <a:prstGeom prst="rect">
-            <a:avLst/>
-          </a:prstGeom>
-          <a:noFill/>
-          <a:ln w="9525">
-            <a:noFill/>
-            <a:miter lim="800000"/>
-            <a:headEnd/>
-            <a:tailEnd/>
-          </a:ln>
-        </p:spPr>
-      </p:pic>
-      <p:pic>
-        <p:nvPicPr>
-          <p:cNvPr id="7" name="Picture 6" descr="C:\Users\Vlasis\Dropbox\osyl\report\images\img17.png"/>
-          <p:cNvPicPr/>
-          <p:nvPr/>
-        </p:nvPicPr>
-        <p:blipFill>
-          <a:blip r:embed="rId5"/>
-          <a:srcRect/>
-          <a:stretch>
-            <a:fillRect/>
-          </a:stretch>
-        </p:blipFill>
-        <p:spPr bwMode="auto">
-          <a:xfrm>
-            <a:off x="6019800" y="4343400"/>
-            <a:ext cx="2479228" cy="1121134"/>
-          </a:xfrm>
-          <a:prstGeom prst="rect">
-            <a:avLst/>
-          </a:prstGeom>
-          <a:noFill/>
-          <a:ln w="9525">
-            <a:noFill/>
-            <a:miter lim="800000"/>
-            <a:headEnd/>
-            <a:tailEnd/>
-          </a:ln>
-        </p:spPr>
-      </p:pic>
-      <p:pic>
-        <p:nvPicPr>
-          <p:cNvPr id="8" name="Picture 7" descr="C:\Users\Vlasis\Dropbox\osyl\report\images\img18.png"/>
-          <p:cNvPicPr/>
-          <p:nvPr/>
-        </p:nvPicPr>
-        <p:blipFill>
-          <a:blip r:embed="rId6"/>
-          <a:srcRect/>
-          <a:stretch>
-            <a:fillRect/>
-          </a:stretch>
-        </p:blipFill>
-        <p:spPr bwMode="auto">
-          <a:xfrm>
-            <a:off x="6019800" y="5562600"/>
-            <a:ext cx="2366341" cy="1057523"/>
-          </a:xfrm>
-          <a:prstGeom prst="rect">
-            <a:avLst/>
-          </a:prstGeom>
-          <a:noFill/>
-          <a:ln w="9525">
-            <a:noFill/>
-            <a:miter lim="800000"/>
-            <a:headEnd/>
-            <a:tailEnd/>
-          </a:ln>
-        </p:spPr>
-      </p:pic>
     </p:spTree>
   </p:cSld>
   <p:clrMapOvr>
     <a:masterClrMapping/>
   </p:clrMapOvr>
+  <p:timing>
+    <p:tnLst>
+      <p:par>
+        <p:cTn id="1" dur="indefinite" restart="never" nodeType="tmRoot"/>
+      </p:par>
+    </p:tnLst>
+  </p:timing>
 </p:sld>
 </file>
 
@@ -8225,46 +8677,7 @@
         <p:spPr>
           <a:xfrm>
             <a:off x="914400" y="274638"/>
-            <a:ext cx="7772400" cy="639762"/>
-          </a:xfrm>
-        </p:spPr>
-        <p:txBody>
-          <a:bodyPr>
-            <a:normAutofit fontScale="90000"/>
-          </a:bodyPr>
-          <a:lstStyle/>
-          <a:p>
-            <a:pPr algn="ctr"/>
-            <a:r>
-              <a:rPr lang="en-US" b="1" dirty="0" smtClean="0"/>
-              <a:t>Alpha Algorithm – </a:t>
-            </a:r>
-            <a:r>
-              <a:rPr lang="el-GR" b="1" dirty="0" smtClean="0"/>
-              <a:t>Βήματα</a:t>
-            </a:r>
-            <a:r>
-              <a:rPr lang="en-US" b="1" dirty="0" smtClean="0"/>
-              <a:t> (1)</a:t>
-            </a:r>
-            <a:endParaRPr lang="el-GR" b="1" dirty="0"/>
-          </a:p>
-        </p:txBody>
-      </p:sp>
-      <p:sp>
-        <p:nvSpPr>
-          <p:cNvPr id="3" name="Content Placeholder 2"/>
-          <p:cNvSpPr>
-            <a:spLocks noGrp="1"/>
-          </p:cNvSpPr>
-          <p:nvPr>
-            <p:ph sz="quarter" idx="1"/>
-          </p:nvPr>
-        </p:nvSpPr>
-        <p:spPr>
-          <a:xfrm>
-            <a:off x="533400" y="914400"/>
-            <a:ext cx="8305800" cy="5638800"/>
+            <a:ext cx="7772400" cy="792162"/>
           </a:xfrm>
         </p:spPr>
         <p:txBody>
@@ -8273,297 +8686,503 @@
           </a:bodyPr>
           <a:lstStyle/>
           <a:p>
-            <a:pPr marL="514350" indent="-514350">
-              <a:buFont typeface="+mj-lt"/>
-              <a:buAutoNum type="arabicPeriod"/>
-            </a:pPr>
+            <a:pPr algn="ctr"/>
+            <a:r>
+              <a:rPr lang="el-GR" b="1" dirty="0" smtClean="0"/>
+              <a:t>Αλγόριθμος </a:t>
+            </a:r>
+            <a:r>
+              <a:rPr lang="en-US" b="1" dirty="0" smtClean="0"/>
+              <a:t>Alpha</a:t>
+            </a:r>
+            <a:endParaRPr lang="el-GR" b="1" dirty="0"/>
+          </a:p>
+        </p:txBody>
+      </p:sp>
+      <p:sp>
+        <p:nvSpPr>
+          <p:cNvPr id="3" name="Content Placeholder 2"/>
+          <p:cNvSpPr>
+            <a:spLocks noGrp="1"/>
+          </p:cNvSpPr>
+          <p:nvPr>
+            <p:ph sz="quarter" idx="1"/>
+          </p:nvPr>
+        </p:nvSpPr>
+        <p:spPr>
+          <a:xfrm>
+            <a:off x="533400" y="1066800"/>
+            <a:ext cx="8153400" cy="5410200"/>
+          </a:xfrm>
+        </p:spPr>
+        <p:txBody>
+          <a:bodyPr>
+            <a:normAutofit fontScale="92500" lnSpcReduction="10000"/>
+          </a:bodyPr>
+          <a:lstStyle/>
+          <a:p>
             <a:r>
               <a:rPr lang="el-GR" sz="2400" dirty="0" smtClean="0"/>
-              <a:t>Μοναδικά </a:t>
-            </a:r>
-            <a:r>
-              <a:rPr lang="en-US" sz="2400" b="1" dirty="0" smtClean="0"/>
-              <a:t>activities </a:t>
-            </a:r>
-            <a:r>
-              <a:rPr lang="el-GR" sz="2400" dirty="0" smtClean="0"/>
-              <a:t>που υπάρχουν στο </a:t>
-            </a:r>
-            <a:r>
-              <a:rPr lang="en-US" sz="2400" b="1" dirty="0" smtClean="0"/>
-              <a:t>event log</a:t>
-            </a:r>
-            <a:r>
-              <a:rPr lang="el-GR" sz="2400" b="1" dirty="0" smtClean="0"/>
-              <a:t>.</a:t>
-            </a:r>
-          </a:p>
-          <a:p>
-            <a:pPr marL="514350" indent="-514350">
-              <a:buFont typeface="+mj-lt"/>
-              <a:buAutoNum type="arabicPeriod"/>
-            </a:pPr>
-            <a:r>
-              <a:rPr lang="el-GR" sz="2400" dirty="0" smtClean="0"/>
-              <a:t>Όλα τα αρχικά </a:t>
-            </a:r>
-            <a:r>
-              <a:rPr lang="en-US" sz="2400" b="1" dirty="0" smtClean="0"/>
-              <a:t>activities </a:t>
-            </a:r>
-            <a:r>
-              <a:rPr lang="el-GR" sz="2400" dirty="0" smtClean="0"/>
-              <a:t>που</a:t>
-            </a:r>
-            <a:r>
-              <a:rPr lang="el-GR" sz="2400" b="1" dirty="0" smtClean="0"/>
-              <a:t> </a:t>
-            </a:r>
-            <a:r>
-              <a:rPr lang="el-GR" sz="2400" dirty="0" smtClean="0"/>
-              <a:t>υπάρχουν στο </a:t>
-            </a:r>
-            <a:r>
-              <a:rPr lang="en-US" sz="2400" b="1" dirty="0" smtClean="0"/>
-              <a:t>event log</a:t>
-            </a:r>
-            <a:r>
-              <a:rPr lang="el-GR" sz="2400" b="1" dirty="0" smtClean="0"/>
-              <a:t>, </a:t>
-            </a:r>
-            <a:r>
-              <a:rPr lang="el-GR" sz="2400" dirty="0" smtClean="0"/>
-              <a:t>δηλαδή το πρώτο στοιχείο κάθε </a:t>
-            </a:r>
-            <a:r>
-              <a:rPr lang="en-US" sz="2400" b="1" dirty="0" smtClean="0"/>
-              <a:t>trace </a:t>
-            </a:r>
-            <a:r>
-              <a:rPr lang="el-GR" sz="2400" dirty="0" smtClean="0"/>
-              <a:t>που ανήκει στο </a:t>
-            </a:r>
-            <a:r>
-              <a:rPr lang="en-US" sz="2400" b="1" dirty="0" smtClean="0"/>
-              <a:t>event log</a:t>
-            </a:r>
-            <a:r>
-              <a:rPr lang="el-GR" sz="2400" dirty="0" smtClean="0"/>
-              <a:t>.</a:t>
-            </a:r>
-          </a:p>
-          <a:p>
-            <a:pPr marL="514350" indent="-514350">
-              <a:buFont typeface="+mj-lt"/>
-              <a:buAutoNum type="arabicPeriod"/>
-            </a:pPr>
-            <a:r>
-              <a:rPr lang="el-GR" sz="2400" dirty="0" smtClean="0"/>
-              <a:t>Όλα τα τελικά </a:t>
-            </a:r>
-            <a:r>
-              <a:rPr lang="en-US" sz="2400" b="1" dirty="0" smtClean="0"/>
-              <a:t>activities </a:t>
-            </a:r>
-            <a:r>
-              <a:rPr lang="el-GR" sz="2400" dirty="0" smtClean="0"/>
-              <a:t>που</a:t>
-            </a:r>
-            <a:r>
-              <a:rPr lang="el-GR" sz="2400" b="1" dirty="0" smtClean="0"/>
-              <a:t> </a:t>
-            </a:r>
-            <a:r>
-              <a:rPr lang="el-GR" sz="2400" dirty="0" smtClean="0"/>
-              <a:t>υπάρχουν στο </a:t>
-            </a:r>
-            <a:r>
-              <a:rPr lang="en-US" sz="2400" b="1" dirty="0" smtClean="0"/>
-              <a:t>event log</a:t>
-            </a:r>
-            <a:r>
-              <a:rPr lang="el-GR" sz="2400" b="1" dirty="0" smtClean="0"/>
-              <a:t>, </a:t>
-            </a:r>
-            <a:r>
-              <a:rPr lang="el-GR" sz="2400" dirty="0" smtClean="0"/>
-              <a:t>δηλαδή το τελευταίο στοιχείο κάθε </a:t>
-            </a:r>
-            <a:r>
-              <a:rPr lang="en-US" sz="2400" b="1" dirty="0" smtClean="0"/>
-              <a:t>trace </a:t>
-            </a:r>
-            <a:r>
-              <a:rPr lang="el-GR" sz="2400" dirty="0" smtClean="0"/>
-              <a:t>που ανήκει στο </a:t>
-            </a:r>
-            <a:r>
-              <a:rPr lang="en-US" sz="2400" b="1" dirty="0" smtClean="0"/>
-              <a:t>event log</a:t>
-            </a:r>
-            <a:r>
-              <a:rPr lang="el-GR" sz="2400" dirty="0" smtClean="0"/>
-              <a:t>.</a:t>
-            </a:r>
-          </a:p>
-          <a:p>
-            <a:pPr marL="514350" indent="-514350">
-              <a:buFont typeface="+mj-lt"/>
-              <a:buAutoNum type="arabicPeriod"/>
-            </a:pPr>
-            <a:r>
-              <a:rPr lang="el-GR" sz="2400" dirty="0" smtClean="0"/>
-              <a:t>Κατασκευή </a:t>
-            </a:r>
-            <a:r>
-              <a:rPr lang="en-US" sz="2400" b="1" dirty="0" smtClean="0"/>
-              <a:t>footprint graph</a:t>
-            </a:r>
-            <a:r>
-              <a:rPr lang="el-GR" sz="2400" b="1" dirty="0" smtClean="0"/>
-              <a:t> </a:t>
-            </a:r>
-            <a:r>
-              <a:rPr lang="el-GR" sz="2400" dirty="0" smtClean="0"/>
-              <a:t>και εύρεση </a:t>
-            </a:r>
-            <a:r>
-              <a:rPr lang="en-US" sz="2400" b="1" dirty="0" smtClean="0"/>
-              <a:t>causal groups</a:t>
-            </a:r>
-          </a:p>
-          <a:p>
-            <a:pPr marL="514350" indent="-514350">
-              <a:buFont typeface="+mj-lt"/>
-              <a:buAutoNum type="arabicPeriod"/>
-            </a:pPr>
-            <a:endParaRPr lang="en-US" sz="2400" dirty="0" smtClean="0"/>
-          </a:p>
-          <a:p>
-            <a:pPr marL="514350" indent="-514350">
-              <a:buFont typeface="+mj-lt"/>
-              <a:buAutoNum type="arabicPeriod"/>
-            </a:pPr>
-            <a:endParaRPr lang="en-US" sz="2400" dirty="0" smtClean="0"/>
-          </a:p>
-          <a:p>
-            <a:pPr marL="514350" indent="-514350">
-              <a:buFont typeface="+mj-lt"/>
-              <a:buAutoNum type="arabicPeriod"/>
-            </a:pPr>
-            <a:endParaRPr lang="en-US" sz="2400" dirty="0" smtClean="0"/>
-          </a:p>
-          <a:p>
-            <a:pPr marL="514350" indent="-514350">
-              <a:buFont typeface="+mj-lt"/>
-              <a:buAutoNum type="arabicPeriod"/>
-            </a:pPr>
-            <a:endParaRPr lang="en-US" sz="2400" dirty="0" smtClean="0"/>
-          </a:p>
-          <a:p>
-            <a:pPr marL="514350" indent="-514350">
+              <a:t>Αλγόριθμος εύρεσης διαδικασιών</a:t>
+            </a:r>
+          </a:p>
+          <a:p>
+            <a:pPr>
               <a:buNone/>
             </a:pPr>
             <a:r>
-              <a:rPr lang="en-US" sz="2400" b="1" dirty="0" smtClean="0"/>
-              <a:t>              a</a:t>
-            </a:r>
-            <a:r>
-              <a:rPr lang="el-GR" sz="2400" b="1" dirty="0" smtClean="0"/>
+              <a:rPr lang="el-GR" sz="2000" dirty="0" smtClean="0"/>
+              <a:t>Διαβάζει </a:t>
+            </a:r>
+            <a:r>
+              <a:rPr lang="el-GR" sz="2000" dirty="0" smtClean="0"/>
+              <a:t>σύνολο </a:t>
+            </a:r>
+          </a:p>
+          <a:p>
+            <a:pPr>
+              <a:buNone/>
+            </a:pPr>
+            <a:r>
+              <a:rPr lang="el-GR" sz="2000" dirty="0" smtClean="0"/>
+              <a:t> </a:t>
+            </a:r>
+            <a:r>
+              <a:rPr lang="el-GR" sz="2000" dirty="0" smtClean="0"/>
+              <a:t>            </a:t>
+            </a:r>
+            <a:r>
+              <a:rPr lang="el-GR" sz="2000" dirty="0" smtClean="0"/>
+              <a:t>γεγονότων</a:t>
+            </a:r>
+            <a:endParaRPr lang="en-US" sz="2000" dirty="0" smtClean="0"/>
+          </a:p>
+          <a:p>
+            <a:pPr>
+              <a:buNone/>
+            </a:pPr>
+            <a:r>
+              <a:rPr lang="el-GR" sz="2000" dirty="0" smtClean="0"/>
+              <a:t>Παράγει ένα γράφημα (</a:t>
+            </a:r>
+            <a:r>
+              <a:rPr lang="el-GR" sz="2000" dirty="0" smtClean="0"/>
+              <a:t>παράδειγμα δίκτυο </a:t>
+            </a:r>
+            <a:r>
+              <a:rPr lang="en-US" sz="2000" dirty="0" smtClean="0"/>
+              <a:t>Petri</a:t>
+            </a:r>
+            <a:r>
+              <a:rPr lang="el-GR" sz="2000" dirty="0" smtClean="0"/>
+              <a:t>)</a:t>
+            </a:r>
+            <a:endParaRPr lang="el-GR" sz="2000" dirty="0" smtClean="0"/>
+          </a:p>
+          <a:p>
+            <a:pPr>
+              <a:buNone/>
+            </a:pPr>
+            <a:r>
+              <a:rPr lang="el-GR" sz="2000" dirty="0" smtClean="0"/>
+              <a:t>Δεν εξετάζει συχνότητες των δεδομένων, αλλά ακολουθίες από </a:t>
+            </a:r>
+            <a:r>
+              <a:rPr lang="el-GR" sz="2000" dirty="0" smtClean="0"/>
+              <a:t>γεγονότα</a:t>
+            </a:r>
+          </a:p>
+          <a:p>
+            <a:pPr>
+              <a:buNone/>
+            </a:pPr>
+            <a:r>
+              <a:rPr lang="el-GR" sz="2000" dirty="0" smtClean="0"/>
+              <a:t>Ίχνη δραστηριοτήτων (</a:t>
+            </a:r>
+            <a:r>
+              <a:rPr lang="en-US" sz="2000" b="1" dirty="0" smtClean="0"/>
+              <a:t>traces</a:t>
+            </a:r>
+            <a:r>
+              <a:rPr lang="en-US" sz="2000" dirty="0" smtClean="0"/>
+              <a:t> -&gt; </a:t>
+            </a:r>
+            <a:r>
+              <a:rPr lang="el-GR" sz="2000" dirty="0" smtClean="0"/>
+              <a:t>ακολουθία από </a:t>
+            </a:r>
+            <a:r>
+              <a:rPr lang="en-US" sz="2000" dirty="0" smtClean="0"/>
+              <a:t>events</a:t>
+            </a:r>
+            <a:r>
+              <a:rPr lang="el-GR" sz="2000" dirty="0" smtClean="0"/>
+              <a:t>)</a:t>
+            </a:r>
+            <a:endParaRPr lang="el-GR" sz="2000" dirty="0" smtClean="0"/>
+          </a:p>
+          <a:p>
+            <a:pPr>
+              <a:buNone/>
+            </a:pPr>
+            <a:endParaRPr lang="en-US" dirty="0" smtClean="0"/>
+          </a:p>
+          <a:p>
+            <a:r>
+              <a:rPr lang="el-GR" dirty="0" smtClean="0"/>
+              <a:t>Κατασκευάζει πίνακα σχέσεων (</a:t>
+            </a:r>
+            <a:r>
+              <a:rPr lang="en-US" b="1" dirty="0" smtClean="0"/>
+              <a:t>footprint graph</a:t>
+            </a:r>
+            <a:r>
+              <a:rPr lang="el-GR" dirty="0" smtClean="0"/>
+              <a:t>)</a:t>
+            </a:r>
+          </a:p>
+          <a:p>
+            <a:pPr lvl="0">
+              <a:buFont typeface="Wingdings" pitchFamily="2" charset="2"/>
+              <a:buChar char="q"/>
+            </a:pPr>
+            <a:r>
+              <a:rPr lang="en-US" sz="2000" b="1" dirty="0" smtClean="0"/>
+              <a:t>Direct succession</a:t>
+            </a:r>
+            <a:r>
+              <a:rPr lang="en-GB" sz="2000" b="1" dirty="0" smtClean="0"/>
+              <a:t> (</a:t>
+            </a:r>
+            <a:r>
+              <a:rPr lang="en-US" sz="2000" b="1" dirty="0" smtClean="0"/>
+              <a:t>x&gt;y</a:t>
+            </a:r>
+            <a:r>
+              <a:rPr lang="en-GB" sz="2000" b="1" dirty="0" smtClean="0"/>
+              <a:t>) </a:t>
+            </a:r>
+            <a:r>
+              <a:rPr lang="el-GR" sz="2000" dirty="0" smtClean="0"/>
+              <a:t>Υπάρχουν </a:t>
+            </a:r>
+            <a:r>
+              <a:rPr lang="el-GR" sz="2000" dirty="0" smtClean="0"/>
+              <a:t>ακολουθίες</a:t>
+            </a:r>
+            <a:r>
+              <a:rPr lang="en-US" sz="2000" dirty="0" smtClean="0"/>
+              <a:t> </a:t>
+            </a:r>
+            <a:r>
+              <a:rPr lang="en-US" sz="2000" dirty="0" smtClean="0"/>
+              <a:t>…</a:t>
+            </a:r>
+            <a:r>
+              <a:rPr lang="en-GB" sz="2000" dirty="0" err="1" smtClean="0"/>
+              <a:t>xy</a:t>
+            </a:r>
+            <a:r>
+              <a:rPr lang="en-GB" sz="2000" dirty="0" smtClean="0"/>
+              <a:t>….</a:t>
+            </a:r>
+            <a:r>
+              <a:rPr lang="el-GR" sz="2000" dirty="0" smtClean="0"/>
+              <a:t> (παράδειγμα </a:t>
+            </a:r>
+            <a:r>
+              <a:rPr lang="en-US" sz="2000" dirty="0" smtClean="0"/>
+              <a:t>a&gt;b , a&gt;c , a&gt;e </a:t>
+            </a:r>
+            <a:r>
+              <a:rPr lang="el-GR" sz="2000" dirty="0" smtClean="0"/>
+              <a:t>)</a:t>
+            </a:r>
+          </a:p>
+          <a:p>
+            <a:pPr lvl="0">
+              <a:buFont typeface="Wingdings" pitchFamily="2" charset="2"/>
+              <a:buChar char="q"/>
+            </a:pPr>
+            <a:r>
+              <a:rPr lang="en-US" sz="2000" b="1" dirty="0" smtClean="0"/>
+              <a:t>Causality (x-&gt;y) </a:t>
+            </a:r>
+            <a:r>
+              <a:rPr lang="el-GR" sz="2000" dirty="0" smtClean="0"/>
+              <a:t>Υπάρχουν</a:t>
+            </a:r>
+            <a:r>
+              <a:rPr lang="el-GR" sz="2000" b="1" dirty="0" smtClean="0"/>
+              <a:t> </a:t>
+            </a:r>
+            <a:r>
+              <a:rPr lang="el-GR" sz="2000" dirty="0" smtClean="0"/>
+              <a:t>ακολουθίες</a:t>
+            </a:r>
+            <a:r>
+              <a:rPr lang="en-US" sz="2000" dirty="0" smtClean="0"/>
+              <a:t> </a:t>
+            </a:r>
+            <a:r>
+              <a:rPr lang="en-US" sz="2000" dirty="0" smtClean="0"/>
+              <a:t>…</a:t>
+            </a:r>
+            <a:r>
+              <a:rPr lang="en-GB" sz="2000" dirty="0" err="1" smtClean="0"/>
+              <a:t>xy</a:t>
+            </a:r>
+            <a:r>
+              <a:rPr lang="en-GB" sz="2000" dirty="0" smtClean="0"/>
+              <a:t>…. </a:t>
+            </a:r>
+            <a:r>
+              <a:rPr lang="el-GR" sz="2000" dirty="0" smtClean="0"/>
+              <a:t>Αλλά όχι </a:t>
+            </a:r>
+            <a:r>
+              <a:rPr lang="en-US" sz="2000" dirty="0" smtClean="0"/>
+              <a:t> …</a:t>
+            </a:r>
+            <a:r>
+              <a:rPr lang="en-GB" sz="2000" dirty="0" err="1" smtClean="0"/>
+              <a:t>yx</a:t>
+            </a:r>
+            <a:r>
+              <a:rPr lang="en-GB" sz="2000" dirty="0" smtClean="0"/>
+              <a:t>….</a:t>
+            </a:r>
+            <a:r>
+              <a:rPr lang="el-GR" sz="2000" dirty="0" smtClean="0"/>
+              <a:t> (παράδειγμα </a:t>
+            </a:r>
+            <a:r>
+              <a:rPr lang="en-US" sz="2000" dirty="0" smtClean="0"/>
+              <a:t>a-&gt;b, a-&gt;c, a-&gt;e</a:t>
+            </a:r>
+            <a:r>
+              <a:rPr lang="el-GR" sz="2000" dirty="0" smtClean="0"/>
+              <a:t>)</a:t>
+            </a:r>
+          </a:p>
+          <a:p>
+            <a:pPr lvl="0">
+              <a:buFont typeface="Wingdings" pitchFamily="2" charset="2"/>
+              <a:buChar char="q"/>
+            </a:pPr>
+            <a:r>
+              <a:rPr lang="en-GB" sz="2000" b="1" dirty="0" smtClean="0"/>
+              <a:t>Parallel (</a:t>
+            </a:r>
+            <a:r>
+              <a:rPr lang="en-US" sz="2000" b="1" dirty="0" smtClean="0"/>
+              <a:t>x</a:t>
+            </a:r>
+            <a:r>
+              <a:rPr lang="en-GB" sz="2000" b="1" dirty="0" smtClean="0"/>
+              <a:t>||</a:t>
+            </a:r>
+            <a:r>
+              <a:rPr lang="en-US" sz="2000" b="1" dirty="0" smtClean="0"/>
+              <a:t>y</a:t>
+            </a:r>
+            <a:r>
+              <a:rPr lang="en-GB" sz="2000" b="1" dirty="0" smtClean="0"/>
+              <a:t>) </a:t>
+            </a:r>
+            <a:r>
+              <a:rPr lang="el-GR" sz="2000" dirty="0" smtClean="0"/>
+              <a:t>Υπάρχουν</a:t>
+            </a:r>
+            <a:r>
+              <a:rPr lang="el-GR" sz="2000" b="1" dirty="0" smtClean="0"/>
+              <a:t> </a:t>
+            </a:r>
+            <a:r>
+              <a:rPr lang="el-GR" sz="2000" dirty="0" smtClean="0"/>
+              <a:t>ακολουθίες</a:t>
+            </a:r>
+            <a:r>
+              <a:rPr lang="en-US" sz="2000" dirty="0" smtClean="0"/>
+              <a:t> </a:t>
+            </a:r>
+            <a:r>
+              <a:rPr lang="en-US" sz="2000" dirty="0" smtClean="0"/>
+              <a:t>…</a:t>
+            </a:r>
+            <a:r>
+              <a:rPr lang="en-GB" sz="2000" dirty="0" err="1" smtClean="0"/>
+              <a:t>xy</a:t>
+            </a:r>
+            <a:r>
+              <a:rPr lang="en-GB" sz="2000" dirty="0" smtClean="0"/>
+              <a:t>…. </a:t>
+            </a:r>
+            <a:r>
+              <a:rPr lang="el-GR" sz="2000" dirty="0" smtClean="0"/>
+              <a:t>και </a:t>
+            </a:r>
+            <a:r>
+              <a:rPr lang="en-US" sz="2000" dirty="0" smtClean="0"/>
+              <a:t> …</a:t>
+            </a:r>
+            <a:r>
+              <a:rPr lang="en-GB" sz="2000" dirty="0" err="1" smtClean="0"/>
+              <a:t>yx</a:t>
+            </a:r>
+            <a:r>
+              <a:rPr lang="en-GB" sz="2000" dirty="0" smtClean="0"/>
+              <a:t>…. (</a:t>
+            </a:r>
+            <a:r>
+              <a:rPr lang="el-GR" sz="2000" dirty="0" smtClean="0"/>
+              <a:t>παράδειγμα </a:t>
+            </a:r>
+            <a:r>
+              <a:rPr lang="en-US" sz="2000" dirty="0" smtClean="0"/>
+              <a:t> b</a:t>
+            </a:r>
+            <a:r>
+              <a:rPr lang="el-GR" sz="2000" dirty="0" smtClean="0"/>
+              <a:t>||</a:t>
+            </a:r>
+            <a:r>
+              <a:rPr lang="en-US" sz="2000" dirty="0" smtClean="0"/>
+              <a:t>c</a:t>
+            </a:r>
+            <a:r>
+              <a:rPr lang="el-GR" sz="2000" dirty="0" smtClean="0"/>
+              <a:t> , </a:t>
+            </a:r>
+            <a:r>
+              <a:rPr lang="en-US" sz="2000" dirty="0" smtClean="0"/>
+              <a:t>c</a:t>
+            </a:r>
+            <a:r>
+              <a:rPr lang="el-GR" sz="2000" dirty="0" smtClean="0"/>
+              <a:t>||</a:t>
+            </a:r>
+            <a:r>
+              <a:rPr lang="en-US" sz="2000" dirty="0" smtClean="0"/>
+              <a:t>b</a:t>
+            </a:r>
+            <a:r>
+              <a:rPr lang="en-GB" sz="2000" dirty="0" smtClean="0"/>
+              <a:t>)</a:t>
+            </a:r>
+            <a:endParaRPr lang="el-GR" sz="2000" dirty="0" smtClean="0"/>
+          </a:p>
+          <a:p>
+            <a:pPr lvl="0">
+              <a:buFont typeface="Wingdings" pitchFamily="2" charset="2"/>
+              <a:buChar char="q"/>
+            </a:pPr>
+            <a:r>
+              <a:rPr lang="en-US" sz="2000" b="1" dirty="0" smtClean="0"/>
+              <a:t>Choice- exclusiveness </a:t>
+            </a:r>
+            <a:r>
+              <a:rPr lang="en-GB" sz="2000" dirty="0" smtClean="0"/>
+              <a:t>(</a:t>
+            </a:r>
+            <a:r>
+              <a:rPr lang="en-US" sz="2000" b="1" dirty="0" smtClean="0"/>
+              <a:t>x</a:t>
+            </a:r>
+            <a:r>
+              <a:rPr lang="en-GB" sz="2000" b="1" dirty="0" smtClean="0"/>
               <a:t>#</a:t>
             </a:r>
             <a:r>
-              <a:rPr lang="en-US" sz="2400" b="1" dirty="0" smtClean="0"/>
-              <a:t>b</a:t>
-            </a:r>
-            <a:r>
-              <a:rPr lang="el-GR" sz="2400" b="1" dirty="0" smtClean="0"/>
-              <a:t> , </a:t>
-            </a:r>
-            <a:r>
-              <a:rPr lang="en-US" sz="2400" b="1" dirty="0" smtClean="0"/>
-              <a:t>c</a:t>
-            </a:r>
-            <a:r>
-              <a:rPr lang="el-GR" sz="2400" b="1" dirty="0" smtClean="0"/>
+              <a:rPr lang="en-US" sz="2000" b="1" dirty="0" smtClean="0"/>
+              <a:t>y</a:t>
+            </a:r>
+            <a:r>
+              <a:rPr lang="en-GB" sz="2000" dirty="0" smtClean="0"/>
+              <a:t>) </a:t>
+            </a:r>
+            <a:r>
+              <a:rPr lang="el-GR" sz="2000" dirty="0" smtClean="0"/>
+              <a:t>Δεν υπάρχουν</a:t>
+            </a:r>
+            <a:r>
+              <a:rPr lang="el-GR" sz="2000" b="1" dirty="0" smtClean="0"/>
+              <a:t> </a:t>
+            </a:r>
+            <a:r>
+              <a:rPr lang="el-GR" sz="2000" dirty="0" smtClean="0"/>
+              <a:t>ακολουθίες</a:t>
+            </a:r>
+            <a:r>
+              <a:rPr lang="en-GB" sz="2000" dirty="0" smtClean="0"/>
+              <a:t> </a:t>
+            </a:r>
+            <a:r>
+              <a:rPr lang="en-GB" sz="2000" dirty="0" smtClean="0"/>
+              <a:t>…</a:t>
+            </a:r>
+            <a:r>
+              <a:rPr lang="en-GB" sz="2000" dirty="0" err="1" smtClean="0"/>
+              <a:t>xy</a:t>
+            </a:r>
+            <a:r>
+              <a:rPr lang="en-GB" sz="2000" dirty="0" smtClean="0"/>
+              <a:t>…. </a:t>
+            </a:r>
+            <a:r>
+              <a:rPr lang="el-GR" sz="2000" dirty="0" smtClean="0"/>
+              <a:t>ούτε και …</a:t>
+            </a:r>
+            <a:r>
+              <a:rPr lang="en-GB" sz="2000" dirty="0" err="1" smtClean="0"/>
+              <a:t>yx</a:t>
+            </a:r>
+            <a:r>
+              <a:rPr lang="el-GR" sz="2000" dirty="0" smtClean="0"/>
+              <a:t>….</a:t>
+            </a:r>
+            <a:r>
+              <a:rPr lang="en-US" sz="2000" dirty="0" smtClean="0"/>
+              <a:t> (</a:t>
+            </a:r>
+            <a:r>
+              <a:rPr lang="el-GR" sz="2000" dirty="0" smtClean="0"/>
+              <a:t>παράδειγμα </a:t>
+            </a:r>
+            <a:r>
+              <a:rPr lang="en-US" sz="2000" dirty="0" smtClean="0"/>
+              <a:t>a</a:t>
+            </a:r>
+            <a:r>
+              <a:rPr lang="el-GR" sz="2000" dirty="0" smtClean="0"/>
               <a:t>#</a:t>
             </a:r>
             <a:r>
-              <a:rPr lang="en-US" sz="2400" b="1" dirty="0" smtClean="0"/>
-              <a:t>d</a:t>
-            </a:r>
-            <a:r>
-              <a:rPr lang="el-GR" sz="2400" b="1" dirty="0" smtClean="0"/>
-              <a:t> , </a:t>
-            </a:r>
-            <a:r>
-              <a:rPr lang="en-US" sz="2400" b="1" dirty="0" smtClean="0"/>
-              <a:t>a</a:t>
-            </a:r>
-            <a:r>
-              <a:rPr lang="el-GR" sz="2400" b="1" dirty="0" smtClean="0"/>
-              <a:t>-&gt;</a:t>
-            </a:r>
-            <a:r>
-              <a:rPr lang="en-US" sz="2400" b="1" dirty="0" smtClean="0"/>
-              <a:t>c</a:t>
-            </a:r>
-            <a:r>
-              <a:rPr lang="el-GR" sz="2400" b="1" dirty="0" smtClean="0"/>
-              <a:t> , </a:t>
-            </a:r>
-            <a:r>
-              <a:rPr lang="en-US" sz="2400" b="1" dirty="0" smtClean="0"/>
-              <a:t>a</a:t>
-            </a:r>
-            <a:r>
-              <a:rPr lang="el-GR" sz="2400" b="1" dirty="0" smtClean="0"/>
-              <a:t>-&gt;</a:t>
-            </a:r>
-            <a:r>
-              <a:rPr lang="en-US" sz="2400" b="1" dirty="0" smtClean="0"/>
-              <a:t>d</a:t>
-            </a:r>
-            <a:r>
-              <a:rPr lang="el-GR" sz="2400" b="1" dirty="0" smtClean="0"/>
-              <a:t> , </a:t>
-            </a:r>
-            <a:r>
-              <a:rPr lang="en-US" sz="2400" b="1" dirty="0" smtClean="0"/>
-              <a:t>b</a:t>
-            </a:r>
-            <a:r>
-              <a:rPr lang="el-GR" sz="2400" b="1" dirty="0" smtClean="0"/>
-              <a:t>-&gt;</a:t>
-            </a:r>
-            <a:r>
-              <a:rPr lang="en-US" sz="2400" b="1" dirty="0" smtClean="0"/>
-              <a:t>c</a:t>
-            </a:r>
-            <a:r>
-              <a:rPr lang="el-GR" sz="2400" b="1" dirty="0" smtClean="0"/>
-              <a:t> , </a:t>
-            </a:r>
-            <a:r>
-              <a:rPr lang="en-US" sz="2400" b="1" dirty="0" smtClean="0"/>
-              <a:t>b</a:t>
-            </a:r>
-            <a:r>
-              <a:rPr lang="el-GR" sz="2400" b="1" dirty="0" smtClean="0"/>
-              <a:t>-&gt;</a:t>
-            </a:r>
-            <a:r>
-              <a:rPr lang="en-US" sz="2400" b="1" dirty="0" smtClean="0"/>
-              <a:t>d</a:t>
-            </a:r>
-            <a:endParaRPr lang="el-GR" sz="2400" b="1" dirty="0"/>
+              <a:rPr lang="en-US" sz="2000" dirty="0" smtClean="0"/>
+              <a:t>d, </a:t>
+            </a:r>
+            <a:r>
+              <a:rPr lang="en-US" sz="2000" dirty="0" err="1" smtClean="0"/>
+              <a:t>b#e</a:t>
+            </a:r>
+            <a:r>
+              <a:rPr lang="en-US" sz="2000" dirty="0" smtClean="0"/>
+              <a:t>)</a:t>
+            </a:r>
+            <a:endParaRPr lang="el-GR" sz="2000" dirty="0" smtClean="0"/>
+          </a:p>
+          <a:p>
+            <a:endParaRPr lang="el-GR" dirty="0" smtClean="0"/>
           </a:p>
         </p:txBody>
       </p:sp>
       <p:pic>
         <p:nvPicPr>
-          <p:cNvPr id="4" name="Picture 3" descr="C:\Users\Vlasis\Dropbox\osyl\report\images\img20.png"/>
-          <p:cNvPicPr/>
+          <p:cNvPr id="1028" name="Picture 4"/>
+          <p:cNvPicPr>
+            <a:picLocks noChangeAspect="1" noChangeArrowheads="1"/>
+          </p:cNvPicPr>
           <p:nvPr/>
         </p:nvPicPr>
         <p:blipFill>
@@ -8575,40 +9194,8 @@
         </p:blipFill>
         <p:spPr bwMode="auto">
           <a:xfrm>
-            <a:off x="6096000" y="4953000"/>
-            <a:ext cx="2525742" cy="1581288"/>
-          </a:xfrm>
-          <a:prstGeom prst="rect">
-            <a:avLst/>
-          </a:prstGeom>
-          <a:noFill/>
-          <a:ln w="9525">
-            <a:noFill/>
-            <a:miter lim="800000"/>
-            <a:headEnd/>
-            <a:tailEnd/>
-          </a:ln>
-        </p:spPr>
-      </p:pic>
-      <p:pic>
-        <p:nvPicPr>
-          <p:cNvPr id="2052" name="Picture 4"/>
-          <p:cNvPicPr>
-            <a:picLocks noChangeAspect="1" noChangeArrowheads="1"/>
-          </p:cNvPicPr>
-          <p:nvPr/>
-        </p:nvPicPr>
-        <p:blipFill>
-          <a:blip r:embed="rId3"/>
-          <a:srcRect/>
-          <a:stretch>
-            <a:fillRect/>
-          </a:stretch>
-        </p:blipFill>
-        <p:spPr bwMode="auto">
-          <a:xfrm>
-            <a:off x="228600" y="4495800"/>
-            <a:ext cx="5934075" cy="1295400"/>
+            <a:off x="3200400" y="1524000"/>
+            <a:ext cx="5343525" cy="447675"/>
           </a:xfrm>
           <a:prstGeom prst="rect">
             <a:avLst/>
@@ -8628,6 +9215,13 @@
   <p:clrMapOvr>
     <a:masterClrMapping/>
   </p:clrMapOvr>
+  <p:timing>
+    <p:tnLst>
+      <p:par>
+        <p:cTn id="1" dur="indefinite" restart="never" nodeType="tmRoot"/>
+      </p:par>
+    </p:tnLst>
+  </p:timing>
 </p:sld>
 </file>
 
@@ -8672,309 +9266,196 @@
           <a:p>
             <a:pPr algn="ctr"/>
             <a:r>
+              <a:rPr lang="el-GR" b="1" dirty="0" smtClean="0"/>
+              <a:t>Αλγόριθμος </a:t>
+            </a:r>
+            <a:r>
               <a:rPr lang="en-US" b="1" dirty="0" smtClean="0"/>
-              <a:t>Alpha Algorithm – </a:t>
+              <a:t>Alpha </a:t>
+            </a:r>
+            <a:r>
+              <a:rPr lang="en-US" b="1" dirty="0" smtClean="0"/>
+              <a:t>– </a:t>
             </a:r>
             <a:r>
               <a:rPr lang="el-GR" b="1" dirty="0" smtClean="0"/>
-              <a:t>Βήματα</a:t>
-            </a:r>
-            <a:r>
-              <a:rPr lang="en-US" b="1" dirty="0" smtClean="0"/>
-              <a:t> (2)</a:t>
-            </a:r>
+              <a:t>Δομικά Στοιχεία</a:t>
+            </a:r>
+            <a:endParaRPr lang="el-GR" b="1" dirty="0"/>
+          </a:p>
+        </p:txBody>
+      </p:sp>
+      <p:sp>
+        <p:nvSpPr>
+          <p:cNvPr id="3" name="Content Placeholder 2"/>
+          <p:cNvSpPr>
+            <a:spLocks noGrp="1"/>
+          </p:cNvSpPr>
+          <p:nvPr>
+            <p:ph sz="quarter" idx="1"/>
+          </p:nvPr>
+        </p:nvSpPr>
+        <p:spPr>
+          <a:xfrm>
+            <a:off x="533400" y="914400"/>
+            <a:ext cx="8153400" cy="5562600"/>
+          </a:xfrm>
+        </p:spPr>
+        <p:txBody>
+          <a:bodyPr/>
+          <a:lstStyle/>
+          <a:p>
+            <a:r>
+              <a:rPr lang="en-US" sz="2400" b="1" dirty="0" smtClean="0"/>
+              <a:t>Causality pattern (a-&gt;b)</a:t>
+            </a:r>
+            <a:endParaRPr lang="el-GR" sz="2400" b="1" dirty="0" smtClean="0"/>
+          </a:p>
+          <a:p>
+            <a:endParaRPr lang="el-GR" b="1" dirty="0" smtClean="0"/>
+          </a:p>
+          <a:p>
+            <a:endParaRPr lang="el-GR" b="1" dirty="0" smtClean="0"/>
+          </a:p>
+          <a:p>
+            <a:endParaRPr lang="el-GR" b="1" dirty="0" smtClean="0"/>
+          </a:p>
+          <a:p>
+            <a:r>
+              <a:rPr lang="en-US" sz="2400" b="1" dirty="0" smtClean="0"/>
+              <a:t>XOR</a:t>
+            </a:r>
+            <a:r>
+              <a:rPr lang="el-GR" sz="2400" b="1" dirty="0" smtClean="0"/>
+              <a:t>-</a:t>
+            </a:r>
+            <a:r>
+              <a:rPr lang="en-US" sz="2400" b="1" dirty="0" smtClean="0"/>
+              <a:t>split pattern</a:t>
+            </a:r>
+            <a:r>
+              <a:rPr lang="el-GR" sz="2400" b="1" dirty="0" smtClean="0"/>
+              <a:t>  (</a:t>
+            </a:r>
+            <a:r>
+              <a:rPr lang="en-US" sz="2400" b="1" dirty="0" smtClean="0"/>
+              <a:t>a</a:t>
+            </a:r>
+            <a:r>
+              <a:rPr lang="el-GR" sz="2400" b="1" dirty="0" smtClean="0"/>
+              <a:t>-&gt;</a:t>
+            </a:r>
+            <a:r>
+              <a:rPr lang="en-US" sz="2400" b="1" dirty="0" smtClean="0"/>
+              <a:t>b</a:t>
+            </a:r>
+            <a:r>
+              <a:rPr lang="el-GR" sz="2400" b="1" dirty="0" smtClean="0"/>
+              <a:t> , </a:t>
+            </a:r>
+            <a:r>
+              <a:rPr lang="en-US" sz="2400" b="1" dirty="0" smtClean="0"/>
+              <a:t>a</a:t>
+            </a:r>
+            <a:r>
+              <a:rPr lang="el-GR" sz="2400" b="1" dirty="0" smtClean="0"/>
+              <a:t>-&gt;</a:t>
+            </a:r>
+            <a:r>
+              <a:rPr lang="en-US" sz="2400" b="1" dirty="0" smtClean="0"/>
+              <a:t>c</a:t>
+            </a:r>
+            <a:r>
+              <a:rPr lang="el-GR" sz="2400" b="1" dirty="0" smtClean="0"/>
+              <a:t> , </a:t>
+            </a:r>
+            <a:r>
+              <a:rPr lang="en-US" sz="2400" b="1" dirty="0" smtClean="0"/>
+              <a:t>b</a:t>
+            </a:r>
+            <a:r>
+              <a:rPr lang="el-GR" sz="2400" b="1" dirty="0" smtClean="0"/>
+              <a:t>#</a:t>
+            </a:r>
+            <a:r>
+              <a:rPr lang="en-US" sz="2400" b="1" dirty="0" smtClean="0"/>
+              <a:t>c</a:t>
+            </a:r>
+            <a:r>
+              <a:rPr lang="el-GR" sz="2400" b="1" dirty="0" smtClean="0"/>
+              <a:t>)</a:t>
+            </a:r>
+          </a:p>
+          <a:p>
+            <a:pPr>
+              <a:buNone/>
+            </a:pPr>
+            <a:r>
+              <a:rPr lang="el-GR" sz="2000" dirty="0" smtClean="0"/>
+              <a:t>Επιλογή μεταξύ </a:t>
+            </a:r>
+            <a:r>
+              <a:rPr lang="en-US" sz="2000" b="1" dirty="0" smtClean="0"/>
+              <a:t>b </a:t>
+            </a:r>
+            <a:r>
+              <a:rPr lang="el-GR" sz="2000" dirty="0" smtClean="0"/>
+              <a:t>και</a:t>
+            </a:r>
+            <a:r>
+              <a:rPr lang="en-US" sz="2000" b="1" dirty="0" smtClean="0"/>
+              <a:t> c</a:t>
+            </a:r>
+            <a:endParaRPr lang="el-GR" sz="2000" b="1" dirty="0" smtClean="0"/>
+          </a:p>
+          <a:p>
+            <a:pPr>
+              <a:buNone/>
+            </a:pPr>
+            <a:endParaRPr lang="el-GR" sz="2000" b="1" dirty="0" smtClean="0"/>
+          </a:p>
+          <a:p>
+            <a:pPr>
+              <a:buNone/>
+            </a:pPr>
+            <a:endParaRPr lang="el-GR" sz="2400" b="1" dirty="0" smtClean="0"/>
+          </a:p>
+          <a:p>
+            <a:pPr>
+              <a:buNone/>
+            </a:pPr>
+            <a:endParaRPr lang="el-GR" sz="2400" b="1" dirty="0" smtClean="0"/>
+          </a:p>
+          <a:p>
+            <a:endParaRPr lang="el-GR" sz="2400" b="1" dirty="0" smtClean="0"/>
+          </a:p>
+          <a:p>
+            <a:r>
+              <a:rPr lang="en-US" sz="2400" b="1" dirty="0" smtClean="0"/>
+              <a:t>AND-split pattern  (a-&gt;b ,a-&gt;c , b||c)</a:t>
+            </a:r>
+            <a:endParaRPr lang="el-GR" sz="2400" b="1" dirty="0" smtClean="0"/>
+          </a:p>
+          <a:p>
+            <a:endParaRPr lang="el-GR" sz="2400" b="1" dirty="0" smtClean="0"/>
+          </a:p>
+          <a:p>
+            <a:endParaRPr lang="el-GR" sz="2400" b="1" dirty="0" smtClean="0"/>
+          </a:p>
+          <a:p>
+            <a:pPr>
+              <a:buNone/>
+            </a:pPr>
+            <a:endParaRPr lang="el-GR" dirty="0" smtClean="0"/>
+          </a:p>
+          <a:p>
             <a:endParaRPr lang="el-GR" dirty="0"/>
-          </a:p>
-        </p:txBody>
-      </p:sp>
-      <p:sp>
-        <p:nvSpPr>
-          <p:cNvPr id="3" name="Content Placeholder 2"/>
-          <p:cNvSpPr>
-            <a:spLocks noGrp="1"/>
-          </p:cNvSpPr>
-          <p:nvPr>
-            <p:ph sz="quarter" idx="1"/>
-          </p:nvPr>
-        </p:nvSpPr>
-        <p:spPr>
-          <a:xfrm>
-            <a:off x="533400" y="914400"/>
-            <a:ext cx="8382000" cy="5638800"/>
-          </a:xfrm>
-        </p:spPr>
-        <p:txBody>
-          <a:bodyPr/>
-          <a:lstStyle/>
-          <a:p>
-            <a:pPr marL="514350" indent="-514350">
-              <a:buFont typeface="+mj-lt"/>
-              <a:buAutoNum type="arabicPeriod" startAt="5"/>
-            </a:pPr>
-            <a:r>
-              <a:rPr lang="el-GR" sz="2400" dirty="0" smtClean="0"/>
-              <a:t>Διαγραφή </a:t>
-            </a:r>
-            <a:r>
-              <a:rPr lang="en-US" sz="2400" dirty="0" smtClean="0"/>
-              <a:t>non-maximal  causal groups  </a:t>
-            </a:r>
-            <a:r>
-              <a:rPr lang="el-GR" sz="2400" dirty="0" smtClean="0"/>
-              <a:t>από το βήμα 4</a:t>
-            </a:r>
-          </a:p>
-          <a:p>
-            <a:pPr marL="514350" indent="-514350">
-              <a:buFont typeface="+mj-lt"/>
-              <a:buAutoNum type="arabicPeriod" startAt="5"/>
-            </a:pPr>
-            <a:endParaRPr lang="el-GR" sz="2400" dirty="0" smtClean="0"/>
-          </a:p>
-          <a:p>
-            <a:pPr marL="514350" indent="-514350">
-              <a:buFont typeface="+mj-lt"/>
-              <a:buAutoNum type="arabicPeriod" startAt="5"/>
-            </a:pPr>
-            <a:endParaRPr lang="el-GR" sz="2400" dirty="0" smtClean="0"/>
-          </a:p>
-          <a:p>
-            <a:pPr marL="514350" indent="-514350">
-              <a:buFont typeface="+mj-lt"/>
-              <a:buAutoNum type="arabicPeriod" startAt="5"/>
-            </a:pPr>
-            <a:endParaRPr lang="el-GR" sz="2400" dirty="0" smtClean="0"/>
-          </a:p>
-          <a:p>
-            <a:pPr marL="514350" indent="-514350">
-              <a:buFont typeface="+mj-lt"/>
-              <a:buAutoNum type="arabicPeriod" startAt="5"/>
-            </a:pPr>
-            <a:r>
-              <a:rPr lang="el-GR" sz="2200" dirty="0" smtClean="0"/>
-              <a:t>Εύρεση των </a:t>
-            </a:r>
-            <a:r>
-              <a:rPr lang="en-US" sz="2200" dirty="0" smtClean="0"/>
-              <a:t>places</a:t>
-            </a:r>
-            <a:r>
-              <a:rPr lang="el-GR" sz="2200" dirty="0" smtClean="0"/>
-              <a:t>/</a:t>
-            </a:r>
-            <a:r>
-              <a:rPr lang="en-US" sz="2200" dirty="0" smtClean="0"/>
-              <a:t>states </a:t>
-            </a:r>
-            <a:r>
-              <a:rPr lang="el-GR" sz="2200" dirty="0" smtClean="0"/>
-              <a:t>του</a:t>
-            </a:r>
-            <a:r>
-              <a:rPr lang="en-US" sz="2200" dirty="0" smtClean="0"/>
-              <a:t> Petri Net</a:t>
-            </a:r>
-            <a:r>
-              <a:rPr lang="el-GR" sz="2200" dirty="0" smtClean="0"/>
-              <a:t> από τα </a:t>
-            </a:r>
-            <a:r>
-              <a:rPr lang="en-US" sz="2200" dirty="0" smtClean="0"/>
-              <a:t>causal groups. </a:t>
-            </a:r>
-            <a:r>
-              <a:rPr lang="el-GR" sz="2200" dirty="0" smtClean="0"/>
-              <a:t>Πρσθήκη μιας αρχικής  και μιας τελικής κατάστασης . Αποτελεί το σύνολο </a:t>
-            </a:r>
-            <a:r>
-              <a:rPr lang="en-US" sz="2200" dirty="0" smtClean="0"/>
-              <a:t>P </a:t>
-            </a:r>
-            <a:r>
-              <a:rPr lang="el-GR" sz="2200" dirty="0" smtClean="0"/>
-              <a:t>της τριάδας </a:t>
-            </a:r>
-            <a:r>
-              <a:rPr lang="el-GR" sz="2200" b="1" dirty="0" smtClean="0"/>
-              <a:t>(</a:t>
-            </a:r>
-            <a:r>
-              <a:rPr lang="en-US" sz="2200" b="1" dirty="0" smtClean="0"/>
-              <a:t>P</a:t>
-            </a:r>
-            <a:r>
-              <a:rPr lang="el-GR" sz="2200" b="1" dirty="0" smtClean="0"/>
-              <a:t>, </a:t>
-            </a:r>
-            <a:r>
-              <a:rPr lang="en-US" sz="2200" b="1" dirty="0" smtClean="0"/>
-              <a:t>T</a:t>
-            </a:r>
-            <a:r>
-              <a:rPr lang="el-GR" sz="2200" b="1" dirty="0" smtClean="0"/>
-              <a:t>, </a:t>
-            </a:r>
-            <a:r>
-              <a:rPr lang="en-US" sz="2200" b="1" dirty="0" smtClean="0"/>
-              <a:t>F</a:t>
-            </a:r>
-            <a:r>
-              <a:rPr lang="el-GR" sz="2200" b="1" dirty="0" smtClean="0"/>
-              <a:t>)</a:t>
-            </a:r>
-            <a:r>
-              <a:rPr lang="el-GR" sz="2200" dirty="0" smtClean="0"/>
-              <a:t> που περιγράφει το </a:t>
-            </a:r>
-            <a:r>
-              <a:rPr lang="en-US" sz="2200" dirty="0" smtClean="0"/>
-              <a:t>Petri Net </a:t>
-            </a:r>
-            <a:endParaRPr lang="el-GR" sz="2200" dirty="0" smtClean="0"/>
-          </a:p>
-          <a:p>
-            <a:pPr marL="514350" indent="-514350">
-              <a:buFont typeface="+mj-lt"/>
-              <a:buAutoNum type="arabicPeriod" startAt="5"/>
-            </a:pPr>
-            <a:endParaRPr lang="en-US" sz="2400" dirty="0" smtClean="0"/>
-          </a:p>
-          <a:p>
-            <a:pPr marL="514350" indent="-514350">
-              <a:buFont typeface="+mj-lt"/>
-              <a:buAutoNum type="arabicPeriod" startAt="5"/>
-            </a:pPr>
-            <a:r>
-              <a:rPr lang="el-GR" sz="2400" dirty="0" smtClean="0"/>
-              <a:t>Εύρεση του </a:t>
-            </a:r>
-            <a:r>
-              <a:rPr lang="en-US" sz="2400" b="1" dirty="0" smtClean="0"/>
-              <a:t>flow relation</a:t>
-            </a:r>
-            <a:r>
-              <a:rPr lang="en-US" sz="2400" dirty="0" smtClean="0"/>
-              <a:t> </a:t>
-            </a:r>
-            <a:r>
-              <a:rPr lang="el-GR" sz="2400" dirty="0" smtClean="0"/>
-              <a:t>του </a:t>
-            </a:r>
-            <a:r>
-              <a:rPr lang="en-US" sz="2400" dirty="0" smtClean="0"/>
-              <a:t>Petri Net</a:t>
-            </a:r>
-            <a:r>
-              <a:rPr lang="el-GR" sz="2400" dirty="0" smtClean="0"/>
-              <a:t> (</a:t>
-            </a:r>
-            <a:r>
-              <a:rPr lang="en-US" sz="2400" dirty="0" smtClean="0"/>
-              <a:t>F </a:t>
-            </a:r>
-            <a:r>
-              <a:rPr lang="el-GR" sz="2400" dirty="0" smtClean="0"/>
-              <a:t>από την τριάδα (</a:t>
-            </a:r>
-            <a:r>
-              <a:rPr lang="en-US" sz="2400" b="1" dirty="0" smtClean="0"/>
-              <a:t>P</a:t>
-            </a:r>
-            <a:r>
-              <a:rPr lang="el-GR" sz="2400" b="1" dirty="0" smtClean="0"/>
-              <a:t>, </a:t>
-            </a:r>
-            <a:r>
-              <a:rPr lang="en-US" sz="2400" b="1" dirty="0" smtClean="0"/>
-              <a:t>T</a:t>
-            </a:r>
-            <a:r>
-              <a:rPr lang="el-GR" sz="2400" b="1" dirty="0" smtClean="0"/>
-              <a:t>, </a:t>
-            </a:r>
-            <a:r>
-              <a:rPr lang="en-US" sz="2400" b="1" dirty="0" smtClean="0"/>
-              <a:t>F</a:t>
-            </a:r>
-            <a:r>
-              <a:rPr lang="el-GR" sz="2400" dirty="0" smtClean="0"/>
-              <a:t>))</a:t>
-            </a:r>
-            <a:r>
-              <a:rPr lang="en-US" sz="2400" dirty="0" smtClean="0"/>
-              <a:t> </a:t>
-            </a:r>
-          </a:p>
-          <a:p>
-            <a:pPr marL="514350" indent="-514350">
-              <a:buFont typeface="+mj-lt"/>
-              <a:buAutoNum type="arabicPeriod" startAt="5"/>
-            </a:pPr>
-            <a:endParaRPr lang="en-US" sz="2400" dirty="0" smtClean="0"/>
-          </a:p>
-          <a:p>
-            <a:pPr marL="514350" indent="-514350">
-              <a:buFont typeface="+mj-lt"/>
-              <a:buAutoNum type="arabicPeriod" startAt="5"/>
-            </a:pPr>
-            <a:r>
-              <a:rPr lang="en-US" sz="2400" dirty="0" smtClean="0"/>
-              <a:t>K</a:t>
-            </a:r>
-            <a:r>
-              <a:rPr lang="el-GR" sz="2400" dirty="0" smtClean="0"/>
-              <a:t>ατασκευή του τελικού </a:t>
-            </a:r>
-            <a:r>
-              <a:rPr lang="en-US" sz="2400" dirty="0" smtClean="0"/>
-              <a:t>Petri Net </a:t>
-            </a:r>
-            <a:r>
-              <a:rPr lang="el-GR" sz="2400" dirty="0" smtClean="0"/>
-              <a:t>το οποίο αποτελείται από μια τριάδα συνόλων </a:t>
-            </a:r>
-            <a:r>
-              <a:rPr lang="el-GR" sz="2400" b="1" dirty="0" smtClean="0"/>
-              <a:t>(</a:t>
-            </a:r>
-            <a:r>
-              <a:rPr lang="en-US" sz="2400" b="1" dirty="0" smtClean="0"/>
-              <a:t>P</a:t>
-            </a:r>
-            <a:r>
-              <a:rPr lang="el-GR" sz="2400" b="1" dirty="0" smtClean="0"/>
-              <a:t>, </a:t>
-            </a:r>
-            <a:r>
-              <a:rPr lang="en-US" sz="2400" b="1" dirty="0" smtClean="0"/>
-              <a:t>T</a:t>
-            </a:r>
-            <a:r>
-              <a:rPr lang="el-GR" sz="2400" b="1" dirty="0" smtClean="0"/>
-              <a:t>, </a:t>
-            </a:r>
-            <a:r>
-              <a:rPr lang="en-US" sz="2400" b="1" dirty="0" smtClean="0"/>
-              <a:t>F</a:t>
-            </a:r>
-            <a:r>
-              <a:rPr lang="el-GR" sz="2400" b="1" dirty="0" smtClean="0"/>
-              <a:t>).</a:t>
-            </a:r>
-            <a:endParaRPr lang="el-GR" sz="2200" dirty="0" smtClean="0"/>
-          </a:p>
-          <a:p>
-            <a:pPr marL="514350" indent="-514350">
-              <a:buFont typeface="+mj-lt"/>
-              <a:buAutoNum type="arabicPeriod" startAt="5"/>
-            </a:pPr>
-            <a:endParaRPr lang="el-GR" sz="2400" dirty="0"/>
           </a:p>
         </p:txBody>
       </p:sp>
       <p:pic>
         <p:nvPicPr>
-          <p:cNvPr id="4" name="Picture 3" descr="C:\Users\Vlasis\Dropbox\osyl\report\images\img21.png"/>
+          <p:cNvPr id="4" name="Picture 3" descr="C:\Users\Vlasis\Dropbox\osyl\report\images\img14.png"/>
           <p:cNvPicPr/>
           <p:nvPr/>
         </p:nvPicPr>
@@ -8987,8 +9468,8 @@
         </p:blipFill>
         <p:spPr bwMode="auto">
           <a:xfrm>
-            <a:off x="4267200" y="1371600"/>
-            <a:ext cx="4497953" cy="1375576"/>
+            <a:off x="4724400" y="838200"/>
+            <a:ext cx="3543659" cy="897147"/>
           </a:xfrm>
           <a:prstGeom prst="rect">
             <a:avLst/>
@@ -9002,11 +9483,78 @@
           </a:ln>
         </p:spPr>
       </p:pic>
+      <p:pic>
+        <p:nvPicPr>
+          <p:cNvPr id="5" name="Picture 4" descr="C:\Users\Vlasis\Dropbox\osyl\report\images\img15.png"/>
+          <p:cNvPicPr/>
+          <p:nvPr/>
+        </p:nvPicPr>
+        <p:blipFill>
+          <a:blip r:embed="rId3"/>
+          <a:srcRect/>
+          <a:stretch>
+            <a:fillRect/>
+          </a:stretch>
+        </p:blipFill>
+        <p:spPr bwMode="auto">
+          <a:xfrm>
+            <a:off x="5867400" y="3048000"/>
+            <a:ext cx="2706897" cy="1066800"/>
+          </a:xfrm>
+          <a:prstGeom prst="rect">
+            <a:avLst/>
+          </a:prstGeom>
+          <a:noFill/>
+          <a:ln w="9525">
+            <a:noFill/>
+            <a:miter lim="800000"/>
+            <a:headEnd/>
+            <a:tailEnd/>
+          </a:ln>
+        </p:spPr>
+      </p:pic>
+      <p:pic>
+        <p:nvPicPr>
+          <p:cNvPr id="7" name="Picture 6" descr="C:\Users\Vlasis\Dropbox\osyl\report\images\img17.png"/>
+          <p:cNvPicPr/>
+          <p:nvPr/>
+        </p:nvPicPr>
+        <p:blipFill>
+          <a:blip r:embed="rId4"/>
+          <a:srcRect/>
+          <a:stretch>
+            <a:fillRect/>
+          </a:stretch>
+        </p:blipFill>
+        <p:spPr bwMode="auto">
+          <a:xfrm>
+            <a:off x="6019800" y="5257800"/>
+            <a:ext cx="2479228" cy="1121134"/>
+          </a:xfrm>
+          <a:prstGeom prst="rect">
+            <a:avLst/>
+          </a:prstGeom>
+          <a:noFill/>
+          <a:ln w="9525">
+            <a:noFill/>
+            <a:miter lim="800000"/>
+            <a:headEnd/>
+            <a:tailEnd/>
+          </a:ln>
+        </p:spPr>
+      </p:pic>
     </p:spTree>
   </p:cSld>
   <p:clrMapOvr>
     <a:masterClrMapping/>
   </p:clrMapOvr>
+  <p:timing>
+    <p:tnLst>
+      <p:par>
+        <p:cTn id="1" dur="indefinite" restart="never" nodeType="tmRoot"/>
+      </p:par>
+    </p:tnLst>
+  </p:timing>
 </p:sld>
 </file>
 
@@ -9040,7 +9588,7 @@
         <p:spPr>
           <a:xfrm>
             <a:off x="914400" y="274638"/>
-            <a:ext cx="7772400" cy="715962"/>
+            <a:ext cx="7772400" cy="639762"/>
           </a:xfrm>
         </p:spPr>
         <p:txBody>
@@ -9051,26 +9599,370 @@
           <a:p>
             <a:pPr algn="ctr"/>
             <a:r>
+              <a:rPr lang="el-GR" b="1" dirty="0" smtClean="0"/>
+              <a:t>Αλγόριθμος </a:t>
+            </a:r>
+            <a:r>
               <a:rPr lang="en-US" b="1" dirty="0" smtClean="0"/>
-              <a:t>Alpha Algorithm – </a:t>
+              <a:t>Alpha </a:t>
+            </a:r>
+            <a:r>
+              <a:rPr lang="en-US" b="1" dirty="0" smtClean="0"/>
+              <a:t>– </a:t>
             </a:r>
             <a:r>
               <a:rPr lang="el-GR" b="1" dirty="0" smtClean="0"/>
-              <a:t>Παράδειγμα</a:t>
-            </a:r>
-            <a:endParaRPr lang="el-GR" dirty="0"/>
+              <a:t>Βήματα</a:t>
+            </a:r>
+            <a:r>
+              <a:rPr lang="en-US" b="1" dirty="0" smtClean="0"/>
+              <a:t> (1)</a:t>
+            </a:r>
+            <a:endParaRPr lang="el-GR" b="1" dirty="0"/>
+          </a:p>
+        </p:txBody>
+      </p:sp>
+      <p:sp>
+        <p:nvSpPr>
+          <p:cNvPr id="3" name="Content Placeholder 2"/>
+          <p:cNvSpPr>
+            <a:spLocks noGrp="1"/>
+          </p:cNvSpPr>
+          <p:nvPr>
+            <p:ph sz="quarter" idx="1"/>
+          </p:nvPr>
+        </p:nvSpPr>
+        <p:spPr>
+          <a:xfrm>
+            <a:off x="533400" y="914400"/>
+            <a:ext cx="8305800" cy="5638800"/>
+          </a:xfrm>
+        </p:spPr>
+        <p:txBody>
+          <a:bodyPr>
+            <a:normAutofit lnSpcReduction="10000"/>
+          </a:bodyPr>
+          <a:lstStyle/>
+          <a:p>
+            <a:pPr marL="514350" indent="-514350">
+              <a:buFont typeface="+mj-lt"/>
+              <a:buAutoNum type="arabicPeriod"/>
+            </a:pPr>
+            <a:r>
+              <a:rPr lang="el-GR" sz="2400" dirty="0" smtClean="0"/>
+              <a:t>Μοναδικές </a:t>
+            </a:r>
+            <a:r>
+              <a:rPr lang="el-GR" sz="2400" b="1" dirty="0" smtClean="0"/>
+              <a:t>μεταβάσεις (</a:t>
+            </a:r>
+            <a:r>
+              <a:rPr lang="en-US" sz="2400" b="1" dirty="0" smtClean="0"/>
+              <a:t>events</a:t>
+            </a:r>
+            <a:r>
+              <a:rPr lang="el-GR" sz="2400" b="1" dirty="0" smtClean="0"/>
+              <a:t>) </a:t>
+            </a:r>
+            <a:r>
+              <a:rPr lang="el-GR" sz="2400" dirty="0" smtClean="0"/>
+              <a:t>που </a:t>
+            </a:r>
+            <a:r>
+              <a:rPr lang="el-GR" sz="2400" dirty="0" smtClean="0"/>
+              <a:t>υπάρχουν στο </a:t>
+            </a:r>
+            <a:r>
+              <a:rPr lang="el-GR" sz="2400" dirty="0" smtClean="0"/>
+              <a:t>σύνολο γεγονότων.</a:t>
+            </a:r>
+            <a:endParaRPr lang="el-GR" sz="2400" dirty="0" smtClean="0"/>
+          </a:p>
+          <a:p>
+            <a:pPr marL="514350" indent="-514350">
+              <a:buFont typeface="+mj-lt"/>
+              <a:buAutoNum type="arabicPeriod"/>
+            </a:pPr>
+            <a:r>
+              <a:rPr lang="el-GR" sz="2400" dirty="0" smtClean="0"/>
+              <a:t>Όλες τις αρχικές </a:t>
+            </a:r>
+            <a:r>
+              <a:rPr lang="el-GR" sz="2400" b="1" dirty="0" smtClean="0"/>
+              <a:t>μεταβάσεις (</a:t>
+            </a:r>
+            <a:r>
+              <a:rPr lang="en-US" sz="2400" b="1" dirty="0" smtClean="0"/>
+              <a:t>events</a:t>
+            </a:r>
+            <a:r>
+              <a:rPr lang="el-GR" sz="2400" b="1" dirty="0" smtClean="0"/>
+              <a:t>) </a:t>
+            </a:r>
+            <a:r>
+              <a:rPr lang="el-GR" sz="2400" dirty="0" smtClean="0"/>
+              <a:t>που</a:t>
+            </a:r>
+            <a:r>
+              <a:rPr lang="el-GR" sz="2400" b="1" dirty="0" smtClean="0"/>
+              <a:t> </a:t>
+            </a:r>
+            <a:r>
+              <a:rPr lang="el-GR" sz="2400" dirty="0" smtClean="0"/>
+              <a:t>υπάρχουν στο </a:t>
+            </a:r>
+            <a:r>
+              <a:rPr lang="el-GR" sz="2400" dirty="0" smtClean="0"/>
+              <a:t>σύνολο γεγονότων</a:t>
+            </a:r>
+            <a:r>
+              <a:rPr lang="el-GR" sz="2400" b="1" dirty="0" smtClean="0"/>
+              <a:t>, </a:t>
+            </a:r>
+            <a:r>
+              <a:rPr lang="el-GR" sz="2400" dirty="0" smtClean="0"/>
+              <a:t>δηλαδή το πρώτο στοιχείο κάθε </a:t>
+            </a:r>
+            <a:r>
+              <a:rPr lang="en-US" sz="2400" b="1" dirty="0" smtClean="0"/>
+              <a:t>trace </a:t>
+            </a:r>
+            <a:r>
+              <a:rPr lang="el-GR" sz="2400" dirty="0" smtClean="0"/>
+              <a:t>που ανήκει στο </a:t>
+            </a:r>
+            <a:r>
+              <a:rPr lang="el-GR" sz="2400" dirty="0" smtClean="0"/>
+              <a:t>σύνολο γεγονότων.</a:t>
+            </a:r>
+            <a:endParaRPr lang="el-GR" sz="2400" dirty="0" smtClean="0"/>
+          </a:p>
+          <a:p>
+            <a:pPr marL="514350" indent="-514350">
+              <a:buFont typeface="+mj-lt"/>
+              <a:buAutoNum type="arabicPeriod"/>
+            </a:pPr>
+            <a:r>
+              <a:rPr lang="el-GR" sz="2400" dirty="0" smtClean="0"/>
+              <a:t>Όλες τις τελικές </a:t>
+            </a:r>
+            <a:r>
+              <a:rPr lang="el-GR" sz="2400" b="1" dirty="0" smtClean="0"/>
+              <a:t>μεταβάσεις (</a:t>
+            </a:r>
+            <a:r>
+              <a:rPr lang="en-US" sz="2400" b="1" dirty="0" smtClean="0"/>
+              <a:t>events</a:t>
+            </a:r>
+            <a:r>
+              <a:rPr lang="el-GR" sz="2400" b="1" dirty="0" smtClean="0"/>
+              <a:t>)</a:t>
+            </a:r>
+            <a:r>
+              <a:rPr lang="en-US" sz="2400" b="1" dirty="0" smtClean="0"/>
+              <a:t> </a:t>
+            </a:r>
+            <a:r>
+              <a:rPr lang="el-GR" sz="2400" dirty="0" smtClean="0"/>
+              <a:t>που</a:t>
+            </a:r>
+            <a:r>
+              <a:rPr lang="el-GR" sz="2400" b="1" dirty="0" smtClean="0"/>
+              <a:t> </a:t>
+            </a:r>
+            <a:r>
+              <a:rPr lang="el-GR" sz="2400" dirty="0" smtClean="0"/>
+              <a:t>υπάρχουν στο </a:t>
+            </a:r>
+            <a:r>
+              <a:rPr lang="el-GR" sz="2400" dirty="0" smtClean="0"/>
+              <a:t>σύνολο γεγονότων</a:t>
+            </a:r>
+            <a:r>
+              <a:rPr lang="el-GR" sz="2400" b="1" dirty="0" smtClean="0"/>
+              <a:t>, </a:t>
+            </a:r>
+            <a:r>
+              <a:rPr lang="el-GR" sz="2400" dirty="0" smtClean="0"/>
+              <a:t>δηλαδή το τελευταίο στοιχείο κάθε </a:t>
+            </a:r>
+            <a:r>
+              <a:rPr lang="en-US" sz="2400" b="1" dirty="0" smtClean="0"/>
+              <a:t>trace </a:t>
+            </a:r>
+            <a:r>
+              <a:rPr lang="el-GR" sz="2400" dirty="0" smtClean="0"/>
+              <a:t>που ανήκει στο </a:t>
+            </a:r>
+            <a:r>
+              <a:rPr lang="el-GR" sz="2400" dirty="0" smtClean="0"/>
+              <a:t>σύνολο γεγονότων.</a:t>
+            </a:r>
+            <a:endParaRPr lang="el-GR" sz="2400" dirty="0" smtClean="0"/>
+          </a:p>
+          <a:p>
+            <a:pPr marL="514350" indent="-514350">
+              <a:buFont typeface="+mj-lt"/>
+              <a:buAutoNum type="arabicPeriod"/>
+            </a:pPr>
+            <a:r>
+              <a:rPr lang="el-GR" sz="2400" dirty="0" smtClean="0"/>
+              <a:t>Κατασκευή πίνακα σχέσεων (</a:t>
+            </a:r>
+            <a:r>
+              <a:rPr lang="en-US" sz="2400" b="1" dirty="0" smtClean="0"/>
+              <a:t>footprint graph</a:t>
+            </a:r>
+            <a:r>
+              <a:rPr lang="el-GR" sz="2400" dirty="0" smtClean="0"/>
+              <a:t>)</a:t>
+            </a:r>
+            <a:r>
+              <a:rPr lang="el-GR" sz="2400" b="1" dirty="0" smtClean="0"/>
+              <a:t> </a:t>
+            </a:r>
+            <a:r>
+              <a:rPr lang="el-GR" sz="2400" dirty="0" smtClean="0"/>
+              <a:t>και εύρεση </a:t>
+            </a:r>
+            <a:r>
+              <a:rPr lang="en-US" sz="2400" b="1" dirty="0" smtClean="0"/>
+              <a:t>causal groups</a:t>
+            </a:r>
+          </a:p>
+          <a:p>
+            <a:pPr marL="514350" indent="-514350">
+              <a:buFont typeface="+mj-lt"/>
+              <a:buAutoNum type="arabicPeriod"/>
+            </a:pPr>
+            <a:endParaRPr lang="en-US" sz="2400" dirty="0" smtClean="0"/>
+          </a:p>
+          <a:p>
+            <a:pPr marL="514350" indent="-514350">
+              <a:buFont typeface="+mj-lt"/>
+              <a:buAutoNum type="arabicPeriod"/>
+            </a:pPr>
+            <a:endParaRPr lang="en-US" sz="2400" dirty="0" smtClean="0"/>
+          </a:p>
+          <a:p>
+            <a:pPr marL="514350" indent="-514350">
+              <a:buFont typeface="+mj-lt"/>
+              <a:buAutoNum type="arabicPeriod"/>
+            </a:pPr>
+            <a:endParaRPr lang="en-US" sz="2400" dirty="0" smtClean="0"/>
+          </a:p>
+          <a:p>
+            <a:pPr marL="514350" indent="-514350">
+              <a:buFont typeface="+mj-lt"/>
+              <a:buAutoNum type="arabicPeriod"/>
+            </a:pPr>
+            <a:endParaRPr lang="en-US" sz="2400" dirty="0" smtClean="0"/>
+          </a:p>
+          <a:p>
+            <a:pPr marL="514350" indent="-514350">
+              <a:buNone/>
+            </a:pPr>
+            <a:r>
+              <a:rPr lang="en-US" sz="2400" b="1" dirty="0" smtClean="0"/>
+              <a:t>              a</a:t>
+            </a:r>
+            <a:r>
+              <a:rPr lang="el-GR" sz="2400" b="1" dirty="0" smtClean="0"/>
+              <a:t>#</a:t>
+            </a:r>
+            <a:r>
+              <a:rPr lang="en-US" sz="2400" b="1" dirty="0" smtClean="0"/>
+              <a:t>b</a:t>
+            </a:r>
+            <a:r>
+              <a:rPr lang="el-GR" sz="2400" b="1" dirty="0" smtClean="0"/>
+              <a:t> , </a:t>
+            </a:r>
+            <a:r>
+              <a:rPr lang="en-US" sz="2400" b="1" dirty="0" smtClean="0"/>
+              <a:t>c</a:t>
+            </a:r>
+            <a:r>
+              <a:rPr lang="el-GR" sz="2400" b="1" dirty="0" smtClean="0"/>
+              <a:t>#</a:t>
+            </a:r>
+            <a:r>
+              <a:rPr lang="en-US" sz="2400" b="1" dirty="0" smtClean="0"/>
+              <a:t>d</a:t>
+            </a:r>
+            <a:r>
+              <a:rPr lang="el-GR" sz="2400" b="1" dirty="0" smtClean="0"/>
+              <a:t> , </a:t>
+            </a:r>
+            <a:r>
+              <a:rPr lang="en-US" sz="2400" b="1" dirty="0" smtClean="0"/>
+              <a:t>a</a:t>
+            </a:r>
+            <a:r>
+              <a:rPr lang="el-GR" sz="2400" b="1" dirty="0" smtClean="0"/>
+              <a:t>-&gt;</a:t>
+            </a:r>
+            <a:r>
+              <a:rPr lang="en-US" sz="2400" b="1" dirty="0" smtClean="0"/>
+              <a:t>c</a:t>
+            </a:r>
+            <a:r>
+              <a:rPr lang="el-GR" sz="2400" b="1" dirty="0" smtClean="0"/>
+              <a:t> , </a:t>
+            </a:r>
+            <a:r>
+              <a:rPr lang="en-US" sz="2400" b="1" dirty="0" smtClean="0"/>
+              <a:t>a</a:t>
+            </a:r>
+            <a:r>
+              <a:rPr lang="el-GR" sz="2400" b="1" dirty="0" smtClean="0"/>
+              <a:t>-&gt;</a:t>
+            </a:r>
+            <a:r>
+              <a:rPr lang="en-US" sz="2400" b="1" dirty="0" smtClean="0"/>
+              <a:t>d</a:t>
+            </a:r>
+            <a:r>
+              <a:rPr lang="el-GR" sz="2400" b="1" dirty="0" smtClean="0"/>
+              <a:t> , </a:t>
+            </a:r>
+            <a:r>
+              <a:rPr lang="en-US" sz="2400" b="1" dirty="0" smtClean="0"/>
+              <a:t>b</a:t>
+            </a:r>
+            <a:r>
+              <a:rPr lang="el-GR" sz="2400" b="1" dirty="0" smtClean="0"/>
+              <a:t>-&gt;</a:t>
+            </a:r>
+            <a:r>
+              <a:rPr lang="en-US" sz="2400" b="1" dirty="0" smtClean="0"/>
+              <a:t>c</a:t>
+            </a:r>
+            <a:r>
+              <a:rPr lang="el-GR" sz="2400" b="1" dirty="0" smtClean="0"/>
+              <a:t> , </a:t>
+            </a:r>
+            <a:r>
+              <a:rPr lang="en-US" sz="2400" b="1" dirty="0" smtClean="0"/>
+              <a:t>b</a:t>
+            </a:r>
+            <a:r>
+              <a:rPr lang="el-GR" sz="2400" b="1" dirty="0" smtClean="0"/>
+              <a:t>-&gt;</a:t>
+            </a:r>
+            <a:r>
+              <a:rPr lang="en-US" sz="2400" b="1" dirty="0" smtClean="0"/>
+              <a:t>d</a:t>
+            </a:r>
+            <a:endParaRPr lang="el-GR" sz="2400" b="1" dirty="0"/>
           </a:p>
         </p:txBody>
       </p:sp>
       <p:pic>
         <p:nvPicPr>
-          <p:cNvPr id="1026" name="Picture 2"/>
-          <p:cNvPicPr>
-            <a:picLocks noGrp="1" noChangeAspect="1" noChangeArrowheads="1"/>
-          </p:cNvPicPr>
-          <p:nvPr>
-            <p:ph sz="quarter" idx="1"/>
-          </p:nvPr>
+          <p:cNvPr id="4" name="Picture 3" descr="C:\Users\Vlasis\Dropbox\osyl\report\images\img20.png"/>
+          <p:cNvPicPr/>
+          <p:nvPr/>
         </p:nvPicPr>
         <p:blipFill>
           <a:blip r:embed="rId2"/>
@@ -9081,8 +9973,8 @@
         </p:blipFill>
         <p:spPr bwMode="auto">
           <a:xfrm>
-            <a:off x="685800" y="1219200"/>
-            <a:ext cx="1657350" cy="342900"/>
+            <a:off x="6096000" y="4953000"/>
+            <a:ext cx="2525742" cy="1581288"/>
           </a:xfrm>
           <a:prstGeom prst="rect">
             <a:avLst/>
@@ -9094,12 +9986,11 @@
             <a:headEnd/>
             <a:tailEnd/>
           </a:ln>
-          <a:effectLst/>
         </p:spPr>
       </p:pic>
       <p:pic>
         <p:nvPicPr>
-          <p:cNvPr id="1027" name="Picture 3"/>
+          <p:cNvPr id="2052" name="Picture 4"/>
           <p:cNvPicPr>
             <a:picLocks noChangeAspect="1" noChangeArrowheads="1"/>
           </p:cNvPicPr>
@@ -9114,8 +10005,8 @@
         </p:blipFill>
         <p:spPr bwMode="auto">
           <a:xfrm>
-            <a:off x="5562600" y="914401"/>
-            <a:ext cx="3276600" cy="1524000"/>
+            <a:off x="228600" y="4495800"/>
+            <a:ext cx="5934075" cy="1295400"/>
           </a:xfrm>
           <a:prstGeom prst="rect">
             <a:avLst/>
@@ -9130,77 +10021,18 @@
           <a:effectLst/>
         </p:spPr>
       </p:pic>
-      <p:pic>
-        <p:nvPicPr>
-          <p:cNvPr id="1028" name="Picture 4"/>
-          <p:cNvPicPr>
-            <a:picLocks noChangeAspect="1" noChangeArrowheads="1"/>
-          </p:cNvPicPr>
-          <p:nvPr/>
-        </p:nvPicPr>
-        <p:blipFill>
-          <a:blip r:embed="rId4"/>
-          <a:srcRect/>
-          <a:stretch>
-            <a:fillRect/>
-          </a:stretch>
-        </p:blipFill>
-        <p:spPr bwMode="auto">
-          <a:xfrm>
-            <a:off x="457200" y="1828800"/>
-            <a:ext cx="5029200" cy="2895600"/>
-          </a:xfrm>
-          <a:prstGeom prst="rect">
-            <a:avLst/>
-          </a:prstGeom>
-          <a:noFill/>
-          <a:ln w="9525">
-            <a:noFill/>
-            <a:miter lim="800000"/>
-            <a:headEnd/>
-            <a:tailEnd/>
-          </a:ln>
-          <a:effectLst/>
-        </p:spPr>
-      </p:pic>
-      <p:pic>
-        <p:nvPicPr>
-          <p:cNvPr id="1029" name="Picture 5"/>
-          <p:cNvPicPr>
-            <a:picLocks noChangeAspect="1" noChangeArrowheads="1"/>
-          </p:cNvPicPr>
-          <p:nvPr/>
-        </p:nvPicPr>
-        <p:blipFill>
-          <a:blip r:embed="rId5"/>
-          <a:srcRect/>
-          <a:stretch>
-            <a:fillRect/>
-          </a:stretch>
-        </p:blipFill>
-        <p:spPr bwMode="auto">
-          <a:xfrm>
-            <a:off x="1905000" y="4724400"/>
-            <a:ext cx="7015163" cy="1824037"/>
-          </a:xfrm>
-          <a:prstGeom prst="rect">
-            <a:avLst/>
-          </a:prstGeom>
-          <a:noFill/>
-          <a:ln w="9525">
-            <a:noFill/>
-            <a:miter lim="800000"/>
-            <a:headEnd/>
-            <a:tailEnd/>
-          </a:ln>
-          <a:effectLst/>
-        </p:spPr>
-      </p:pic>
     </p:spTree>
   </p:cSld>
   <p:clrMapOvr>
     <a:masterClrMapping/>
   </p:clrMapOvr>
+  <p:timing>
+    <p:tnLst>
+      <p:par>
+        <p:cTn id="1" dur="indefinite" restart="never" nodeType="tmRoot"/>
+      </p:par>
+    </p:tnLst>
+  </p:timing>
 </p:sld>
 </file>
 
